--- a/GameMaster/GameDesign/UIDesign/科技树.pptx
+++ b/GameMaster/GameDesign/UIDesign/科技树.pptx
@@ -270,7 +270,7 @@
           <a:p>
             <a:fld id="{7932185F-38CF-4A24-82CE-0DC2B7FCD8A5}" type="datetimeFigureOut">
               <a:rPr lang="zh-CN" altLang="en-US" smtClean="0"/>
-              <a:t>2019/11/29/Friday</a:t>
+              <a:t>2019/12/1/Sunday</a:t>
             </a:fld>
             <a:endParaRPr lang="zh-CN" altLang="en-US"/>
           </a:p>
@@ -468,7 +468,7 @@
           <a:p>
             <a:fld id="{7932185F-38CF-4A24-82CE-0DC2B7FCD8A5}" type="datetimeFigureOut">
               <a:rPr lang="zh-CN" altLang="en-US" smtClean="0"/>
-              <a:t>2019/11/29/Friday</a:t>
+              <a:t>2019/12/1/Sunday</a:t>
             </a:fld>
             <a:endParaRPr lang="zh-CN" altLang="en-US"/>
           </a:p>
@@ -676,7 +676,7 @@
           <a:p>
             <a:fld id="{7932185F-38CF-4A24-82CE-0DC2B7FCD8A5}" type="datetimeFigureOut">
               <a:rPr lang="zh-CN" altLang="en-US" smtClean="0"/>
-              <a:t>2019/11/29/Friday</a:t>
+              <a:t>2019/12/1/Sunday</a:t>
             </a:fld>
             <a:endParaRPr lang="zh-CN" altLang="en-US"/>
           </a:p>
@@ -874,7 +874,7 @@
           <a:p>
             <a:fld id="{7932185F-38CF-4A24-82CE-0DC2B7FCD8A5}" type="datetimeFigureOut">
               <a:rPr lang="zh-CN" altLang="en-US" smtClean="0"/>
-              <a:t>2019/11/29/Friday</a:t>
+              <a:t>2019/12/1/Sunday</a:t>
             </a:fld>
             <a:endParaRPr lang="zh-CN" altLang="en-US"/>
           </a:p>
@@ -1149,7 +1149,7 @@
           <a:p>
             <a:fld id="{7932185F-38CF-4A24-82CE-0DC2B7FCD8A5}" type="datetimeFigureOut">
               <a:rPr lang="zh-CN" altLang="en-US" smtClean="0"/>
-              <a:t>2019/11/29/Friday</a:t>
+              <a:t>2019/12/1/Sunday</a:t>
             </a:fld>
             <a:endParaRPr lang="zh-CN" altLang="en-US"/>
           </a:p>
@@ -1414,7 +1414,7 @@
           <a:p>
             <a:fld id="{7932185F-38CF-4A24-82CE-0DC2B7FCD8A5}" type="datetimeFigureOut">
               <a:rPr lang="zh-CN" altLang="en-US" smtClean="0"/>
-              <a:t>2019/11/29/Friday</a:t>
+              <a:t>2019/12/1/Sunday</a:t>
             </a:fld>
             <a:endParaRPr lang="zh-CN" altLang="en-US"/>
           </a:p>
@@ -1826,7 +1826,7 @@
           <a:p>
             <a:fld id="{7932185F-38CF-4A24-82CE-0DC2B7FCD8A5}" type="datetimeFigureOut">
               <a:rPr lang="zh-CN" altLang="en-US" smtClean="0"/>
-              <a:t>2019/11/29/Friday</a:t>
+              <a:t>2019/12/1/Sunday</a:t>
             </a:fld>
             <a:endParaRPr lang="zh-CN" altLang="en-US"/>
           </a:p>
@@ -1967,7 +1967,7 @@
           <a:p>
             <a:fld id="{7932185F-38CF-4A24-82CE-0DC2B7FCD8A5}" type="datetimeFigureOut">
               <a:rPr lang="zh-CN" altLang="en-US" smtClean="0"/>
-              <a:t>2019/11/29/Friday</a:t>
+              <a:t>2019/12/1/Sunday</a:t>
             </a:fld>
             <a:endParaRPr lang="zh-CN" altLang="en-US"/>
           </a:p>
@@ -2080,7 +2080,7 @@
           <a:p>
             <a:fld id="{7932185F-38CF-4A24-82CE-0DC2B7FCD8A5}" type="datetimeFigureOut">
               <a:rPr lang="zh-CN" altLang="en-US" smtClean="0"/>
-              <a:t>2019/11/29/Friday</a:t>
+              <a:t>2019/12/1/Sunday</a:t>
             </a:fld>
             <a:endParaRPr lang="zh-CN" altLang="en-US"/>
           </a:p>
@@ -2391,7 +2391,7 @@
           <a:p>
             <a:fld id="{7932185F-38CF-4A24-82CE-0DC2B7FCD8A5}" type="datetimeFigureOut">
               <a:rPr lang="zh-CN" altLang="en-US" smtClean="0"/>
-              <a:t>2019/11/29/Friday</a:t>
+              <a:t>2019/12/1/Sunday</a:t>
             </a:fld>
             <a:endParaRPr lang="zh-CN" altLang="en-US"/>
           </a:p>
@@ -2679,7 +2679,7 @@
           <a:p>
             <a:fld id="{7932185F-38CF-4A24-82CE-0DC2B7FCD8A5}" type="datetimeFigureOut">
               <a:rPr lang="zh-CN" altLang="en-US" smtClean="0"/>
-              <a:t>2019/11/29/Friday</a:t>
+              <a:t>2019/12/1/Sunday</a:t>
             </a:fld>
             <a:endParaRPr lang="zh-CN" altLang="en-US"/>
           </a:p>
@@ -2920,7 +2920,7 @@
           <a:p>
             <a:fld id="{7932185F-38CF-4A24-82CE-0DC2B7FCD8A5}" type="datetimeFigureOut">
               <a:rPr lang="zh-CN" altLang="en-US" smtClean="0"/>
-              <a:t>2019/11/29/Friday</a:t>
+              <a:t>2019/12/1/Sunday</a:t>
             </a:fld>
             <a:endParaRPr lang="zh-CN" altLang="en-US"/>
           </a:p>
@@ -4739,932 +4739,6 @@
             <a:lstStyle/>
             <a:p>
               <a:endParaRPr lang="zh-CN" altLang="en-US"/>
-            </a:p>
-          </p:txBody>
-        </p:sp>
-      </p:grpSp>
-      <p:grpSp>
-        <p:nvGrpSpPr>
-          <p:cNvPr id="47" name="组合 46">
-            <a:extLst>
-              <a:ext uri="{FF2B5EF4-FFF2-40B4-BE49-F238E27FC236}">
-                <a16:creationId xmlns:a16="http://schemas.microsoft.com/office/drawing/2014/main" id="{7ECD7EAE-3A4E-427F-840B-EB1B49341F2B}"/>
-              </a:ext>
-            </a:extLst>
-          </p:cNvPr>
-          <p:cNvGrpSpPr/>
-          <p:nvPr/>
-        </p:nvGrpSpPr>
-        <p:grpSpPr>
-          <a:xfrm>
-            <a:off x="1408605" y="5997636"/>
-            <a:ext cx="681818" cy="169277"/>
-            <a:chOff x="4380405" y="4115594"/>
-            <a:chExt cx="681818" cy="169277"/>
-          </a:xfrm>
-        </p:grpSpPr>
-        <p:grpSp>
-          <p:nvGrpSpPr>
-            <p:cNvPr id="41" name="组合 40">
-              <a:extLst>
-                <a:ext uri="{FF2B5EF4-FFF2-40B4-BE49-F238E27FC236}">
-                  <a16:creationId xmlns:a16="http://schemas.microsoft.com/office/drawing/2014/main" id="{801B1ECB-9F15-4A04-A4D9-3CE8E077AE8D}"/>
-                </a:ext>
-              </a:extLst>
-            </p:cNvPr>
-            <p:cNvGrpSpPr/>
-            <p:nvPr/>
-          </p:nvGrpSpPr>
-          <p:grpSpPr>
-            <a:xfrm>
-              <a:off x="4380405" y="4134767"/>
-              <a:ext cx="96623" cy="125777"/>
-              <a:chOff x="4411736" y="4007913"/>
-              <a:chExt cx="368300" cy="479426"/>
-            </a:xfrm>
-            <a:solidFill>
-              <a:srgbClr val="FF0000">
-                <a:alpha val="40000"/>
-              </a:srgbClr>
-            </a:solidFill>
-          </p:grpSpPr>
-          <p:sp>
-            <p:nvSpPr>
-              <p:cNvPr id="45" name="Freeform 44">
-                <a:extLst>
-                  <a:ext uri="{FF2B5EF4-FFF2-40B4-BE49-F238E27FC236}">
-                    <a16:creationId xmlns:a16="http://schemas.microsoft.com/office/drawing/2014/main" id="{8BDD83D7-D85A-4D06-A57E-86ED09F23B9E}"/>
-                  </a:ext>
-                </a:extLst>
-              </p:cNvPr>
-              <p:cNvSpPr>
-                <a:spLocks/>
-              </p:cNvSpPr>
-              <p:nvPr/>
-            </p:nvSpPr>
-            <p:spPr bwMode="auto">
-              <a:xfrm>
-                <a:off x="4468886" y="4007913"/>
-                <a:ext cx="255588" cy="184150"/>
-              </a:xfrm>
-              <a:custGeom>
-                <a:avLst/>
-                <a:gdLst>
-                  <a:gd name="T0" fmla="*/ 14 w 68"/>
-                  <a:gd name="T1" fmla="*/ 49 h 49"/>
-                  <a:gd name="T2" fmla="*/ 14 w 68"/>
-                  <a:gd name="T3" fmla="*/ 34 h 49"/>
-                  <a:gd name="T4" fmla="*/ 20 w 68"/>
-                  <a:gd name="T5" fmla="*/ 20 h 49"/>
-                  <a:gd name="T6" fmla="*/ 34 w 68"/>
-                  <a:gd name="T7" fmla="*/ 15 h 49"/>
-                  <a:gd name="T8" fmla="*/ 48 w 68"/>
-                  <a:gd name="T9" fmla="*/ 20 h 49"/>
-                  <a:gd name="T10" fmla="*/ 54 w 68"/>
-                  <a:gd name="T11" fmla="*/ 34 h 49"/>
-                  <a:gd name="T12" fmla="*/ 54 w 68"/>
-                  <a:gd name="T13" fmla="*/ 49 h 49"/>
-                  <a:gd name="T14" fmla="*/ 68 w 68"/>
-                  <a:gd name="T15" fmla="*/ 49 h 49"/>
-                  <a:gd name="T16" fmla="*/ 68 w 68"/>
-                  <a:gd name="T17" fmla="*/ 34 h 49"/>
-                  <a:gd name="T18" fmla="*/ 34 w 68"/>
-                  <a:gd name="T19" fmla="*/ 0 h 49"/>
-                  <a:gd name="T20" fmla="*/ 0 w 68"/>
-                  <a:gd name="T21" fmla="*/ 34 h 49"/>
-                  <a:gd name="T22" fmla="*/ 0 w 68"/>
-                  <a:gd name="T23" fmla="*/ 49 h 49"/>
-                  <a:gd name="T24" fmla="*/ 14 w 68"/>
-                  <a:gd name="T25" fmla="*/ 49 h 49"/>
-                </a:gdLst>
-                <a:ahLst/>
-                <a:cxnLst>
-                  <a:cxn ang="0">
-                    <a:pos x="T0" y="T1"/>
-                  </a:cxn>
-                  <a:cxn ang="0">
-                    <a:pos x="T2" y="T3"/>
-                  </a:cxn>
-                  <a:cxn ang="0">
-                    <a:pos x="T4" y="T5"/>
-                  </a:cxn>
-                  <a:cxn ang="0">
-                    <a:pos x="T6" y="T7"/>
-                  </a:cxn>
-                  <a:cxn ang="0">
-                    <a:pos x="T8" y="T9"/>
-                  </a:cxn>
-                  <a:cxn ang="0">
-                    <a:pos x="T10" y="T11"/>
-                  </a:cxn>
-                  <a:cxn ang="0">
-                    <a:pos x="T12" y="T13"/>
-                  </a:cxn>
-                  <a:cxn ang="0">
-                    <a:pos x="T14" y="T15"/>
-                  </a:cxn>
-                  <a:cxn ang="0">
-                    <a:pos x="T16" y="T17"/>
-                  </a:cxn>
-                  <a:cxn ang="0">
-                    <a:pos x="T18" y="T19"/>
-                  </a:cxn>
-                  <a:cxn ang="0">
-                    <a:pos x="T20" y="T21"/>
-                  </a:cxn>
-                  <a:cxn ang="0">
-                    <a:pos x="T22" y="T23"/>
-                  </a:cxn>
-                  <a:cxn ang="0">
-                    <a:pos x="T24" y="T25"/>
-                  </a:cxn>
-                </a:cxnLst>
-                <a:rect l="0" t="0" r="r" b="b"/>
-                <a:pathLst>
-                  <a:path w="68" h="49">
-                    <a:moveTo>
-                      <a:pt x="14" y="49"/>
-                    </a:moveTo>
-                    <a:cubicBezTo>
-                      <a:pt x="14" y="34"/>
-                      <a:pt x="14" y="34"/>
-                      <a:pt x="14" y="34"/>
-                    </a:cubicBezTo>
-                    <a:cubicBezTo>
-                      <a:pt x="14" y="29"/>
-                      <a:pt x="16" y="24"/>
-                      <a:pt x="20" y="20"/>
-                    </a:cubicBezTo>
-                    <a:cubicBezTo>
-                      <a:pt x="24" y="17"/>
-                      <a:pt x="29" y="15"/>
-                      <a:pt x="34" y="15"/>
-                    </a:cubicBezTo>
-                    <a:cubicBezTo>
-                      <a:pt x="39" y="15"/>
-                      <a:pt x="44" y="17"/>
-                      <a:pt x="48" y="20"/>
-                    </a:cubicBezTo>
-                    <a:cubicBezTo>
-                      <a:pt x="52" y="24"/>
-                      <a:pt x="54" y="29"/>
-                      <a:pt x="54" y="34"/>
-                    </a:cubicBezTo>
-                    <a:cubicBezTo>
-                      <a:pt x="54" y="49"/>
-                      <a:pt x="54" y="49"/>
-                      <a:pt x="54" y="49"/>
-                    </a:cubicBezTo>
-                    <a:cubicBezTo>
-                      <a:pt x="68" y="49"/>
-                      <a:pt x="68" y="49"/>
-                      <a:pt x="68" y="49"/>
-                    </a:cubicBezTo>
-                    <a:cubicBezTo>
-                      <a:pt x="68" y="34"/>
-                      <a:pt x="68" y="34"/>
-                      <a:pt x="68" y="34"/>
-                    </a:cubicBezTo>
-                    <a:cubicBezTo>
-                      <a:pt x="68" y="15"/>
-                      <a:pt x="53" y="0"/>
-                      <a:pt x="34" y="0"/>
-                    </a:cubicBezTo>
-                    <a:cubicBezTo>
-                      <a:pt x="15" y="0"/>
-                      <a:pt x="0" y="15"/>
-                      <a:pt x="0" y="34"/>
-                    </a:cubicBezTo>
-                    <a:cubicBezTo>
-                      <a:pt x="0" y="49"/>
-                      <a:pt x="0" y="49"/>
-                      <a:pt x="0" y="49"/>
-                    </a:cubicBezTo>
-                    <a:lnTo>
-                      <a:pt x="14" y="49"/>
-                    </a:lnTo>
-                    <a:close/>
-                  </a:path>
-                </a:pathLst>
-              </a:custGeom>
-              <a:grpFill/>
-              <a:ln>
-                <a:noFill/>
-              </a:ln>
-              <a:extLst>
-                <a:ext uri="{91240B29-F687-4F45-9708-019B960494DF}">
-                  <a14:hiddenLine xmlns:a14="http://schemas.microsoft.com/office/drawing/2010/main" w="9525">
-                    <a:solidFill>
-                      <a:srgbClr val="000000"/>
-                    </a:solidFill>
-                    <a:round/>
-                    <a:headEnd/>
-                    <a:tailEnd/>
-                  </a14:hiddenLine>
-                </a:ext>
-              </a:extLst>
-            </p:spPr>
-            <p:txBody>
-              <a:bodyPr vert="horz" wrap="square" lIns="91440" tIns="45720" rIns="91440" bIns="45720" numCol="1" anchor="t" anchorCtr="0" compatLnSpc="1">
-                <a:prstTxWarp prst="textNoShape">
-                  <a:avLst/>
-                </a:prstTxWarp>
-              </a:bodyPr>
-              <a:lstStyle/>
-              <a:p>
-                <a:endParaRPr lang="zh-CN" altLang="en-US"/>
-              </a:p>
-            </p:txBody>
-          </p:sp>
-          <p:sp>
-            <p:nvSpPr>
-              <p:cNvPr id="46" name="Freeform 45">
-                <a:extLst>
-                  <a:ext uri="{FF2B5EF4-FFF2-40B4-BE49-F238E27FC236}">
-                    <a16:creationId xmlns:a16="http://schemas.microsoft.com/office/drawing/2014/main" id="{9F609A82-A909-4076-899C-6B67B7A240AF}"/>
-                  </a:ext>
-                </a:extLst>
-              </p:cNvPr>
-              <p:cNvSpPr>
-                <a:spLocks noEditPoints="1"/>
-              </p:cNvSpPr>
-              <p:nvPr/>
-            </p:nvSpPr>
-            <p:spPr bwMode="auto">
-              <a:xfrm>
-                <a:off x="4411736" y="4228576"/>
-                <a:ext cx="368300" cy="258763"/>
-              </a:xfrm>
-              <a:custGeom>
-                <a:avLst/>
-                <a:gdLst>
-                  <a:gd name="T0" fmla="*/ 0 w 98"/>
-                  <a:gd name="T1" fmla="*/ 0 h 69"/>
-                  <a:gd name="T2" fmla="*/ 0 w 98"/>
-                  <a:gd name="T3" fmla="*/ 69 h 69"/>
-                  <a:gd name="T4" fmla="*/ 98 w 98"/>
-                  <a:gd name="T5" fmla="*/ 69 h 69"/>
-                  <a:gd name="T6" fmla="*/ 98 w 98"/>
-                  <a:gd name="T7" fmla="*/ 0 h 69"/>
-                  <a:gd name="T8" fmla="*/ 0 w 98"/>
-                  <a:gd name="T9" fmla="*/ 0 h 69"/>
-                  <a:gd name="T10" fmla="*/ 54 w 98"/>
-                  <a:gd name="T11" fmla="*/ 39 h 69"/>
-                  <a:gd name="T12" fmla="*/ 54 w 98"/>
-                  <a:gd name="T13" fmla="*/ 52 h 69"/>
-                  <a:gd name="T14" fmla="*/ 44 w 98"/>
-                  <a:gd name="T15" fmla="*/ 52 h 69"/>
-                  <a:gd name="T16" fmla="*/ 44 w 98"/>
-                  <a:gd name="T17" fmla="*/ 39 h 69"/>
-                  <a:gd name="T18" fmla="*/ 38 w 98"/>
-                  <a:gd name="T19" fmla="*/ 29 h 69"/>
-                  <a:gd name="T20" fmla="*/ 49 w 98"/>
-                  <a:gd name="T21" fmla="*/ 19 h 69"/>
-                  <a:gd name="T22" fmla="*/ 59 w 98"/>
-                  <a:gd name="T23" fmla="*/ 29 h 69"/>
-                  <a:gd name="T24" fmla="*/ 54 w 98"/>
-                  <a:gd name="T25" fmla="*/ 39 h 69"/>
-                </a:gdLst>
-                <a:ahLst/>
-                <a:cxnLst>
-                  <a:cxn ang="0">
-                    <a:pos x="T0" y="T1"/>
-                  </a:cxn>
-                  <a:cxn ang="0">
-                    <a:pos x="T2" y="T3"/>
-                  </a:cxn>
-                  <a:cxn ang="0">
-                    <a:pos x="T4" y="T5"/>
-                  </a:cxn>
-                  <a:cxn ang="0">
-                    <a:pos x="T6" y="T7"/>
-                  </a:cxn>
-                  <a:cxn ang="0">
-                    <a:pos x="T8" y="T9"/>
-                  </a:cxn>
-                  <a:cxn ang="0">
-                    <a:pos x="T10" y="T11"/>
-                  </a:cxn>
-                  <a:cxn ang="0">
-                    <a:pos x="T12" y="T13"/>
-                  </a:cxn>
-                  <a:cxn ang="0">
-                    <a:pos x="T14" y="T15"/>
-                  </a:cxn>
-                  <a:cxn ang="0">
-                    <a:pos x="T16" y="T17"/>
-                  </a:cxn>
-                  <a:cxn ang="0">
-                    <a:pos x="T18" y="T19"/>
-                  </a:cxn>
-                  <a:cxn ang="0">
-                    <a:pos x="T20" y="T21"/>
-                  </a:cxn>
-                  <a:cxn ang="0">
-                    <a:pos x="T22" y="T23"/>
-                  </a:cxn>
-                  <a:cxn ang="0">
-                    <a:pos x="T24" y="T25"/>
-                  </a:cxn>
-                </a:cxnLst>
-                <a:rect l="0" t="0" r="r" b="b"/>
-                <a:pathLst>
-                  <a:path w="98" h="69">
-                    <a:moveTo>
-                      <a:pt x="0" y="0"/>
-                    </a:moveTo>
-                    <a:cubicBezTo>
-                      <a:pt x="0" y="69"/>
-                      <a:pt x="0" y="69"/>
-                      <a:pt x="0" y="69"/>
-                    </a:cubicBezTo>
-                    <a:cubicBezTo>
-                      <a:pt x="98" y="69"/>
-                      <a:pt x="98" y="69"/>
-                      <a:pt x="98" y="69"/>
-                    </a:cubicBezTo>
-                    <a:cubicBezTo>
-                      <a:pt x="98" y="0"/>
-                      <a:pt x="98" y="0"/>
-                      <a:pt x="98" y="0"/>
-                    </a:cubicBezTo>
-                    <a:lnTo>
-                      <a:pt x="0" y="0"/>
-                    </a:lnTo>
-                    <a:close/>
-                    <a:moveTo>
-                      <a:pt x="54" y="39"/>
-                    </a:moveTo>
-                    <a:cubicBezTo>
-                      <a:pt x="54" y="52"/>
-                      <a:pt x="54" y="52"/>
-                      <a:pt x="54" y="52"/>
-                    </a:cubicBezTo>
-                    <a:cubicBezTo>
-                      <a:pt x="44" y="52"/>
-                      <a:pt x="44" y="52"/>
-                      <a:pt x="44" y="52"/>
-                    </a:cubicBezTo>
-                    <a:cubicBezTo>
-                      <a:pt x="44" y="39"/>
-                      <a:pt x="44" y="39"/>
-                      <a:pt x="44" y="39"/>
-                    </a:cubicBezTo>
-                    <a:cubicBezTo>
-                      <a:pt x="41" y="37"/>
-                      <a:pt x="38" y="33"/>
-                      <a:pt x="38" y="29"/>
-                    </a:cubicBezTo>
-                    <a:cubicBezTo>
-                      <a:pt x="38" y="24"/>
-                      <a:pt x="43" y="19"/>
-                      <a:pt x="49" y="19"/>
-                    </a:cubicBezTo>
-                    <a:cubicBezTo>
-                      <a:pt x="55" y="19"/>
-                      <a:pt x="59" y="24"/>
-                      <a:pt x="59" y="29"/>
-                    </a:cubicBezTo>
-                    <a:cubicBezTo>
-                      <a:pt x="59" y="33"/>
-                      <a:pt x="57" y="37"/>
-                      <a:pt x="54" y="39"/>
-                    </a:cubicBezTo>
-                    <a:close/>
-                  </a:path>
-                </a:pathLst>
-              </a:custGeom>
-              <a:grpFill/>
-              <a:ln>
-                <a:noFill/>
-              </a:ln>
-              <a:extLst>
-                <a:ext uri="{91240B29-F687-4F45-9708-019B960494DF}">
-                  <a14:hiddenLine xmlns:a14="http://schemas.microsoft.com/office/drawing/2010/main" w="9525">
-                    <a:solidFill>
-                      <a:srgbClr val="000000"/>
-                    </a:solidFill>
-                    <a:round/>
-                    <a:headEnd/>
-                    <a:tailEnd/>
-                  </a14:hiddenLine>
-                </a:ext>
-              </a:extLst>
-            </p:spPr>
-            <p:txBody>
-              <a:bodyPr vert="horz" wrap="square" lIns="91440" tIns="45720" rIns="91440" bIns="45720" numCol="1" anchor="t" anchorCtr="0" compatLnSpc="1">
-                <a:prstTxWarp prst="textNoShape">
-                  <a:avLst/>
-                </a:prstTxWarp>
-              </a:bodyPr>
-              <a:lstStyle/>
-              <a:p>
-                <a:endParaRPr lang="zh-CN" altLang="en-US"/>
-              </a:p>
-            </p:txBody>
-          </p:sp>
-        </p:grpSp>
-        <p:sp>
-          <p:nvSpPr>
-            <p:cNvPr id="44" name="文本框 43">
-              <a:extLst>
-                <a:ext uri="{FF2B5EF4-FFF2-40B4-BE49-F238E27FC236}">
-                  <a16:creationId xmlns:a16="http://schemas.microsoft.com/office/drawing/2014/main" id="{4A8B02CC-B540-4FAE-9728-EB31E0A1666C}"/>
-                </a:ext>
-              </a:extLst>
-            </p:cNvPr>
-            <p:cNvSpPr txBox="1"/>
-            <p:nvPr/>
-          </p:nvSpPr>
-          <p:spPr>
-            <a:xfrm>
-              <a:off x="4428716" y="4115594"/>
-              <a:ext cx="633507" cy="169277"/>
-            </a:xfrm>
-            <a:prstGeom prst="rect">
-              <a:avLst/>
-            </a:prstGeom>
-            <a:noFill/>
-          </p:spPr>
-          <p:txBody>
-            <a:bodyPr wrap="none" rtlCol="0">
-              <a:spAutoFit/>
-            </a:bodyPr>
-            <a:lstStyle/>
-            <a:p>
-              <a:r>
-                <a:rPr lang="zh-CN" altLang="en-US" sz="500" dirty="0">
-                  <a:solidFill>
-                    <a:schemeClr val="bg1">
-                      <a:alpha val="60000"/>
-                    </a:schemeClr>
-                  </a:solidFill>
-                </a:rPr>
-                <a:t>前置：矿物开采</a:t>
-              </a:r>
-            </a:p>
-          </p:txBody>
-        </p:sp>
-      </p:grpSp>
-      <p:grpSp>
-        <p:nvGrpSpPr>
-          <p:cNvPr id="50" name="组合 49">
-            <a:extLst>
-              <a:ext uri="{FF2B5EF4-FFF2-40B4-BE49-F238E27FC236}">
-                <a16:creationId xmlns:a16="http://schemas.microsoft.com/office/drawing/2014/main" id="{3B708BD5-9F67-4199-9A78-C25C92B3F5D9}"/>
-              </a:ext>
-            </a:extLst>
-          </p:cNvPr>
-          <p:cNvGrpSpPr/>
-          <p:nvPr/>
-        </p:nvGrpSpPr>
-        <p:grpSpPr>
-          <a:xfrm>
-            <a:off x="1408605" y="6164559"/>
-            <a:ext cx="745938" cy="169277"/>
-            <a:chOff x="4380405" y="4115594"/>
-            <a:chExt cx="745938" cy="169277"/>
-          </a:xfrm>
-        </p:grpSpPr>
-        <p:grpSp>
-          <p:nvGrpSpPr>
-            <p:cNvPr id="51" name="组合 50">
-              <a:extLst>
-                <a:ext uri="{FF2B5EF4-FFF2-40B4-BE49-F238E27FC236}">
-                  <a16:creationId xmlns:a16="http://schemas.microsoft.com/office/drawing/2014/main" id="{1A0D85F8-5BCA-49BD-B813-06C419C827FC}"/>
-                </a:ext>
-              </a:extLst>
-            </p:cNvPr>
-            <p:cNvGrpSpPr/>
-            <p:nvPr/>
-          </p:nvGrpSpPr>
-          <p:grpSpPr>
-            <a:xfrm>
-              <a:off x="4380405" y="4134767"/>
-              <a:ext cx="96623" cy="125777"/>
-              <a:chOff x="4411736" y="4007913"/>
-              <a:chExt cx="368300" cy="479426"/>
-            </a:xfrm>
-            <a:solidFill>
-              <a:srgbClr val="FF0000">
-                <a:alpha val="40000"/>
-              </a:srgbClr>
-            </a:solidFill>
-          </p:grpSpPr>
-          <p:sp>
-            <p:nvSpPr>
-              <p:cNvPr id="53" name="Freeform 44">
-                <a:extLst>
-                  <a:ext uri="{FF2B5EF4-FFF2-40B4-BE49-F238E27FC236}">
-                    <a16:creationId xmlns:a16="http://schemas.microsoft.com/office/drawing/2014/main" id="{567F081C-DF97-4F04-9098-B6F9E5B5ED4E}"/>
-                  </a:ext>
-                </a:extLst>
-              </p:cNvPr>
-              <p:cNvSpPr>
-                <a:spLocks/>
-              </p:cNvSpPr>
-              <p:nvPr/>
-            </p:nvSpPr>
-            <p:spPr bwMode="auto">
-              <a:xfrm>
-                <a:off x="4468886" y="4007913"/>
-                <a:ext cx="255588" cy="184150"/>
-              </a:xfrm>
-              <a:custGeom>
-                <a:avLst/>
-                <a:gdLst>
-                  <a:gd name="T0" fmla="*/ 14 w 68"/>
-                  <a:gd name="T1" fmla="*/ 49 h 49"/>
-                  <a:gd name="T2" fmla="*/ 14 w 68"/>
-                  <a:gd name="T3" fmla="*/ 34 h 49"/>
-                  <a:gd name="T4" fmla="*/ 20 w 68"/>
-                  <a:gd name="T5" fmla="*/ 20 h 49"/>
-                  <a:gd name="T6" fmla="*/ 34 w 68"/>
-                  <a:gd name="T7" fmla="*/ 15 h 49"/>
-                  <a:gd name="T8" fmla="*/ 48 w 68"/>
-                  <a:gd name="T9" fmla="*/ 20 h 49"/>
-                  <a:gd name="T10" fmla="*/ 54 w 68"/>
-                  <a:gd name="T11" fmla="*/ 34 h 49"/>
-                  <a:gd name="T12" fmla="*/ 54 w 68"/>
-                  <a:gd name="T13" fmla="*/ 49 h 49"/>
-                  <a:gd name="T14" fmla="*/ 68 w 68"/>
-                  <a:gd name="T15" fmla="*/ 49 h 49"/>
-                  <a:gd name="T16" fmla="*/ 68 w 68"/>
-                  <a:gd name="T17" fmla="*/ 34 h 49"/>
-                  <a:gd name="T18" fmla="*/ 34 w 68"/>
-                  <a:gd name="T19" fmla="*/ 0 h 49"/>
-                  <a:gd name="T20" fmla="*/ 0 w 68"/>
-                  <a:gd name="T21" fmla="*/ 34 h 49"/>
-                  <a:gd name="T22" fmla="*/ 0 w 68"/>
-                  <a:gd name="T23" fmla="*/ 49 h 49"/>
-                  <a:gd name="T24" fmla="*/ 14 w 68"/>
-                  <a:gd name="T25" fmla="*/ 49 h 49"/>
-                </a:gdLst>
-                <a:ahLst/>
-                <a:cxnLst>
-                  <a:cxn ang="0">
-                    <a:pos x="T0" y="T1"/>
-                  </a:cxn>
-                  <a:cxn ang="0">
-                    <a:pos x="T2" y="T3"/>
-                  </a:cxn>
-                  <a:cxn ang="0">
-                    <a:pos x="T4" y="T5"/>
-                  </a:cxn>
-                  <a:cxn ang="0">
-                    <a:pos x="T6" y="T7"/>
-                  </a:cxn>
-                  <a:cxn ang="0">
-                    <a:pos x="T8" y="T9"/>
-                  </a:cxn>
-                  <a:cxn ang="0">
-                    <a:pos x="T10" y="T11"/>
-                  </a:cxn>
-                  <a:cxn ang="0">
-                    <a:pos x="T12" y="T13"/>
-                  </a:cxn>
-                  <a:cxn ang="0">
-                    <a:pos x="T14" y="T15"/>
-                  </a:cxn>
-                  <a:cxn ang="0">
-                    <a:pos x="T16" y="T17"/>
-                  </a:cxn>
-                  <a:cxn ang="0">
-                    <a:pos x="T18" y="T19"/>
-                  </a:cxn>
-                  <a:cxn ang="0">
-                    <a:pos x="T20" y="T21"/>
-                  </a:cxn>
-                  <a:cxn ang="0">
-                    <a:pos x="T22" y="T23"/>
-                  </a:cxn>
-                  <a:cxn ang="0">
-                    <a:pos x="T24" y="T25"/>
-                  </a:cxn>
-                </a:cxnLst>
-                <a:rect l="0" t="0" r="r" b="b"/>
-                <a:pathLst>
-                  <a:path w="68" h="49">
-                    <a:moveTo>
-                      <a:pt x="14" y="49"/>
-                    </a:moveTo>
-                    <a:cubicBezTo>
-                      <a:pt x="14" y="34"/>
-                      <a:pt x="14" y="34"/>
-                      <a:pt x="14" y="34"/>
-                    </a:cubicBezTo>
-                    <a:cubicBezTo>
-                      <a:pt x="14" y="29"/>
-                      <a:pt x="16" y="24"/>
-                      <a:pt x="20" y="20"/>
-                    </a:cubicBezTo>
-                    <a:cubicBezTo>
-                      <a:pt x="24" y="17"/>
-                      <a:pt x="29" y="15"/>
-                      <a:pt x="34" y="15"/>
-                    </a:cubicBezTo>
-                    <a:cubicBezTo>
-                      <a:pt x="39" y="15"/>
-                      <a:pt x="44" y="17"/>
-                      <a:pt x="48" y="20"/>
-                    </a:cubicBezTo>
-                    <a:cubicBezTo>
-                      <a:pt x="52" y="24"/>
-                      <a:pt x="54" y="29"/>
-                      <a:pt x="54" y="34"/>
-                    </a:cubicBezTo>
-                    <a:cubicBezTo>
-                      <a:pt x="54" y="49"/>
-                      <a:pt x="54" y="49"/>
-                      <a:pt x="54" y="49"/>
-                    </a:cubicBezTo>
-                    <a:cubicBezTo>
-                      <a:pt x="68" y="49"/>
-                      <a:pt x="68" y="49"/>
-                      <a:pt x="68" y="49"/>
-                    </a:cubicBezTo>
-                    <a:cubicBezTo>
-                      <a:pt x="68" y="34"/>
-                      <a:pt x="68" y="34"/>
-                      <a:pt x="68" y="34"/>
-                    </a:cubicBezTo>
-                    <a:cubicBezTo>
-                      <a:pt x="68" y="15"/>
-                      <a:pt x="53" y="0"/>
-                      <a:pt x="34" y="0"/>
-                    </a:cubicBezTo>
-                    <a:cubicBezTo>
-                      <a:pt x="15" y="0"/>
-                      <a:pt x="0" y="15"/>
-                      <a:pt x="0" y="34"/>
-                    </a:cubicBezTo>
-                    <a:cubicBezTo>
-                      <a:pt x="0" y="49"/>
-                      <a:pt x="0" y="49"/>
-                      <a:pt x="0" y="49"/>
-                    </a:cubicBezTo>
-                    <a:lnTo>
-                      <a:pt x="14" y="49"/>
-                    </a:lnTo>
-                    <a:close/>
-                  </a:path>
-                </a:pathLst>
-              </a:custGeom>
-              <a:grpFill/>
-              <a:ln>
-                <a:noFill/>
-              </a:ln>
-              <a:extLst>
-                <a:ext uri="{91240B29-F687-4F45-9708-019B960494DF}">
-                  <a14:hiddenLine xmlns:a14="http://schemas.microsoft.com/office/drawing/2010/main" w="9525">
-                    <a:solidFill>
-                      <a:srgbClr val="000000"/>
-                    </a:solidFill>
-                    <a:round/>
-                    <a:headEnd/>
-                    <a:tailEnd/>
-                  </a14:hiddenLine>
-                </a:ext>
-              </a:extLst>
-            </p:spPr>
-            <p:txBody>
-              <a:bodyPr vert="horz" wrap="square" lIns="91440" tIns="45720" rIns="91440" bIns="45720" numCol="1" anchor="t" anchorCtr="0" compatLnSpc="1">
-                <a:prstTxWarp prst="textNoShape">
-                  <a:avLst/>
-                </a:prstTxWarp>
-              </a:bodyPr>
-              <a:lstStyle/>
-              <a:p>
-                <a:endParaRPr lang="zh-CN" altLang="en-US"/>
-              </a:p>
-            </p:txBody>
-          </p:sp>
-          <p:sp>
-            <p:nvSpPr>
-              <p:cNvPr id="54" name="Freeform 45">
-                <a:extLst>
-                  <a:ext uri="{FF2B5EF4-FFF2-40B4-BE49-F238E27FC236}">
-                    <a16:creationId xmlns:a16="http://schemas.microsoft.com/office/drawing/2014/main" id="{A96F86E7-4104-41CD-BA1F-5AF41205915E}"/>
-                  </a:ext>
-                </a:extLst>
-              </p:cNvPr>
-              <p:cNvSpPr>
-                <a:spLocks noEditPoints="1"/>
-              </p:cNvSpPr>
-              <p:nvPr/>
-            </p:nvSpPr>
-            <p:spPr bwMode="auto">
-              <a:xfrm>
-                <a:off x="4411736" y="4228576"/>
-                <a:ext cx="368300" cy="258763"/>
-              </a:xfrm>
-              <a:custGeom>
-                <a:avLst/>
-                <a:gdLst>
-                  <a:gd name="T0" fmla="*/ 0 w 98"/>
-                  <a:gd name="T1" fmla="*/ 0 h 69"/>
-                  <a:gd name="T2" fmla="*/ 0 w 98"/>
-                  <a:gd name="T3" fmla="*/ 69 h 69"/>
-                  <a:gd name="T4" fmla="*/ 98 w 98"/>
-                  <a:gd name="T5" fmla="*/ 69 h 69"/>
-                  <a:gd name="T6" fmla="*/ 98 w 98"/>
-                  <a:gd name="T7" fmla="*/ 0 h 69"/>
-                  <a:gd name="T8" fmla="*/ 0 w 98"/>
-                  <a:gd name="T9" fmla="*/ 0 h 69"/>
-                  <a:gd name="T10" fmla="*/ 54 w 98"/>
-                  <a:gd name="T11" fmla="*/ 39 h 69"/>
-                  <a:gd name="T12" fmla="*/ 54 w 98"/>
-                  <a:gd name="T13" fmla="*/ 52 h 69"/>
-                  <a:gd name="T14" fmla="*/ 44 w 98"/>
-                  <a:gd name="T15" fmla="*/ 52 h 69"/>
-                  <a:gd name="T16" fmla="*/ 44 w 98"/>
-                  <a:gd name="T17" fmla="*/ 39 h 69"/>
-                  <a:gd name="T18" fmla="*/ 38 w 98"/>
-                  <a:gd name="T19" fmla="*/ 29 h 69"/>
-                  <a:gd name="T20" fmla="*/ 49 w 98"/>
-                  <a:gd name="T21" fmla="*/ 19 h 69"/>
-                  <a:gd name="T22" fmla="*/ 59 w 98"/>
-                  <a:gd name="T23" fmla="*/ 29 h 69"/>
-                  <a:gd name="T24" fmla="*/ 54 w 98"/>
-                  <a:gd name="T25" fmla="*/ 39 h 69"/>
-                </a:gdLst>
-                <a:ahLst/>
-                <a:cxnLst>
-                  <a:cxn ang="0">
-                    <a:pos x="T0" y="T1"/>
-                  </a:cxn>
-                  <a:cxn ang="0">
-                    <a:pos x="T2" y="T3"/>
-                  </a:cxn>
-                  <a:cxn ang="0">
-                    <a:pos x="T4" y="T5"/>
-                  </a:cxn>
-                  <a:cxn ang="0">
-                    <a:pos x="T6" y="T7"/>
-                  </a:cxn>
-                  <a:cxn ang="0">
-                    <a:pos x="T8" y="T9"/>
-                  </a:cxn>
-                  <a:cxn ang="0">
-                    <a:pos x="T10" y="T11"/>
-                  </a:cxn>
-                  <a:cxn ang="0">
-                    <a:pos x="T12" y="T13"/>
-                  </a:cxn>
-                  <a:cxn ang="0">
-                    <a:pos x="T14" y="T15"/>
-                  </a:cxn>
-                  <a:cxn ang="0">
-                    <a:pos x="T16" y="T17"/>
-                  </a:cxn>
-                  <a:cxn ang="0">
-                    <a:pos x="T18" y="T19"/>
-                  </a:cxn>
-                  <a:cxn ang="0">
-                    <a:pos x="T20" y="T21"/>
-                  </a:cxn>
-                  <a:cxn ang="0">
-                    <a:pos x="T22" y="T23"/>
-                  </a:cxn>
-                  <a:cxn ang="0">
-                    <a:pos x="T24" y="T25"/>
-                  </a:cxn>
-                </a:cxnLst>
-                <a:rect l="0" t="0" r="r" b="b"/>
-                <a:pathLst>
-                  <a:path w="98" h="69">
-                    <a:moveTo>
-                      <a:pt x="0" y="0"/>
-                    </a:moveTo>
-                    <a:cubicBezTo>
-                      <a:pt x="0" y="69"/>
-                      <a:pt x="0" y="69"/>
-                      <a:pt x="0" y="69"/>
-                    </a:cubicBezTo>
-                    <a:cubicBezTo>
-                      <a:pt x="98" y="69"/>
-                      <a:pt x="98" y="69"/>
-                      <a:pt x="98" y="69"/>
-                    </a:cubicBezTo>
-                    <a:cubicBezTo>
-                      <a:pt x="98" y="0"/>
-                      <a:pt x="98" y="0"/>
-                      <a:pt x="98" y="0"/>
-                    </a:cubicBezTo>
-                    <a:lnTo>
-                      <a:pt x="0" y="0"/>
-                    </a:lnTo>
-                    <a:close/>
-                    <a:moveTo>
-                      <a:pt x="54" y="39"/>
-                    </a:moveTo>
-                    <a:cubicBezTo>
-                      <a:pt x="54" y="52"/>
-                      <a:pt x="54" y="52"/>
-                      <a:pt x="54" y="52"/>
-                    </a:cubicBezTo>
-                    <a:cubicBezTo>
-                      <a:pt x="44" y="52"/>
-                      <a:pt x="44" y="52"/>
-                      <a:pt x="44" y="52"/>
-                    </a:cubicBezTo>
-                    <a:cubicBezTo>
-                      <a:pt x="44" y="39"/>
-                      <a:pt x="44" y="39"/>
-                      <a:pt x="44" y="39"/>
-                    </a:cubicBezTo>
-                    <a:cubicBezTo>
-                      <a:pt x="41" y="37"/>
-                      <a:pt x="38" y="33"/>
-                      <a:pt x="38" y="29"/>
-                    </a:cubicBezTo>
-                    <a:cubicBezTo>
-                      <a:pt x="38" y="24"/>
-                      <a:pt x="43" y="19"/>
-                      <a:pt x="49" y="19"/>
-                    </a:cubicBezTo>
-                    <a:cubicBezTo>
-                      <a:pt x="55" y="19"/>
-                      <a:pt x="59" y="24"/>
-                      <a:pt x="59" y="29"/>
-                    </a:cubicBezTo>
-                    <a:cubicBezTo>
-                      <a:pt x="59" y="33"/>
-                      <a:pt x="57" y="37"/>
-                      <a:pt x="54" y="39"/>
-                    </a:cubicBezTo>
-                    <a:close/>
-                  </a:path>
-                </a:pathLst>
-              </a:custGeom>
-              <a:grpFill/>
-              <a:ln>
-                <a:noFill/>
-              </a:ln>
-              <a:extLst>
-                <a:ext uri="{91240B29-F687-4F45-9708-019B960494DF}">
-                  <a14:hiddenLine xmlns:a14="http://schemas.microsoft.com/office/drawing/2010/main" w="9525">
-                    <a:solidFill>
-                      <a:srgbClr val="000000"/>
-                    </a:solidFill>
-                    <a:round/>
-                    <a:headEnd/>
-                    <a:tailEnd/>
-                  </a14:hiddenLine>
-                </a:ext>
-              </a:extLst>
-            </p:spPr>
-            <p:txBody>
-              <a:bodyPr vert="horz" wrap="square" lIns="91440" tIns="45720" rIns="91440" bIns="45720" numCol="1" anchor="t" anchorCtr="0" compatLnSpc="1">
-                <a:prstTxWarp prst="textNoShape">
-                  <a:avLst/>
-                </a:prstTxWarp>
-              </a:bodyPr>
-              <a:lstStyle/>
-              <a:p>
-                <a:endParaRPr lang="zh-CN" altLang="en-US"/>
-              </a:p>
-            </p:txBody>
-          </p:sp>
-        </p:grpSp>
-        <p:sp>
-          <p:nvSpPr>
-            <p:cNvPr id="52" name="文本框 51">
-              <a:extLst>
-                <a:ext uri="{FF2B5EF4-FFF2-40B4-BE49-F238E27FC236}">
-                  <a16:creationId xmlns:a16="http://schemas.microsoft.com/office/drawing/2014/main" id="{D04DB3FE-9DDF-41E9-ABA0-C2FE12B4959F}"/>
-                </a:ext>
-              </a:extLst>
-            </p:cNvPr>
-            <p:cNvSpPr txBox="1"/>
-            <p:nvPr/>
-          </p:nvSpPr>
-          <p:spPr>
-            <a:xfrm>
-              <a:off x="4428716" y="4115594"/>
-              <a:ext cx="697627" cy="169277"/>
-            </a:xfrm>
-            <a:prstGeom prst="rect">
-              <a:avLst/>
-            </a:prstGeom>
-            <a:noFill/>
-          </p:spPr>
-          <p:txBody>
-            <a:bodyPr wrap="none" rtlCol="0">
-              <a:spAutoFit/>
-            </a:bodyPr>
-            <a:lstStyle/>
-            <a:p>
-              <a:r>
-                <a:rPr lang="zh-CN" altLang="en-US" sz="500" dirty="0">
-                  <a:solidFill>
-                    <a:schemeClr val="bg1">
-                      <a:alpha val="60000"/>
-                    </a:schemeClr>
-                  </a:solidFill>
-                </a:rPr>
-                <a:t>前置：工程学基础</a:t>
-              </a:r>
             </a:p>
           </p:txBody>
         </p:sp>
@@ -30053,7 +29127,7 @@
         </p:nvSpPr>
         <p:spPr>
           <a:xfrm>
-            <a:off x="2102638" y="1650384"/>
+            <a:off x="2056550" y="1598066"/>
             <a:ext cx="7963734" cy="4502761"/>
           </a:xfrm>
           <a:prstGeom prst="rect">
@@ -30124,7 +29198,7 @@
           </a:prstGeom>
           <a:blipFill dpi="0" rotWithShape="1">
             <a:blip r:embed="rId4">
-              <a:alphaModFix amt="20000"/>
+              <a:alphaModFix amt="10000"/>
             </a:blip>
             <a:srcRect/>
             <a:tile tx="0" ty="0" sx="100000" sy="100000" flip="none" algn="tl"/>
@@ -30155,7 +29229,7 @@
           <a:lstStyle/>
           <a:p>
             <a:pPr algn="ctr"/>
-            <a:endParaRPr lang="zh-CN" altLang="en-US"/>
+            <a:endParaRPr lang="zh-CN" altLang="en-US" dirty="0"/>
           </a:p>
         </p:txBody>
       </p:sp>
@@ -30276,7 +29350,7 @@
         </p:nvSpPr>
         <p:spPr>
           <a:xfrm rot="10800000">
-            <a:off x="9801220" y="5491171"/>
+            <a:off x="9801220" y="5835675"/>
             <a:ext cx="265152" cy="265152"/>
           </a:xfrm>
           <a:prstGeom prst="halfFrame">
@@ -30337,7 +29411,7 @@
         </p:nvSpPr>
         <p:spPr>
           <a:xfrm rot="16200000">
-            <a:off x="2125627" y="5491172"/>
+            <a:off x="2125627" y="5751677"/>
             <a:ext cx="265152" cy="265152"/>
           </a:xfrm>
           <a:prstGeom prst="halfFrame">
@@ -31569,7 +30643,7 @@
         </p:nvGrpSpPr>
         <p:grpSpPr>
           <a:xfrm>
-            <a:off x="4808887" y="5233801"/>
+            <a:off x="4808887" y="5295354"/>
             <a:ext cx="681818" cy="169277"/>
             <a:chOff x="4380405" y="4115594"/>
             <a:chExt cx="681818" cy="169277"/>
@@ -32032,7 +31106,7 @@
         </p:nvGrpSpPr>
         <p:grpSpPr>
           <a:xfrm>
-            <a:off x="4710230" y="4399147"/>
+            <a:off x="4710230" y="4460700"/>
             <a:ext cx="771316" cy="771316"/>
             <a:chOff x="7010491" y="3366093"/>
             <a:chExt cx="782115" cy="782115"/>
@@ -32312,7 +31386,7 @@
         </p:nvGrpSpPr>
         <p:grpSpPr>
           <a:xfrm>
-            <a:off x="5809277" y="5223472"/>
+            <a:off x="5809277" y="5285025"/>
             <a:ext cx="681818" cy="169277"/>
             <a:chOff x="4380405" y="4115594"/>
             <a:chExt cx="681818" cy="169277"/>
@@ -32775,7 +31849,7 @@
         </p:nvGrpSpPr>
         <p:grpSpPr>
           <a:xfrm>
-            <a:off x="5710620" y="4388818"/>
+            <a:off x="5710620" y="4450371"/>
             <a:ext cx="771316" cy="771316"/>
             <a:chOff x="7010491" y="3366093"/>
             <a:chExt cx="782115" cy="782115"/>
@@ -33055,7 +32129,7 @@
         </p:nvGrpSpPr>
         <p:grpSpPr>
           <a:xfrm>
-            <a:off x="6705627" y="4388818"/>
+            <a:off x="6705627" y="4450371"/>
             <a:ext cx="771316" cy="771316"/>
             <a:chOff x="7474126" y="4467785"/>
             <a:chExt cx="771316" cy="771316"/>
@@ -34975,7 +34049,7 @@
         </p:nvSpPr>
         <p:spPr>
           <a:xfrm>
-            <a:off x="6772430" y="5209474"/>
+            <a:off x="6772430" y="5271027"/>
             <a:ext cx="377026" cy="169277"/>
           </a:xfrm>
           <a:prstGeom prst="rect">
@@ -35016,7 +34090,7 @@
         </p:nvSpPr>
         <p:spPr>
           <a:xfrm>
-            <a:off x="7032390" y="5199761"/>
+            <a:off x="7032390" y="5261314"/>
             <a:ext cx="357790" cy="184666"/>
           </a:xfrm>
           <a:prstGeom prst="rect">
@@ -35050,6 +34124,5183 @@
           </a:p>
         </p:txBody>
       </p:sp>
+      <p:grpSp>
+        <p:nvGrpSpPr>
+          <p:cNvPr id="44" name="组合 43">
+            <a:extLst>
+              <a:ext uri="{FF2B5EF4-FFF2-40B4-BE49-F238E27FC236}">
+                <a16:creationId xmlns:a16="http://schemas.microsoft.com/office/drawing/2014/main" id="{E2B12E3E-766A-449F-B0CA-13DFF1B6FD98}"/>
+              </a:ext>
+            </a:extLst>
+          </p:cNvPr>
+          <p:cNvGrpSpPr/>
+          <p:nvPr/>
+        </p:nvGrpSpPr>
+        <p:grpSpPr>
+          <a:xfrm>
+            <a:off x="7269624" y="1889822"/>
+            <a:ext cx="608977" cy="276999"/>
+            <a:chOff x="7220528" y="1935973"/>
+            <a:chExt cx="608977" cy="276999"/>
+          </a:xfrm>
+        </p:grpSpPr>
+        <p:sp>
+          <p:nvSpPr>
+            <p:cNvPr id="69" name="文本框 68">
+              <a:extLst>
+                <a:ext uri="{FF2B5EF4-FFF2-40B4-BE49-F238E27FC236}">
+                  <a16:creationId xmlns:a16="http://schemas.microsoft.com/office/drawing/2014/main" id="{AF7A1F14-DADB-41AC-B989-DA0AD70B00A2}"/>
+                </a:ext>
+              </a:extLst>
+            </p:cNvPr>
+            <p:cNvSpPr txBox="1"/>
+            <p:nvPr/>
+          </p:nvSpPr>
+          <p:spPr>
+            <a:xfrm>
+              <a:off x="7337062" y="1935973"/>
+              <a:ext cx="492443" cy="276999"/>
+            </a:xfrm>
+            <a:prstGeom prst="rect">
+              <a:avLst/>
+            </a:prstGeom>
+            <a:noFill/>
+          </p:spPr>
+          <p:txBody>
+            <a:bodyPr wrap="none" rtlCol="0">
+              <a:spAutoFit/>
+            </a:bodyPr>
+            <a:lstStyle/>
+            <a:p>
+              <a:r>
+                <a:rPr lang="zh-CN" altLang="en-US" sz="1200" dirty="0">
+                  <a:solidFill>
+                    <a:schemeClr val="bg1">
+                      <a:alpha val="70000"/>
+                    </a:schemeClr>
+                  </a:solidFill>
+                  <a:latin typeface="微软雅黑" panose="020B0503020204020204" pitchFamily="34" charset="-122"/>
+                  <a:ea typeface="微软雅黑" panose="020B0503020204020204" pitchFamily="34" charset="-122"/>
+                </a:rPr>
+                <a:t>效果</a:t>
+              </a:r>
+            </a:p>
+          </p:txBody>
+        </p:sp>
+        <p:sp>
+          <p:nvSpPr>
+            <p:cNvPr id="70" name="Freeform 494">
+              <a:extLst>
+                <a:ext uri="{FF2B5EF4-FFF2-40B4-BE49-F238E27FC236}">
+                  <a16:creationId xmlns:a16="http://schemas.microsoft.com/office/drawing/2014/main" id="{5998024E-CF44-4222-9A65-C08F6B4F2820}"/>
+                </a:ext>
+              </a:extLst>
+            </p:cNvPr>
+            <p:cNvSpPr>
+              <a:spLocks noEditPoints="1"/>
+            </p:cNvSpPr>
+            <p:nvPr/>
+          </p:nvSpPr>
+          <p:spPr bwMode="auto">
+            <a:xfrm>
+              <a:off x="7220528" y="1981047"/>
+              <a:ext cx="134550" cy="197825"/>
+            </a:xfrm>
+            <a:custGeom>
+              <a:avLst/>
+              <a:gdLst>
+                <a:gd name="T0" fmla="*/ 11 w 51"/>
+                <a:gd name="T1" fmla="*/ 127 h 128"/>
+                <a:gd name="T2" fmla="*/ 14 w 51"/>
+                <a:gd name="T3" fmla="*/ 128 h 128"/>
+                <a:gd name="T4" fmla="*/ 19 w 51"/>
+                <a:gd name="T5" fmla="*/ 124 h 128"/>
+                <a:gd name="T6" fmla="*/ 50 w 51"/>
+                <a:gd name="T7" fmla="*/ 63 h 128"/>
+                <a:gd name="T8" fmla="*/ 50 w 51"/>
+                <a:gd name="T9" fmla="*/ 55 h 128"/>
+                <a:gd name="T10" fmla="*/ 44 w 51"/>
+                <a:gd name="T11" fmla="*/ 51 h 128"/>
+                <a:gd name="T12" fmla="*/ 34 w 51"/>
+                <a:gd name="T13" fmla="*/ 48 h 128"/>
+                <a:gd name="T14" fmla="*/ 32 w 51"/>
+                <a:gd name="T15" fmla="*/ 46 h 128"/>
+                <a:gd name="T16" fmla="*/ 40 w 51"/>
+                <a:gd name="T17" fmla="*/ 8 h 128"/>
+                <a:gd name="T18" fmla="*/ 39 w 51"/>
+                <a:gd name="T19" fmla="*/ 2 h 128"/>
+                <a:gd name="T20" fmla="*/ 36 w 51"/>
+                <a:gd name="T21" fmla="*/ 0 h 128"/>
+                <a:gd name="T22" fmla="*/ 31 w 51"/>
+                <a:gd name="T23" fmla="*/ 4 h 128"/>
+                <a:gd name="T24" fmla="*/ 1 w 51"/>
+                <a:gd name="T25" fmla="*/ 58 h 128"/>
+                <a:gd name="T26" fmla="*/ 1 w 51"/>
+                <a:gd name="T27" fmla="*/ 66 h 128"/>
+                <a:gd name="T28" fmla="*/ 6 w 51"/>
+                <a:gd name="T29" fmla="*/ 71 h 128"/>
+                <a:gd name="T30" fmla="*/ 18 w 51"/>
+                <a:gd name="T31" fmla="*/ 74 h 128"/>
+                <a:gd name="T32" fmla="*/ 19 w 51"/>
+                <a:gd name="T33" fmla="*/ 76 h 128"/>
+                <a:gd name="T34" fmla="*/ 11 w 51"/>
+                <a:gd name="T35" fmla="*/ 121 h 128"/>
+                <a:gd name="T36" fmla="*/ 11 w 51"/>
+                <a:gd name="T37" fmla="*/ 127 h 128"/>
+                <a:gd name="T38" fmla="*/ 9 w 51"/>
+                <a:gd name="T39" fmla="*/ 63 h 128"/>
+                <a:gd name="T40" fmla="*/ 8 w 51"/>
+                <a:gd name="T41" fmla="*/ 63 h 128"/>
+                <a:gd name="T42" fmla="*/ 8 w 51"/>
+                <a:gd name="T43" fmla="*/ 62 h 128"/>
+                <a:gd name="T44" fmla="*/ 28 w 51"/>
+                <a:gd name="T45" fmla="*/ 26 h 128"/>
+                <a:gd name="T46" fmla="*/ 25 w 51"/>
+                <a:gd name="T47" fmla="*/ 44 h 128"/>
+                <a:gd name="T48" fmla="*/ 32 w 51"/>
+                <a:gd name="T49" fmla="*/ 56 h 128"/>
+                <a:gd name="T50" fmla="*/ 43 w 51"/>
+                <a:gd name="T51" fmla="*/ 58 h 128"/>
+                <a:gd name="T52" fmla="*/ 43 w 51"/>
+                <a:gd name="T53" fmla="*/ 59 h 128"/>
+                <a:gd name="T54" fmla="*/ 43 w 51"/>
+                <a:gd name="T55" fmla="*/ 59 h 128"/>
+                <a:gd name="T56" fmla="*/ 23 w 51"/>
+                <a:gd name="T57" fmla="*/ 99 h 128"/>
+                <a:gd name="T58" fmla="*/ 27 w 51"/>
+                <a:gd name="T59" fmla="*/ 78 h 128"/>
+                <a:gd name="T60" fmla="*/ 20 w 51"/>
+                <a:gd name="T61" fmla="*/ 66 h 128"/>
+                <a:gd name="T62" fmla="*/ 9 w 51"/>
+                <a:gd name="T63" fmla="*/ 63 h 128"/>
+              </a:gdLst>
+              <a:ahLst/>
+              <a:cxnLst>
+                <a:cxn ang="0">
+                  <a:pos x="T0" y="T1"/>
+                </a:cxn>
+                <a:cxn ang="0">
+                  <a:pos x="T2" y="T3"/>
+                </a:cxn>
+                <a:cxn ang="0">
+                  <a:pos x="T4" y="T5"/>
+                </a:cxn>
+                <a:cxn ang="0">
+                  <a:pos x="T6" y="T7"/>
+                </a:cxn>
+                <a:cxn ang="0">
+                  <a:pos x="T8" y="T9"/>
+                </a:cxn>
+                <a:cxn ang="0">
+                  <a:pos x="T10" y="T11"/>
+                </a:cxn>
+                <a:cxn ang="0">
+                  <a:pos x="T12" y="T13"/>
+                </a:cxn>
+                <a:cxn ang="0">
+                  <a:pos x="T14" y="T15"/>
+                </a:cxn>
+                <a:cxn ang="0">
+                  <a:pos x="T16" y="T17"/>
+                </a:cxn>
+                <a:cxn ang="0">
+                  <a:pos x="T18" y="T19"/>
+                </a:cxn>
+                <a:cxn ang="0">
+                  <a:pos x="T20" y="T21"/>
+                </a:cxn>
+                <a:cxn ang="0">
+                  <a:pos x="T22" y="T23"/>
+                </a:cxn>
+                <a:cxn ang="0">
+                  <a:pos x="T24" y="T25"/>
+                </a:cxn>
+                <a:cxn ang="0">
+                  <a:pos x="T26" y="T27"/>
+                </a:cxn>
+                <a:cxn ang="0">
+                  <a:pos x="T28" y="T29"/>
+                </a:cxn>
+                <a:cxn ang="0">
+                  <a:pos x="T30" y="T31"/>
+                </a:cxn>
+                <a:cxn ang="0">
+                  <a:pos x="T32" y="T33"/>
+                </a:cxn>
+                <a:cxn ang="0">
+                  <a:pos x="T34" y="T35"/>
+                </a:cxn>
+                <a:cxn ang="0">
+                  <a:pos x="T36" y="T37"/>
+                </a:cxn>
+                <a:cxn ang="0">
+                  <a:pos x="T38" y="T39"/>
+                </a:cxn>
+                <a:cxn ang="0">
+                  <a:pos x="T40" y="T41"/>
+                </a:cxn>
+                <a:cxn ang="0">
+                  <a:pos x="T42" y="T43"/>
+                </a:cxn>
+                <a:cxn ang="0">
+                  <a:pos x="T44" y="T45"/>
+                </a:cxn>
+                <a:cxn ang="0">
+                  <a:pos x="T46" y="T47"/>
+                </a:cxn>
+                <a:cxn ang="0">
+                  <a:pos x="T48" y="T49"/>
+                </a:cxn>
+                <a:cxn ang="0">
+                  <a:pos x="T50" y="T51"/>
+                </a:cxn>
+                <a:cxn ang="0">
+                  <a:pos x="T52" y="T53"/>
+                </a:cxn>
+                <a:cxn ang="0">
+                  <a:pos x="T54" y="T55"/>
+                </a:cxn>
+                <a:cxn ang="0">
+                  <a:pos x="T56" y="T57"/>
+                </a:cxn>
+                <a:cxn ang="0">
+                  <a:pos x="T58" y="T59"/>
+                </a:cxn>
+                <a:cxn ang="0">
+                  <a:pos x="T60" y="T61"/>
+                </a:cxn>
+                <a:cxn ang="0">
+                  <a:pos x="T62" y="T63"/>
+                </a:cxn>
+              </a:cxnLst>
+              <a:rect l="0" t="0" r="r" b="b"/>
+              <a:pathLst>
+                <a:path w="51" h="128">
+                  <a:moveTo>
+                    <a:pt x="11" y="127"/>
+                  </a:moveTo>
+                  <a:cubicBezTo>
+                    <a:pt x="12" y="128"/>
+                    <a:pt x="13" y="128"/>
+                    <a:pt x="14" y="128"/>
+                  </a:cubicBezTo>
+                  <a:cubicBezTo>
+                    <a:pt x="17" y="128"/>
+                    <a:pt x="19" y="126"/>
+                    <a:pt x="19" y="124"/>
+                  </a:cubicBezTo>
+                  <a:cubicBezTo>
+                    <a:pt x="50" y="63"/>
+                    <a:pt x="50" y="63"/>
+                    <a:pt x="50" y="63"/>
+                  </a:cubicBezTo>
+                  <a:cubicBezTo>
+                    <a:pt x="51" y="60"/>
+                    <a:pt x="51" y="57"/>
+                    <a:pt x="50" y="55"/>
+                  </a:cubicBezTo>
+                  <a:cubicBezTo>
+                    <a:pt x="49" y="53"/>
+                    <a:pt x="47" y="51"/>
+                    <a:pt x="44" y="51"/>
+                  </a:cubicBezTo>
+                  <a:cubicBezTo>
+                    <a:pt x="34" y="48"/>
+                    <a:pt x="34" y="48"/>
+                    <a:pt x="34" y="48"/>
+                  </a:cubicBezTo>
+                  <a:cubicBezTo>
+                    <a:pt x="33" y="48"/>
+                    <a:pt x="32" y="47"/>
+                    <a:pt x="32" y="46"/>
+                  </a:cubicBezTo>
+                  <a:cubicBezTo>
+                    <a:pt x="40" y="8"/>
+                    <a:pt x="40" y="8"/>
+                    <a:pt x="40" y="8"/>
+                  </a:cubicBezTo>
+                  <a:cubicBezTo>
+                    <a:pt x="41" y="6"/>
+                    <a:pt x="41" y="3"/>
+                    <a:pt x="39" y="2"/>
+                  </a:cubicBezTo>
+                  <a:cubicBezTo>
+                    <a:pt x="39" y="1"/>
+                    <a:pt x="37" y="0"/>
+                    <a:pt x="36" y="0"/>
+                  </a:cubicBezTo>
+                  <a:cubicBezTo>
+                    <a:pt x="33" y="0"/>
+                    <a:pt x="32" y="3"/>
+                    <a:pt x="31" y="4"/>
+                  </a:cubicBezTo>
+                  <a:cubicBezTo>
+                    <a:pt x="1" y="58"/>
+                    <a:pt x="1" y="58"/>
+                    <a:pt x="1" y="58"/>
+                  </a:cubicBezTo>
+                  <a:cubicBezTo>
+                    <a:pt x="0" y="61"/>
+                    <a:pt x="0" y="63"/>
+                    <a:pt x="1" y="66"/>
+                  </a:cubicBezTo>
+                  <a:cubicBezTo>
+                    <a:pt x="2" y="68"/>
+                    <a:pt x="4" y="70"/>
+                    <a:pt x="6" y="71"/>
+                  </a:cubicBezTo>
+                  <a:cubicBezTo>
+                    <a:pt x="18" y="74"/>
+                    <a:pt x="18" y="74"/>
+                    <a:pt x="18" y="74"/>
+                  </a:cubicBezTo>
+                  <a:cubicBezTo>
+                    <a:pt x="19" y="74"/>
+                    <a:pt x="20" y="75"/>
+                    <a:pt x="19" y="76"/>
+                  </a:cubicBezTo>
+                  <a:cubicBezTo>
+                    <a:pt x="11" y="121"/>
+                    <a:pt x="11" y="121"/>
+                    <a:pt x="11" y="121"/>
+                  </a:cubicBezTo>
+                  <a:cubicBezTo>
+                    <a:pt x="10" y="123"/>
+                    <a:pt x="10" y="125"/>
+                    <a:pt x="11" y="127"/>
+                  </a:cubicBezTo>
+                  <a:close/>
+                  <a:moveTo>
+                    <a:pt x="9" y="63"/>
+                  </a:moveTo>
+                  <a:cubicBezTo>
+                    <a:pt x="8" y="63"/>
+                    <a:pt x="8" y="63"/>
+                    <a:pt x="8" y="63"/>
+                  </a:cubicBezTo>
+                  <a:cubicBezTo>
+                    <a:pt x="8" y="63"/>
+                    <a:pt x="8" y="63"/>
+                    <a:pt x="8" y="62"/>
+                  </a:cubicBezTo>
+                  <a:cubicBezTo>
+                    <a:pt x="28" y="26"/>
+                    <a:pt x="28" y="26"/>
+                    <a:pt x="28" y="26"/>
+                  </a:cubicBezTo>
+                  <a:cubicBezTo>
+                    <a:pt x="25" y="44"/>
+                    <a:pt x="25" y="44"/>
+                    <a:pt x="25" y="44"/>
+                  </a:cubicBezTo>
+                  <a:cubicBezTo>
+                    <a:pt x="24" y="49"/>
+                    <a:pt x="27" y="55"/>
+                    <a:pt x="32" y="56"/>
+                  </a:cubicBezTo>
+                  <a:cubicBezTo>
+                    <a:pt x="43" y="58"/>
+                    <a:pt x="43" y="58"/>
+                    <a:pt x="43" y="58"/>
+                  </a:cubicBezTo>
+                  <a:cubicBezTo>
+                    <a:pt x="43" y="58"/>
+                    <a:pt x="43" y="58"/>
+                    <a:pt x="43" y="59"/>
+                  </a:cubicBezTo>
+                  <a:cubicBezTo>
+                    <a:pt x="43" y="59"/>
+                    <a:pt x="43" y="59"/>
+                    <a:pt x="43" y="59"/>
+                  </a:cubicBezTo>
+                  <a:cubicBezTo>
+                    <a:pt x="23" y="99"/>
+                    <a:pt x="23" y="99"/>
+                    <a:pt x="23" y="99"/>
+                  </a:cubicBezTo>
+                  <a:cubicBezTo>
+                    <a:pt x="27" y="78"/>
+                    <a:pt x="27" y="78"/>
+                    <a:pt x="27" y="78"/>
+                  </a:cubicBezTo>
+                  <a:cubicBezTo>
+                    <a:pt x="28" y="73"/>
+                    <a:pt x="25" y="68"/>
+                    <a:pt x="20" y="66"/>
+                  </a:cubicBezTo>
+                  <a:lnTo>
+                    <a:pt x="9" y="63"/>
+                  </a:lnTo>
+                  <a:close/>
+                </a:path>
+              </a:pathLst>
+            </a:custGeom>
+            <a:solidFill>
+              <a:schemeClr val="bg1">
+                <a:alpha val="40000"/>
+              </a:schemeClr>
+            </a:solidFill>
+            <a:ln>
+              <a:noFill/>
+            </a:ln>
+          </p:spPr>
+          <p:txBody>
+            <a:bodyPr vert="horz" wrap="square" lIns="91440" tIns="45720" rIns="91440" bIns="45720" numCol="1" anchor="t" anchorCtr="0" compatLnSpc="1">
+              <a:prstTxWarp prst="textNoShape">
+                <a:avLst/>
+              </a:prstTxWarp>
+            </a:bodyPr>
+            <a:lstStyle/>
+            <a:p>
+              <a:endParaRPr lang="zh-CN" altLang="en-US"/>
+            </a:p>
+          </p:txBody>
+        </p:sp>
+      </p:grpSp>
+      <p:grpSp>
+        <p:nvGrpSpPr>
+          <p:cNvPr id="4" name="组合 3">
+            <a:extLst>
+              <a:ext uri="{FF2B5EF4-FFF2-40B4-BE49-F238E27FC236}">
+                <a16:creationId xmlns:a16="http://schemas.microsoft.com/office/drawing/2014/main" id="{E85EFA78-CBC8-45D0-802B-20C78143059E}"/>
+              </a:ext>
+            </a:extLst>
+          </p:cNvPr>
+          <p:cNvGrpSpPr/>
+          <p:nvPr/>
+        </p:nvGrpSpPr>
+        <p:grpSpPr>
+          <a:xfrm>
+            <a:off x="6451232" y="2254652"/>
+            <a:ext cx="2264101" cy="1452987"/>
+            <a:chOff x="5841885" y="2254652"/>
+            <a:chExt cx="2264101" cy="1452987"/>
+          </a:xfrm>
+        </p:grpSpPr>
+        <p:grpSp>
+          <p:nvGrpSpPr>
+            <p:cNvPr id="99" name="组合 98">
+              <a:extLst>
+                <a:ext uri="{FF2B5EF4-FFF2-40B4-BE49-F238E27FC236}">
+                  <a16:creationId xmlns:a16="http://schemas.microsoft.com/office/drawing/2014/main" id="{AEE53CB8-423B-44E1-9152-585EF7CEA525}"/>
+                </a:ext>
+              </a:extLst>
+            </p:cNvPr>
+            <p:cNvGrpSpPr/>
+            <p:nvPr/>
+          </p:nvGrpSpPr>
+          <p:grpSpPr>
+            <a:xfrm>
+              <a:off x="5841885" y="2254652"/>
+              <a:ext cx="1031151" cy="1031151"/>
+              <a:chOff x="972393" y="3935794"/>
+              <a:chExt cx="440190" cy="440190"/>
+            </a:xfrm>
+          </p:grpSpPr>
+          <p:sp>
+            <p:nvSpPr>
+              <p:cNvPr id="100" name="矩形 99">
+                <a:extLst>
+                  <a:ext uri="{FF2B5EF4-FFF2-40B4-BE49-F238E27FC236}">
+                    <a16:creationId xmlns:a16="http://schemas.microsoft.com/office/drawing/2014/main" id="{ACD69CC6-DC07-495D-8366-574C8C946DF1}"/>
+                  </a:ext>
+                </a:extLst>
+              </p:cNvPr>
+              <p:cNvSpPr/>
+              <p:nvPr/>
+            </p:nvSpPr>
+            <p:spPr>
+              <a:xfrm>
+                <a:off x="972393" y="3935794"/>
+                <a:ext cx="440190" cy="440190"/>
+              </a:xfrm>
+              <a:prstGeom prst="rect">
+                <a:avLst/>
+              </a:prstGeom>
+              <a:solidFill>
+                <a:schemeClr val="bg1">
+                  <a:alpha val="5000"/>
+                </a:schemeClr>
+              </a:solidFill>
+              <a:ln w="3175" cap="rnd" cmpd="sng">
+                <a:solidFill>
+                  <a:schemeClr val="bg1">
+                    <a:alpha val="15000"/>
+                  </a:schemeClr>
+                </a:solidFill>
+                <a:prstDash val="solid"/>
+                <a:round/>
+              </a:ln>
+            </p:spPr>
+            <p:style>
+              <a:lnRef idx="2">
+                <a:schemeClr val="accent1">
+                  <a:shade val="50000"/>
+                </a:schemeClr>
+              </a:lnRef>
+              <a:fillRef idx="1">
+                <a:schemeClr val="accent1"/>
+              </a:fillRef>
+              <a:effectRef idx="0">
+                <a:schemeClr val="accent1"/>
+              </a:effectRef>
+              <a:fontRef idx="minor">
+                <a:schemeClr val="lt1"/>
+              </a:fontRef>
+            </p:style>
+            <p:txBody>
+              <a:bodyPr rtlCol="0" anchor="ctr"/>
+              <a:lstStyle/>
+              <a:p>
+                <a:pPr algn="ctr"/>
+                <a:endParaRPr lang="zh-CN" altLang="en-US" dirty="0"/>
+              </a:p>
+            </p:txBody>
+          </p:sp>
+          <p:sp>
+            <p:nvSpPr>
+              <p:cNvPr id="101" name="半闭框 100">
+                <a:extLst>
+                  <a:ext uri="{FF2B5EF4-FFF2-40B4-BE49-F238E27FC236}">
+                    <a16:creationId xmlns:a16="http://schemas.microsoft.com/office/drawing/2014/main" id="{59C44A87-675A-4CAB-872D-EE1A33085D28}"/>
+                  </a:ext>
+                </a:extLst>
+              </p:cNvPr>
+              <p:cNvSpPr/>
+              <p:nvPr/>
+            </p:nvSpPr>
+            <p:spPr>
+              <a:xfrm>
+                <a:off x="996363" y="3959720"/>
+                <a:ext cx="124964" cy="124964"/>
+              </a:xfrm>
+              <a:prstGeom prst="halfFrame">
+                <a:avLst>
+                  <a:gd name="adj1" fmla="val 2225"/>
+                  <a:gd name="adj2" fmla="val 1589"/>
+                </a:avLst>
+              </a:prstGeom>
+              <a:solidFill>
+                <a:schemeClr val="bg1">
+                  <a:alpha val="30000"/>
+                </a:schemeClr>
+              </a:solidFill>
+              <a:ln>
+                <a:noFill/>
+              </a:ln>
+            </p:spPr>
+            <p:style>
+              <a:lnRef idx="2">
+                <a:schemeClr val="accent1">
+                  <a:shade val="50000"/>
+                </a:schemeClr>
+              </a:lnRef>
+              <a:fillRef idx="1">
+                <a:schemeClr val="accent1"/>
+              </a:fillRef>
+              <a:effectRef idx="0">
+                <a:schemeClr val="accent1"/>
+              </a:effectRef>
+              <a:fontRef idx="minor">
+                <a:schemeClr val="lt1"/>
+              </a:fontRef>
+            </p:style>
+            <p:txBody>
+              <a:bodyPr rtlCol="0" anchor="ctr"/>
+              <a:lstStyle/>
+              <a:p>
+                <a:pPr algn="ctr"/>
+                <a:endParaRPr lang="zh-CN" altLang="en-US">
+                  <a:solidFill>
+                    <a:schemeClr val="tx1"/>
+                  </a:solidFill>
+                </a:endParaRPr>
+              </a:p>
+            </p:txBody>
+          </p:sp>
+          <p:sp>
+            <p:nvSpPr>
+              <p:cNvPr id="102" name="半闭框 101">
+                <a:extLst>
+                  <a:ext uri="{FF2B5EF4-FFF2-40B4-BE49-F238E27FC236}">
+                    <a16:creationId xmlns:a16="http://schemas.microsoft.com/office/drawing/2014/main" id="{6059B0EE-5541-4659-BC4E-60CA6F57EB38}"/>
+                  </a:ext>
+                </a:extLst>
+              </p:cNvPr>
+              <p:cNvSpPr/>
+              <p:nvPr/>
+            </p:nvSpPr>
+            <p:spPr>
+              <a:xfrm rot="10800000">
+                <a:off x="1265544" y="4222709"/>
+                <a:ext cx="124964" cy="124964"/>
+              </a:xfrm>
+              <a:prstGeom prst="halfFrame">
+                <a:avLst>
+                  <a:gd name="adj1" fmla="val 2225"/>
+                  <a:gd name="adj2" fmla="val 1589"/>
+                </a:avLst>
+              </a:prstGeom>
+              <a:solidFill>
+                <a:schemeClr val="bg1">
+                  <a:alpha val="30000"/>
+                </a:schemeClr>
+              </a:solidFill>
+              <a:ln>
+                <a:noFill/>
+              </a:ln>
+            </p:spPr>
+            <p:style>
+              <a:lnRef idx="2">
+                <a:schemeClr val="accent1">
+                  <a:shade val="50000"/>
+                </a:schemeClr>
+              </a:lnRef>
+              <a:fillRef idx="1">
+                <a:schemeClr val="accent1"/>
+              </a:fillRef>
+              <a:effectRef idx="0">
+                <a:schemeClr val="accent1"/>
+              </a:effectRef>
+              <a:fontRef idx="minor">
+                <a:schemeClr val="lt1"/>
+              </a:fontRef>
+            </p:style>
+            <p:txBody>
+              <a:bodyPr rtlCol="0" anchor="ctr"/>
+              <a:lstStyle/>
+              <a:p>
+                <a:pPr algn="ctr"/>
+                <a:endParaRPr lang="zh-CN" altLang="en-US">
+                  <a:solidFill>
+                    <a:schemeClr val="tx1"/>
+                  </a:solidFill>
+                </a:endParaRPr>
+              </a:p>
+            </p:txBody>
+          </p:sp>
+          <p:sp>
+            <p:nvSpPr>
+              <p:cNvPr id="103" name="半闭框 102">
+                <a:extLst>
+                  <a:ext uri="{FF2B5EF4-FFF2-40B4-BE49-F238E27FC236}">
+                    <a16:creationId xmlns:a16="http://schemas.microsoft.com/office/drawing/2014/main" id="{1246C7A7-84D7-4F45-BCAD-CFDEDBA84DD5}"/>
+                  </a:ext>
+                </a:extLst>
+              </p:cNvPr>
+              <p:cNvSpPr/>
+              <p:nvPr/>
+            </p:nvSpPr>
+            <p:spPr>
+              <a:xfrm rot="5400000">
+                <a:off x="1265544" y="3959720"/>
+                <a:ext cx="124964" cy="124964"/>
+              </a:xfrm>
+              <a:prstGeom prst="halfFrame">
+                <a:avLst>
+                  <a:gd name="adj1" fmla="val 2225"/>
+                  <a:gd name="adj2" fmla="val 1589"/>
+                </a:avLst>
+              </a:prstGeom>
+              <a:solidFill>
+                <a:schemeClr val="bg1">
+                  <a:alpha val="30000"/>
+                </a:schemeClr>
+              </a:solidFill>
+              <a:ln>
+                <a:noFill/>
+              </a:ln>
+            </p:spPr>
+            <p:style>
+              <a:lnRef idx="2">
+                <a:schemeClr val="accent1">
+                  <a:shade val="50000"/>
+                </a:schemeClr>
+              </a:lnRef>
+              <a:fillRef idx="1">
+                <a:schemeClr val="accent1"/>
+              </a:fillRef>
+              <a:effectRef idx="0">
+                <a:schemeClr val="accent1"/>
+              </a:effectRef>
+              <a:fontRef idx="minor">
+                <a:schemeClr val="lt1"/>
+              </a:fontRef>
+            </p:style>
+            <p:txBody>
+              <a:bodyPr rtlCol="0" anchor="ctr"/>
+              <a:lstStyle/>
+              <a:p>
+                <a:pPr algn="ctr"/>
+                <a:endParaRPr lang="zh-CN" altLang="en-US">
+                  <a:solidFill>
+                    <a:schemeClr val="tx1"/>
+                  </a:solidFill>
+                </a:endParaRPr>
+              </a:p>
+            </p:txBody>
+          </p:sp>
+          <p:sp>
+            <p:nvSpPr>
+              <p:cNvPr id="104" name="半闭框 103">
+                <a:extLst>
+                  <a:ext uri="{FF2B5EF4-FFF2-40B4-BE49-F238E27FC236}">
+                    <a16:creationId xmlns:a16="http://schemas.microsoft.com/office/drawing/2014/main" id="{0FC42F2A-9701-4539-B5A2-B8F927011C15}"/>
+                  </a:ext>
+                </a:extLst>
+              </p:cNvPr>
+              <p:cNvSpPr/>
+              <p:nvPr/>
+            </p:nvSpPr>
+            <p:spPr>
+              <a:xfrm rot="16200000">
+                <a:off x="994017" y="4226679"/>
+                <a:ext cx="124964" cy="124964"/>
+              </a:xfrm>
+              <a:prstGeom prst="halfFrame">
+                <a:avLst>
+                  <a:gd name="adj1" fmla="val 2225"/>
+                  <a:gd name="adj2" fmla="val 1589"/>
+                </a:avLst>
+              </a:prstGeom>
+              <a:solidFill>
+                <a:schemeClr val="bg1">
+                  <a:alpha val="30000"/>
+                </a:schemeClr>
+              </a:solidFill>
+              <a:ln>
+                <a:noFill/>
+              </a:ln>
+            </p:spPr>
+            <p:style>
+              <a:lnRef idx="2">
+                <a:schemeClr val="accent1">
+                  <a:shade val="50000"/>
+                </a:schemeClr>
+              </a:lnRef>
+              <a:fillRef idx="1">
+                <a:schemeClr val="accent1"/>
+              </a:fillRef>
+              <a:effectRef idx="0">
+                <a:schemeClr val="accent1"/>
+              </a:effectRef>
+              <a:fontRef idx="minor">
+                <a:schemeClr val="lt1"/>
+              </a:fontRef>
+            </p:style>
+            <p:txBody>
+              <a:bodyPr rtlCol="0" anchor="ctr"/>
+              <a:lstStyle/>
+              <a:p>
+                <a:pPr algn="ctr"/>
+                <a:endParaRPr lang="zh-CN" altLang="en-US">
+                  <a:solidFill>
+                    <a:schemeClr val="tx1"/>
+                  </a:solidFill>
+                </a:endParaRPr>
+              </a:p>
+            </p:txBody>
+          </p:sp>
+        </p:grpSp>
+        <p:grpSp>
+          <p:nvGrpSpPr>
+            <p:cNvPr id="106" name="组合 105">
+              <a:extLst>
+                <a:ext uri="{FF2B5EF4-FFF2-40B4-BE49-F238E27FC236}">
+                  <a16:creationId xmlns:a16="http://schemas.microsoft.com/office/drawing/2014/main" id="{B708E9F3-2A0A-4327-B28A-EF23B59BBEDB}"/>
+                </a:ext>
+              </a:extLst>
+            </p:cNvPr>
+            <p:cNvGrpSpPr/>
+            <p:nvPr/>
+          </p:nvGrpSpPr>
+          <p:grpSpPr>
+            <a:xfrm>
+              <a:off x="7074835" y="2254652"/>
+              <a:ext cx="1031151" cy="1031151"/>
+              <a:chOff x="972393" y="3935794"/>
+              <a:chExt cx="440190" cy="440190"/>
+            </a:xfrm>
+          </p:grpSpPr>
+          <p:sp>
+            <p:nvSpPr>
+              <p:cNvPr id="107" name="矩形 106">
+                <a:extLst>
+                  <a:ext uri="{FF2B5EF4-FFF2-40B4-BE49-F238E27FC236}">
+                    <a16:creationId xmlns:a16="http://schemas.microsoft.com/office/drawing/2014/main" id="{255F8871-203D-4A78-B7A3-40F3711F2E92}"/>
+                  </a:ext>
+                </a:extLst>
+              </p:cNvPr>
+              <p:cNvSpPr/>
+              <p:nvPr/>
+            </p:nvSpPr>
+            <p:spPr>
+              <a:xfrm>
+                <a:off x="972393" y="3935794"/>
+                <a:ext cx="440190" cy="440190"/>
+              </a:xfrm>
+              <a:prstGeom prst="rect">
+                <a:avLst/>
+              </a:prstGeom>
+              <a:solidFill>
+                <a:schemeClr val="bg1">
+                  <a:alpha val="5000"/>
+                </a:schemeClr>
+              </a:solidFill>
+              <a:ln w="3175" cap="rnd" cmpd="sng">
+                <a:solidFill>
+                  <a:schemeClr val="bg1">
+                    <a:alpha val="15000"/>
+                  </a:schemeClr>
+                </a:solidFill>
+                <a:prstDash val="solid"/>
+                <a:round/>
+              </a:ln>
+            </p:spPr>
+            <p:style>
+              <a:lnRef idx="2">
+                <a:schemeClr val="accent1">
+                  <a:shade val="50000"/>
+                </a:schemeClr>
+              </a:lnRef>
+              <a:fillRef idx="1">
+                <a:schemeClr val="accent1"/>
+              </a:fillRef>
+              <a:effectRef idx="0">
+                <a:schemeClr val="accent1"/>
+              </a:effectRef>
+              <a:fontRef idx="minor">
+                <a:schemeClr val="lt1"/>
+              </a:fontRef>
+            </p:style>
+            <p:txBody>
+              <a:bodyPr rtlCol="0" anchor="ctr"/>
+              <a:lstStyle/>
+              <a:p>
+                <a:pPr algn="ctr"/>
+                <a:endParaRPr lang="zh-CN" altLang="en-US" dirty="0"/>
+              </a:p>
+            </p:txBody>
+          </p:sp>
+          <p:sp>
+            <p:nvSpPr>
+              <p:cNvPr id="108" name="半闭框 107">
+                <a:extLst>
+                  <a:ext uri="{FF2B5EF4-FFF2-40B4-BE49-F238E27FC236}">
+                    <a16:creationId xmlns:a16="http://schemas.microsoft.com/office/drawing/2014/main" id="{7BC726EA-E84A-452E-9C15-6F00F49F0157}"/>
+                  </a:ext>
+                </a:extLst>
+              </p:cNvPr>
+              <p:cNvSpPr/>
+              <p:nvPr/>
+            </p:nvSpPr>
+            <p:spPr>
+              <a:xfrm>
+                <a:off x="996363" y="3959720"/>
+                <a:ext cx="124964" cy="124964"/>
+              </a:xfrm>
+              <a:prstGeom prst="halfFrame">
+                <a:avLst>
+                  <a:gd name="adj1" fmla="val 2225"/>
+                  <a:gd name="adj2" fmla="val 1589"/>
+                </a:avLst>
+              </a:prstGeom>
+              <a:solidFill>
+                <a:schemeClr val="bg1">
+                  <a:alpha val="30000"/>
+                </a:schemeClr>
+              </a:solidFill>
+              <a:ln>
+                <a:noFill/>
+              </a:ln>
+            </p:spPr>
+            <p:style>
+              <a:lnRef idx="2">
+                <a:schemeClr val="accent1">
+                  <a:shade val="50000"/>
+                </a:schemeClr>
+              </a:lnRef>
+              <a:fillRef idx="1">
+                <a:schemeClr val="accent1"/>
+              </a:fillRef>
+              <a:effectRef idx="0">
+                <a:schemeClr val="accent1"/>
+              </a:effectRef>
+              <a:fontRef idx="minor">
+                <a:schemeClr val="lt1"/>
+              </a:fontRef>
+            </p:style>
+            <p:txBody>
+              <a:bodyPr rtlCol="0" anchor="ctr"/>
+              <a:lstStyle/>
+              <a:p>
+                <a:pPr algn="ctr"/>
+                <a:endParaRPr lang="zh-CN" altLang="en-US">
+                  <a:solidFill>
+                    <a:schemeClr val="tx1"/>
+                  </a:solidFill>
+                </a:endParaRPr>
+              </a:p>
+            </p:txBody>
+          </p:sp>
+          <p:sp>
+            <p:nvSpPr>
+              <p:cNvPr id="109" name="半闭框 108">
+                <a:extLst>
+                  <a:ext uri="{FF2B5EF4-FFF2-40B4-BE49-F238E27FC236}">
+                    <a16:creationId xmlns:a16="http://schemas.microsoft.com/office/drawing/2014/main" id="{269A11AA-CC0D-41AF-9E02-335CDEEDE812}"/>
+                  </a:ext>
+                </a:extLst>
+              </p:cNvPr>
+              <p:cNvSpPr/>
+              <p:nvPr/>
+            </p:nvSpPr>
+            <p:spPr>
+              <a:xfrm rot="10800000">
+                <a:off x="1265544" y="4222709"/>
+                <a:ext cx="124964" cy="124964"/>
+              </a:xfrm>
+              <a:prstGeom prst="halfFrame">
+                <a:avLst>
+                  <a:gd name="adj1" fmla="val 2225"/>
+                  <a:gd name="adj2" fmla="val 1589"/>
+                </a:avLst>
+              </a:prstGeom>
+              <a:solidFill>
+                <a:schemeClr val="bg1">
+                  <a:alpha val="30000"/>
+                </a:schemeClr>
+              </a:solidFill>
+              <a:ln>
+                <a:noFill/>
+              </a:ln>
+            </p:spPr>
+            <p:style>
+              <a:lnRef idx="2">
+                <a:schemeClr val="accent1">
+                  <a:shade val="50000"/>
+                </a:schemeClr>
+              </a:lnRef>
+              <a:fillRef idx="1">
+                <a:schemeClr val="accent1"/>
+              </a:fillRef>
+              <a:effectRef idx="0">
+                <a:schemeClr val="accent1"/>
+              </a:effectRef>
+              <a:fontRef idx="minor">
+                <a:schemeClr val="lt1"/>
+              </a:fontRef>
+            </p:style>
+            <p:txBody>
+              <a:bodyPr rtlCol="0" anchor="ctr"/>
+              <a:lstStyle/>
+              <a:p>
+                <a:pPr algn="ctr"/>
+                <a:endParaRPr lang="zh-CN" altLang="en-US">
+                  <a:solidFill>
+                    <a:schemeClr val="tx1"/>
+                  </a:solidFill>
+                </a:endParaRPr>
+              </a:p>
+            </p:txBody>
+          </p:sp>
+          <p:sp>
+            <p:nvSpPr>
+              <p:cNvPr id="110" name="半闭框 109">
+                <a:extLst>
+                  <a:ext uri="{FF2B5EF4-FFF2-40B4-BE49-F238E27FC236}">
+                    <a16:creationId xmlns:a16="http://schemas.microsoft.com/office/drawing/2014/main" id="{B5D43B2C-D7C0-4739-A512-92DCC226DF15}"/>
+                  </a:ext>
+                </a:extLst>
+              </p:cNvPr>
+              <p:cNvSpPr/>
+              <p:nvPr/>
+            </p:nvSpPr>
+            <p:spPr>
+              <a:xfrm rot="5400000">
+                <a:off x="1265544" y="3959720"/>
+                <a:ext cx="124964" cy="124964"/>
+              </a:xfrm>
+              <a:prstGeom prst="halfFrame">
+                <a:avLst>
+                  <a:gd name="adj1" fmla="val 2225"/>
+                  <a:gd name="adj2" fmla="val 1589"/>
+                </a:avLst>
+              </a:prstGeom>
+              <a:solidFill>
+                <a:schemeClr val="bg1">
+                  <a:alpha val="30000"/>
+                </a:schemeClr>
+              </a:solidFill>
+              <a:ln>
+                <a:noFill/>
+              </a:ln>
+            </p:spPr>
+            <p:style>
+              <a:lnRef idx="2">
+                <a:schemeClr val="accent1">
+                  <a:shade val="50000"/>
+                </a:schemeClr>
+              </a:lnRef>
+              <a:fillRef idx="1">
+                <a:schemeClr val="accent1"/>
+              </a:fillRef>
+              <a:effectRef idx="0">
+                <a:schemeClr val="accent1"/>
+              </a:effectRef>
+              <a:fontRef idx="minor">
+                <a:schemeClr val="lt1"/>
+              </a:fontRef>
+            </p:style>
+            <p:txBody>
+              <a:bodyPr rtlCol="0" anchor="ctr"/>
+              <a:lstStyle/>
+              <a:p>
+                <a:pPr algn="ctr"/>
+                <a:endParaRPr lang="zh-CN" altLang="en-US">
+                  <a:solidFill>
+                    <a:schemeClr val="tx1"/>
+                  </a:solidFill>
+                </a:endParaRPr>
+              </a:p>
+            </p:txBody>
+          </p:sp>
+          <p:sp>
+            <p:nvSpPr>
+              <p:cNvPr id="111" name="半闭框 110">
+                <a:extLst>
+                  <a:ext uri="{FF2B5EF4-FFF2-40B4-BE49-F238E27FC236}">
+                    <a16:creationId xmlns:a16="http://schemas.microsoft.com/office/drawing/2014/main" id="{2A0B7DE1-D371-4D3A-87ED-907AD4750EEC}"/>
+                  </a:ext>
+                </a:extLst>
+              </p:cNvPr>
+              <p:cNvSpPr/>
+              <p:nvPr/>
+            </p:nvSpPr>
+            <p:spPr>
+              <a:xfrm rot="16200000">
+                <a:off x="994017" y="4226679"/>
+                <a:ext cx="124964" cy="124964"/>
+              </a:xfrm>
+              <a:prstGeom prst="halfFrame">
+                <a:avLst>
+                  <a:gd name="adj1" fmla="val 2225"/>
+                  <a:gd name="adj2" fmla="val 1589"/>
+                </a:avLst>
+              </a:prstGeom>
+              <a:solidFill>
+                <a:schemeClr val="bg1">
+                  <a:alpha val="30000"/>
+                </a:schemeClr>
+              </a:solidFill>
+              <a:ln>
+                <a:noFill/>
+              </a:ln>
+            </p:spPr>
+            <p:style>
+              <a:lnRef idx="2">
+                <a:schemeClr val="accent1">
+                  <a:shade val="50000"/>
+                </a:schemeClr>
+              </a:lnRef>
+              <a:fillRef idx="1">
+                <a:schemeClr val="accent1"/>
+              </a:fillRef>
+              <a:effectRef idx="0">
+                <a:schemeClr val="accent1"/>
+              </a:effectRef>
+              <a:fontRef idx="minor">
+                <a:schemeClr val="lt1"/>
+              </a:fontRef>
+            </p:style>
+            <p:txBody>
+              <a:bodyPr rtlCol="0" anchor="ctr"/>
+              <a:lstStyle/>
+              <a:p>
+                <a:pPr algn="ctr"/>
+                <a:endParaRPr lang="zh-CN" altLang="en-US">
+                  <a:solidFill>
+                    <a:schemeClr val="tx1"/>
+                  </a:solidFill>
+                </a:endParaRPr>
+              </a:p>
+            </p:txBody>
+          </p:sp>
+        </p:grpSp>
+        <p:grpSp>
+          <p:nvGrpSpPr>
+            <p:cNvPr id="3" name="组合 2">
+              <a:extLst>
+                <a:ext uri="{FF2B5EF4-FFF2-40B4-BE49-F238E27FC236}">
+                  <a16:creationId xmlns:a16="http://schemas.microsoft.com/office/drawing/2014/main" id="{2517F77D-A09F-4540-8CAA-180280DFDFE6}"/>
+                </a:ext>
+              </a:extLst>
+            </p:cNvPr>
+            <p:cNvGrpSpPr/>
+            <p:nvPr/>
+          </p:nvGrpSpPr>
+          <p:grpSpPr>
+            <a:xfrm>
+              <a:off x="6045888" y="3313329"/>
+              <a:ext cx="709887" cy="389269"/>
+              <a:chOff x="6045888" y="3313329"/>
+              <a:chExt cx="709887" cy="389269"/>
+            </a:xfrm>
+          </p:grpSpPr>
+          <p:sp>
+            <p:nvSpPr>
+              <p:cNvPr id="119" name="Freeform 119">
+                <a:extLst>
+                  <a:ext uri="{FF2B5EF4-FFF2-40B4-BE49-F238E27FC236}">
+                    <a16:creationId xmlns:a16="http://schemas.microsoft.com/office/drawing/2014/main" id="{56C6A821-57C4-497A-AC59-05D368983061}"/>
+                  </a:ext>
+                </a:extLst>
+              </p:cNvPr>
+              <p:cNvSpPr>
+                <a:spLocks noEditPoints="1"/>
+              </p:cNvSpPr>
+              <p:nvPr/>
+            </p:nvSpPr>
+            <p:spPr bwMode="auto">
+              <a:xfrm>
+                <a:off x="6045888" y="3334674"/>
+                <a:ext cx="156898" cy="147389"/>
+              </a:xfrm>
+              <a:custGeom>
+                <a:avLst/>
+                <a:gdLst>
+                  <a:gd name="T0" fmla="*/ 94 w 132"/>
+                  <a:gd name="T1" fmla="*/ 0 h 124"/>
+                  <a:gd name="T2" fmla="*/ 57 w 132"/>
+                  <a:gd name="T3" fmla="*/ 37 h 124"/>
+                  <a:gd name="T4" fmla="*/ 57 w 132"/>
+                  <a:gd name="T5" fmla="*/ 50 h 124"/>
+                  <a:gd name="T6" fmla="*/ 0 w 132"/>
+                  <a:gd name="T7" fmla="*/ 50 h 124"/>
+                  <a:gd name="T8" fmla="*/ 0 w 132"/>
+                  <a:gd name="T9" fmla="*/ 124 h 124"/>
+                  <a:gd name="T10" fmla="*/ 90 w 132"/>
+                  <a:gd name="T11" fmla="*/ 124 h 124"/>
+                  <a:gd name="T12" fmla="*/ 90 w 132"/>
+                  <a:gd name="T13" fmla="*/ 50 h 124"/>
+                  <a:gd name="T14" fmla="*/ 74 w 132"/>
+                  <a:gd name="T15" fmla="*/ 50 h 124"/>
+                  <a:gd name="T16" fmla="*/ 74 w 132"/>
+                  <a:gd name="T17" fmla="*/ 37 h 124"/>
+                  <a:gd name="T18" fmla="*/ 94 w 132"/>
+                  <a:gd name="T19" fmla="*/ 17 h 124"/>
+                  <a:gd name="T20" fmla="*/ 115 w 132"/>
+                  <a:gd name="T21" fmla="*/ 37 h 124"/>
+                  <a:gd name="T22" fmla="*/ 115 w 132"/>
+                  <a:gd name="T23" fmla="*/ 50 h 124"/>
+                  <a:gd name="T24" fmla="*/ 132 w 132"/>
+                  <a:gd name="T25" fmla="*/ 50 h 124"/>
+                  <a:gd name="T26" fmla="*/ 132 w 132"/>
+                  <a:gd name="T27" fmla="*/ 37 h 124"/>
+                  <a:gd name="T28" fmla="*/ 94 w 132"/>
+                  <a:gd name="T29" fmla="*/ 0 h 124"/>
+                  <a:gd name="T30" fmla="*/ 52 w 132"/>
+                  <a:gd name="T31" fmla="*/ 105 h 124"/>
+                  <a:gd name="T32" fmla="*/ 34 w 132"/>
+                  <a:gd name="T33" fmla="*/ 105 h 124"/>
+                  <a:gd name="T34" fmla="*/ 38 w 132"/>
+                  <a:gd name="T35" fmla="*/ 90 h 124"/>
+                  <a:gd name="T36" fmla="*/ 33 w 132"/>
+                  <a:gd name="T37" fmla="*/ 81 h 124"/>
+                  <a:gd name="T38" fmla="*/ 43 w 132"/>
+                  <a:gd name="T39" fmla="*/ 71 h 124"/>
+                  <a:gd name="T40" fmla="*/ 53 w 132"/>
+                  <a:gd name="T41" fmla="*/ 81 h 124"/>
+                  <a:gd name="T42" fmla="*/ 48 w 132"/>
+                  <a:gd name="T43" fmla="*/ 90 h 124"/>
+                  <a:gd name="T44" fmla="*/ 52 w 132"/>
+                  <a:gd name="T45" fmla="*/ 105 h 124"/>
+                </a:gdLst>
+                <a:ahLst/>
+                <a:cxnLst>
+                  <a:cxn ang="0">
+                    <a:pos x="T0" y="T1"/>
+                  </a:cxn>
+                  <a:cxn ang="0">
+                    <a:pos x="T2" y="T3"/>
+                  </a:cxn>
+                  <a:cxn ang="0">
+                    <a:pos x="T4" y="T5"/>
+                  </a:cxn>
+                  <a:cxn ang="0">
+                    <a:pos x="T6" y="T7"/>
+                  </a:cxn>
+                  <a:cxn ang="0">
+                    <a:pos x="T8" y="T9"/>
+                  </a:cxn>
+                  <a:cxn ang="0">
+                    <a:pos x="T10" y="T11"/>
+                  </a:cxn>
+                  <a:cxn ang="0">
+                    <a:pos x="T12" y="T13"/>
+                  </a:cxn>
+                  <a:cxn ang="0">
+                    <a:pos x="T14" y="T15"/>
+                  </a:cxn>
+                  <a:cxn ang="0">
+                    <a:pos x="T16" y="T17"/>
+                  </a:cxn>
+                  <a:cxn ang="0">
+                    <a:pos x="T18" y="T19"/>
+                  </a:cxn>
+                  <a:cxn ang="0">
+                    <a:pos x="T20" y="T21"/>
+                  </a:cxn>
+                  <a:cxn ang="0">
+                    <a:pos x="T22" y="T23"/>
+                  </a:cxn>
+                  <a:cxn ang="0">
+                    <a:pos x="T24" y="T25"/>
+                  </a:cxn>
+                  <a:cxn ang="0">
+                    <a:pos x="T26" y="T27"/>
+                  </a:cxn>
+                  <a:cxn ang="0">
+                    <a:pos x="T28" y="T29"/>
+                  </a:cxn>
+                  <a:cxn ang="0">
+                    <a:pos x="T30" y="T31"/>
+                  </a:cxn>
+                  <a:cxn ang="0">
+                    <a:pos x="T32" y="T33"/>
+                  </a:cxn>
+                  <a:cxn ang="0">
+                    <a:pos x="T34" y="T35"/>
+                  </a:cxn>
+                  <a:cxn ang="0">
+                    <a:pos x="T36" y="T37"/>
+                  </a:cxn>
+                  <a:cxn ang="0">
+                    <a:pos x="T38" y="T39"/>
+                  </a:cxn>
+                  <a:cxn ang="0">
+                    <a:pos x="T40" y="T41"/>
+                  </a:cxn>
+                  <a:cxn ang="0">
+                    <a:pos x="T42" y="T43"/>
+                  </a:cxn>
+                  <a:cxn ang="0">
+                    <a:pos x="T44" y="T45"/>
+                  </a:cxn>
+                </a:cxnLst>
+                <a:rect l="0" t="0" r="r" b="b"/>
+                <a:pathLst>
+                  <a:path w="132" h="124">
+                    <a:moveTo>
+                      <a:pt x="94" y="0"/>
+                    </a:moveTo>
+                    <a:cubicBezTo>
+                      <a:pt x="74" y="0"/>
+                      <a:pt x="57" y="17"/>
+                      <a:pt x="57" y="37"/>
+                    </a:cubicBezTo>
+                    <a:cubicBezTo>
+                      <a:pt x="57" y="50"/>
+                      <a:pt x="57" y="50"/>
+                      <a:pt x="57" y="50"/>
+                    </a:cubicBezTo>
+                    <a:cubicBezTo>
+                      <a:pt x="0" y="50"/>
+                      <a:pt x="0" y="50"/>
+                      <a:pt x="0" y="50"/>
+                    </a:cubicBezTo>
+                    <a:cubicBezTo>
+                      <a:pt x="0" y="124"/>
+                      <a:pt x="0" y="124"/>
+                      <a:pt x="0" y="124"/>
+                    </a:cubicBezTo>
+                    <a:cubicBezTo>
+                      <a:pt x="90" y="124"/>
+                      <a:pt x="90" y="124"/>
+                      <a:pt x="90" y="124"/>
+                    </a:cubicBezTo>
+                    <a:cubicBezTo>
+                      <a:pt x="90" y="50"/>
+                      <a:pt x="90" y="50"/>
+                      <a:pt x="90" y="50"/>
+                    </a:cubicBezTo>
+                    <a:cubicBezTo>
+                      <a:pt x="74" y="50"/>
+                      <a:pt x="74" y="50"/>
+                      <a:pt x="74" y="50"/>
+                    </a:cubicBezTo>
+                    <a:cubicBezTo>
+                      <a:pt x="74" y="37"/>
+                      <a:pt x="74" y="37"/>
+                      <a:pt x="74" y="37"/>
+                    </a:cubicBezTo>
+                    <a:cubicBezTo>
+                      <a:pt x="74" y="26"/>
+                      <a:pt x="83" y="17"/>
+                      <a:pt x="94" y="17"/>
+                    </a:cubicBezTo>
+                    <a:cubicBezTo>
+                      <a:pt x="106" y="17"/>
+                      <a:pt x="115" y="26"/>
+                      <a:pt x="115" y="37"/>
+                    </a:cubicBezTo>
+                    <a:cubicBezTo>
+                      <a:pt x="115" y="50"/>
+                      <a:pt x="115" y="50"/>
+                      <a:pt x="115" y="50"/>
+                    </a:cubicBezTo>
+                    <a:cubicBezTo>
+                      <a:pt x="132" y="50"/>
+                      <a:pt x="132" y="50"/>
+                      <a:pt x="132" y="50"/>
+                    </a:cubicBezTo>
+                    <a:cubicBezTo>
+                      <a:pt x="132" y="37"/>
+                      <a:pt x="132" y="37"/>
+                      <a:pt x="132" y="37"/>
+                    </a:cubicBezTo>
+                    <a:cubicBezTo>
+                      <a:pt x="132" y="17"/>
+                      <a:pt x="115" y="0"/>
+                      <a:pt x="94" y="0"/>
+                    </a:cubicBezTo>
+                    <a:close/>
+                    <a:moveTo>
+                      <a:pt x="52" y="105"/>
+                    </a:moveTo>
+                    <a:cubicBezTo>
+                      <a:pt x="34" y="105"/>
+                      <a:pt x="34" y="105"/>
+                      <a:pt x="34" y="105"/>
+                    </a:cubicBezTo>
+                    <a:cubicBezTo>
+                      <a:pt x="38" y="90"/>
+                      <a:pt x="38" y="90"/>
+                      <a:pt x="38" y="90"/>
+                    </a:cubicBezTo>
+                    <a:cubicBezTo>
+                      <a:pt x="35" y="89"/>
+                      <a:pt x="33" y="85"/>
+                      <a:pt x="33" y="81"/>
+                    </a:cubicBezTo>
+                    <a:cubicBezTo>
+                      <a:pt x="33" y="75"/>
+                      <a:pt x="37" y="71"/>
+                      <a:pt x="43" y="71"/>
+                    </a:cubicBezTo>
+                    <a:cubicBezTo>
+                      <a:pt x="49" y="71"/>
+                      <a:pt x="53" y="75"/>
+                      <a:pt x="53" y="81"/>
+                    </a:cubicBezTo>
+                    <a:cubicBezTo>
+                      <a:pt x="53" y="85"/>
+                      <a:pt x="51" y="89"/>
+                      <a:pt x="48" y="90"/>
+                    </a:cubicBezTo>
+                    <a:lnTo>
+                      <a:pt x="52" y="105"/>
+                    </a:lnTo>
+                    <a:close/>
+                  </a:path>
+                </a:pathLst>
+              </a:custGeom>
+              <a:solidFill>
+                <a:schemeClr val="bg1"/>
+              </a:solidFill>
+              <a:ln>
+                <a:noFill/>
+              </a:ln>
+            </p:spPr>
+            <p:txBody>
+              <a:bodyPr vert="horz" wrap="square" lIns="91440" tIns="45720" rIns="91440" bIns="45720" numCol="1" anchor="t" anchorCtr="0" compatLnSpc="1">
+                <a:prstTxWarp prst="textNoShape">
+                  <a:avLst/>
+                </a:prstTxWarp>
+              </a:bodyPr>
+              <a:lstStyle/>
+              <a:p>
+                <a:endParaRPr lang="zh-CN" altLang="en-US" dirty="0"/>
+              </a:p>
+            </p:txBody>
+          </p:sp>
+          <p:sp>
+            <p:nvSpPr>
+              <p:cNvPr id="2" name="文本框 1">
+                <a:extLst>
+                  <a:ext uri="{FF2B5EF4-FFF2-40B4-BE49-F238E27FC236}">
+                    <a16:creationId xmlns:a16="http://schemas.microsoft.com/office/drawing/2014/main" id="{F3E82F57-3BE7-42B9-92E8-F3FF7DD83E94}"/>
+                  </a:ext>
+                </a:extLst>
+              </p:cNvPr>
+              <p:cNvSpPr txBox="1"/>
+              <p:nvPr/>
+            </p:nvSpPr>
+            <p:spPr>
+              <a:xfrm>
+                <a:off x="6153096" y="3313329"/>
+                <a:ext cx="595035" cy="215444"/>
+              </a:xfrm>
+              <a:prstGeom prst="rect">
+                <a:avLst/>
+              </a:prstGeom>
+              <a:noFill/>
+            </p:spPr>
+            <p:txBody>
+              <a:bodyPr wrap="none" rtlCol="0">
+                <a:spAutoFit/>
+              </a:bodyPr>
+              <a:lstStyle/>
+              <a:p>
+                <a:r>
+                  <a:rPr lang="zh-CN" altLang="en-US" sz="800" dirty="0">
+                    <a:solidFill>
+                      <a:srgbClr val="00B0F0"/>
+                    </a:solidFill>
+                  </a:rPr>
+                  <a:t>解锁科技</a:t>
+                </a:r>
+              </a:p>
+            </p:txBody>
+          </p:sp>
+          <p:sp>
+            <p:nvSpPr>
+              <p:cNvPr id="120" name="文本框 119">
+                <a:extLst>
+                  <a:ext uri="{FF2B5EF4-FFF2-40B4-BE49-F238E27FC236}">
+                    <a16:creationId xmlns:a16="http://schemas.microsoft.com/office/drawing/2014/main" id="{ACD94147-AA14-454C-B80B-6AF5AF5576AB}"/>
+                  </a:ext>
+                </a:extLst>
+              </p:cNvPr>
+              <p:cNvSpPr txBox="1"/>
+              <p:nvPr/>
+            </p:nvSpPr>
+            <p:spPr>
+              <a:xfrm>
+                <a:off x="6058148" y="3456377"/>
+                <a:ext cx="697627" cy="246221"/>
+              </a:xfrm>
+              <a:prstGeom prst="rect">
+                <a:avLst/>
+              </a:prstGeom>
+              <a:noFill/>
+            </p:spPr>
+            <p:txBody>
+              <a:bodyPr wrap="none" rtlCol="0">
+                <a:spAutoFit/>
+              </a:bodyPr>
+              <a:lstStyle/>
+              <a:p>
+                <a:r>
+                  <a:rPr lang="zh-CN" altLang="en-US" sz="1000" b="1" dirty="0">
+                    <a:solidFill>
+                      <a:schemeClr val="bg1">
+                        <a:alpha val="56000"/>
+                      </a:schemeClr>
+                    </a:solidFill>
+                  </a:rPr>
+                  <a:t>灵能飞升</a:t>
+                </a:r>
+              </a:p>
+            </p:txBody>
+          </p:sp>
+        </p:grpSp>
+        <p:pic>
+          <p:nvPicPr>
+            <p:cNvPr id="1026" name="Picture 2">
+              <a:extLst>
+                <a:ext uri="{FF2B5EF4-FFF2-40B4-BE49-F238E27FC236}">
+                  <a16:creationId xmlns:a16="http://schemas.microsoft.com/office/drawing/2014/main" id="{623D65F9-BF7C-4C02-96CC-7030AFFDAFB3}"/>
+                </a:ext>
+              </a:extLst>
+            </p:cNvPr>
+            <p:cNvPicPr>
+              <a:picLocks noChangeAspect="1" noChangeArrowheads="1"/>
+            </p:cNvPicPr>
+            <p:nvPr/>
+          </p:nvPicPr>
+          <p:blipFill>
+            <a:blip r:embed="rId7">
+              <a:extLst>
+                <a:ext uri="{28A0092B-C50C-407E-A947-70E740481C1C}">
+                  <a14:useLocalDpi xmlns:a14="http://schemas.microsoft.com/office/drawing/2010/main" val="0"/>
+                </a:ext>
+              </a:extLst>
+            </a:blip>
+            <a:srcRect/>
+            <a:stretch>
+              <a:fillRect/>
+            </a:stretch>
+          </p:blipFill>
+          <p:spPr bwMode="auto">
+            <a:xfrm>
+              <a:off x="5987062" y="2386652"/>
+              <a:ext cx="750732" cy="794893"/>
+            </a:xfrm>
+            <a:prstGeom prst="rect">
+              <a:avLst/>
+            </a:prstGeom>
+            <a:noFill/>
+            <a:extLst>
+              <a:ext uri="{909E8E84-426E-40DD-AFC4-6F175D3DCCD1}">
+                <a14:hiddenFill xmlns:a14="http://schemas.microsoft.com/office/drawing/2010/main">
+                  <a:solidFill>
+                    <a:srgbClr val="FFFFFF"/>
+                  </a:solidFill>
+                </a14:hiddenFill>
+              </a:ext>
+            </a:extLst>
+          </p:spPr>
+        </p:pic>
+        <p:grpSp>
+          <p:nvGrpSpPr>
+            <p:cNvPr id="121" name="组合 120">
+              <a:extLst>
+                <a:ext uri="{FF2B5EF4-FFF2-40B4-BE49-F238E27FC236}">
+                  <a16:creationId xmlns:a16="http://schemas.microsoft.com/office/drawing/2014/main" id="{38C3FA92-47E3-424E-BCC1-4BCFBD4F9949}"/>
+                </a:ext>
+              </a:extLst>
+            </p:cNvPr>
+            <p:cNvGrpSpPr/>
+            <p:nvPr/>
+          </p:nvGrpSpPr>
+          <p:grpSpPr>
+            <a:xfrm>
+              <a:off x="7194858" y="3314426"/>
+              <a:ext cx="825867" cy="393213"/>
+              <a:chOff x="5971492" y="3313329"/>
+              <a:chExt cx="825867" cy="393213"/>
+            </a:xfrm>
+          </p:grpSpPr>
+          <p:sp>
+            <p:nvSpPr>
+              <p:cNvPr id="122" name="Freeform 119">
+                <a:extLst>
+                  <a:ext uri="{FF2B5EF4-FFF2-40B4-BE49-F238E27FC236}">
+                    <a16:creationId xmlns:a16="http://schemas.microsoft.com/office/drawing/2014/main" id="{FF773854-D0B1-4CB5-950E-0B662E57776B}"/>
+                  </a:ext>
+                </a:extLst>
+              </p:cNvPr>
+              <p:cNvSpPr>
+                <a:spLocks noEditPoints="1"/>
+              </p:cNvSpPr>
+              <p:nvPr/>
+            </p:nvSpPr>
+            <p:spPr bwMode="auto">
+              <a:xfrm>
+                <a:off x="6045888" y="3334674"/>
+                <a:ext cx="156898" cy="147389"/>
+              </a:xfrm>
+              <a:custGeom>
+                <a:avLst/>
+                <a:gdLst>
+                  <a:gd name="T0" fmla="*/ 94 w 132"/>
+                  <a:gd name="T1" fmla="*/ 0 h 124"/>
+                  <a:gd name="T2" fmla="*/ 57 w 132"/>
+                  <a:gd name="T3" fmla="*/ 37 h 124"/>
+                  <a:gd name="T4" fmla="*/ 57 w 132"/>
+                  <a:gd name="T5" fmla="*/ 50 h 124"/>
+                  <a:gd name="T6" fmla="*/ 0 w 132"/>
+                  <a:gd name="T7" fmla="*/ 50 h 124"/>
+                  <a:gd name="T8" fmla="*/ 0 w 132"/>
+                  <a:gd name="T9" fmla="*/ 124 h 124"/>
+                  <a:gd name="T10" fmla="*/ 90 w 132"/>
+                  <a:gd name="T11" fmla="*/ 124 h 124"/>
+                  <a:gd name="T12" fmla="*/ 90 w 132"/>
+                  <a:gd name="T13" fmla="*/ 50 h 124"/>
+                  <a:gd name="T14" fmla="*/ 74 w 132"/>
+                  <a:gd name="T15" fmla="*/ 50 h 124"/>
+                  <a:gd name="T16" fmla="*/ 74 w 132"/>
+                  <a:gd name="T17" fmla="*/ 37 h 124"/>
+                  <a:gd name="T18" fmla="*/ 94 w 132"/>
+                  <a:gd name="T19" fmla="*/ 17 h 124"/>
+                  <a:gd name="T20" fmla="*/ 115 w 132"/>
+                  <a:gd name="T21" fmla="*/ 37 h 124"/>
+                  <a:gd name="T22" fmla="*/ 115 w 132"/>
+                  <a:gd name="T23" fmla="*/ 50 h 124"/>
+                  <a:gd name="T24" fmla="*/ 132 w 132"/>
+                  <a:gd name="T25" fmla="*/ 50 h 124"/>
+                  <a:gd name="T26" fmla="*/ 132 w 132"/>
+                  <a:gd name="T27" fmla="*/ 37 h 124"/>
+                  <a:gd name="T28" fmla="*/ 94 w 132"/>
+                  <a:gd name="T29" fmla="*/ 0 h 124"/>
+                  <a:gd name="T30" fmla="*/ 52 w 132"/>
+                  <a:gd name="T31" fmla="*/ 105 h 124"/>
+                  <a:gd name="T32" fmla="*/ 34 w 132"/>
+                  <a:gd name="T33" fmla="*/ 105 h 124"/>
+                  <a:gd name="T34" fmla="*/ 38 w 132"/>
+                  <a:gd name="T35" fmla="*/ 90 h 124"/>
+                  <a:gd name="T36" fmla="*/ 33 w 132"/>
+                  <a:gd name="T37" fmla="*/ 81 h 124"/>
+                  <a:gd name="T38" fmla="*/ 43 w 132"/>
+                  <a:gd name="T39" fmla="*/ 71 h 124"/>
+                  <a:gd name="T40" fmla="*/ 53 w 132"/>
+                  <a:gd name="T41" fmla="*/ 81 h 124"/>
+                  <a:gd name="T42" fmla="*/ 48 w 132"/>
+                  <a:gd name="T43" fmla="*/ 90 h 124"/>
+                  <a:gd name="T44" fmla="*/ 52 w 132"/>
+                  <a:gd name="T45" fmla="*/ 105 h 124"/>
+                </a:gdLst>
+                <a:ahLst/>
+                <a:cxnLst>
+                  <a:cxn ang="0">
+                    <a:pos x="T0" y="T1"/>
+                  </a:cxn>
+                  <a:cxn ang="0">
+                    <a:pos x="T2" y="T3"/>
+                  </a:cxn>
+                  <a:cxn ang="0">
+                    <a:pos x="T4" y="T5"/>
+                  </a:cxn>
+                  <a:cxn ang="0">
+                    <a:pos x="T6" y="T7"/>
+                  </a:cxn>
+                  <a:cxn ang="0">
+                    <a:pos x="T8" y="T9"/>
+                  </a:cxn>
+                  <a:cxn ang="0">
+                    <a:pos x="T10" y="T11"/>
+                  </a:cxn>
+                  <a:cxn ang="0">
+                    <a:pos x="T12" y="T13"/>
+                  </a:cxn>
+                  <a:cxn ang="0">
+                    <a:pos x="T14" y="T15"/>
+                  </a:cxn>
+                  <a:cxn ang="0">
+                    <a:pos x="T16" y="T17"/>
+                  </a:cxn>
+                  <a:cxn ang="0">
+                    <a:pos x="T18" y="T19"/>
+                  </a:cxn>
+                  <a:cxn ang="0">
+                    <a:pos x="T20" y="T21"/>
+                  </a:cxn>
+                  <a:cxn ang="0">
+                    <a:pos x="T22" y="T23"/>
+                  </a:cxn>
+                  <a:cxn ang="0">
+                    <a:pos x="T24" y="T25"/>
+                  </a:cxn>
+                  <a:cxn ang="0">
+                    <a:pos x="T26" y="T27"/>
+                  </a:cxn>
+                  <a:cxn ang="0">
+                    <a:pos x="T28" y="T29"/>
+                  </a:cxn>
+                  <a:cxn ang="0">
+                    <a:pos x="T30" y="T31"/>
+                  </a:cxn>
+                  <a:cxn ang="0">
+                    <a:pos x="T32" y="T33"/>
+                  </a:cxn>
+                  <a:cxn ang="0">
+                    <a:pos x="T34" y="T35"/>
+                  </a:cxn>
+                  <a:cxn ang="0">
+                    <a:pos x="T36" y="T37"/>
+                  </a:cxn>
+                  <a:cxn ang="0">
+                    <a:pos x="T38" y="T39"/>
+                  </a:cxn>
+                  <a:cxn ang="0">
+                    <a:pos x="T40" y="T41"/>
+                  </a:cxn>
+                  <a:cxn ang="0">
+                    <a:pos x="T42" y="T43"/>
+                  </a:cxn>
+                  <a:cxn ang="0">
+                    <a:pos x="T44" y="T45"/>
+                  </a:cxn>
+                </a:cxnLst>
+                <a:rect l="0" t="0" r="r" b="b"/>
+                <a:pathLst>
+                  <a:path w="132" h="124">
+                    <a:moveTo>
+                      <a:pt x="94" y="0"/>
+                    </a:moveTo>
+                    <a:cubicBezTo>
+                      <a:pt x="74" y="0"/>
+                      <a:pt x="57" y="17"/>
+                      <a:pt x="57" y="37"/>
+                    </a:cubicBezTo>
+                    <a:cubicBezTo>
+                      <a:pt x="57" y="50"/>
+                      <a:pt x="57" y="50"/>
+                      <a:pt x="57" y="50"/>
+                    </a:cubicBezTo>
+                    <a:cubicBezTo>
+                      <a:pt x="0" y="50"/>
+                      <a:pt x="0" y="50"/>
+                      <a:pt x="0" y="50"/>
+                    </a:cubicBezTo>
+                    <a:cubicBezTo>
+                      <a:pt x="0" y="124"/>
+                      <a:pt x="0" y="124"/>
+                      <a:pt x="0" y="124"/>
+                    </a:cubicBezTo>
+                    <a:cubicBezTo>
+                      <a:pt x="90" y="124"/>
+                      <a:pt x="90" y="124"/>
+                      <a:pt x="90" y="124"/>
+                    </a:cubicBezTo>
+                    <a:cubicBezTo>
+                      <a:pt x="90" y="50"/>
+                      <a:pt x="90" y="50"/>
+                      <a:pt x="90" y="50"/>
+                    </a:cubicBezTo>
+                    <a:cubicBezTo>
+                      <a:pt x="74" y="50"/>
+                      <a:pt x="74" y="50"/>
+                      <a:pt x="74" y="50"/>
+                    </a:cubicBezTo>
+                    <a:cubicBezTo>
+                      <a:pt x="74" y="37"/>
+                      <a:pt x="74" y="37"/>
+                      <a:pt x="74" y="37"/>
+                    </a:cubicBezTo>
+                    <a:cubicBezTo>
+                      <a:pt x="74" y="26"/>
+                      <a:pt x="83" y="17"/>
+                      <a:pt x="94" y="17"/>
+                    </a:cubicBezTo>
+                    <a:cubicBezTo>
+                      <a:pt x="106" y="17"/>
+                      <a:pt x="115" y="26"/>
+                      <a:pt x="115" y="37"/>
+                    </a:cubicBezTo>
+                    <a:cubicBezTo>
+                      <a:pt x="115" y="50"/>
+                      <a:pt x="115" y="50"/>
+                      <a:pt x="115" y="50"/>
+                    </a:cubicBezTo>
+                    <a:cubicBezTo>
+                      <a:pt x="132" y="50"/>
+                      <a:pt x="132" y="50"/>
+                      <a:pt x="132" y="50"/>
+                    </a:cubicBezTo>
+                    <a:cubicBezTo>
+                      <a:pt x="132" y="37"/>
+                      <a:pt x="132" y="37"/>
+                      <a:pt x="132" y="37"/>
+                    </a:cubicBezTo>
+                    <a:cubicBezTo>
+                      <a:pt x="132" y="17"/>
+                      <a:pt x="115" y="0"/>
+                      <a:pt x="94" y="0"/>
+                    </a:cubicBezTo>
+                    <a:close/>
+                    <a:moveTo>
+                      <a:pt x="52" y="105"/>
+                    </a:moveTo>
+                    <a:cubicBezTo>
+                      <a:pt x="34" y="105"/>
+                      <a:pt x="34" y="105"/>
+                      <a:pt x="34" y="105"/>
+                    </a:cubicBezTo>
+                    <a:cubicBezTo>
+                      <a:pt x="38" y="90"/>
+                      <a:pt x="38" y="90"/>
+                      <a:pt x="38" y="90"/>
+                    </a:cubicBezTo>
+                    <a:cubicBezTo>
+                      <a:pt x="35" y="89"/>
+                      <a:pt x="33" y="85"/>
+                      <a:pt x="33" y="81"/>
+                    </a:cubicBezTo>
+                    <a:cubicBezTo>
+                      <a:pt x="33" y="75"/>
+                      <a:pt x="37" y="71"/>
+                      <a:pt x="43" y="71"/>
+                    </a:cubicBezTo>
+                    <a:cubicBezTo>
+                      <a:pt x="49" y="71"/>
+                      <a:pt x="53" y="75"/>
+                      <a:pt x="53" y="81"/>
+                    </a:cubicBezTo>
+                    <a:cubicBezTo>
+                      <a:pt x="53" y="85"/>
+                      <a:pt x="51" y="89"/>
+                      <a:pt x="48" y="90"/>
+                    </a:cubicBezTo>
+                    <a:lnTo>
+                      <a:pt x="52" y="105"/>
+                    </a:lnTo>
+                    <a:close/>
+                  </a:path>
+                </a:pathLst>
+              </a:custGeom>
+              <a:solidFill>
+                <a:srgbClr val="00B0F0"/>
+              </a:solidFill>
+              <a:ln>
+                <a:noFill/>
+              </a:ln>
+            </p:spPr>
+            <p:txBody>
+              <a:bodyPr vert="horz" wrap="square" lIns="91440" tIns="45720" rIns="91440" bIns="45720" numCol="1" anchor="t" anchorCtr="0" compatLnSpc="1">
+                <a:prstTxWarp prst="textNoShape">
+                  <a:avLst/>
+                </a:prstTxWarp>
+              </a:bodyPr>
+              <a:lstStyle/>
+              <a:p>
+                <a:endParaRPr lang="zh-CN" altLang="en-US"/>
+              </a:p>
+            </p:txBody>
+          </p:sp>
+          <p:sp>
+            <p:nvSpPr>
+              <p:cNvPr id="123" name="文本框 122">
+                <a:extLst>
+                  <a:ext uri="{FF2B5EF4-FFF2-40B4-BE49-F238E27FC236}">
+                    <a16:creationId xmlns:a16="http://schemas.microsoft.com/office/drawing/2014/main" id="{5E1802E3-A6DD-454D-8C08-FF3F77B6BB07}"/>
+                  </a:ext>
+                </a:extLst>
+              </p:cNvPr>
+              <p:cNvSpPr txBox="1"/>
+              <p:nvPr/>
+            </p:nvSpPr>
+            <p:spPr>
+              <a:xfrm>
+                <a:off x="6153096" y="3313329"/>
+                <a:ext cx="595035" cy="215444"/>
+              </a:xfrm>
+              <a:prstGeom prst="rect">
+                <a:avLst/>
+              </a:prstGeom>
+              <a:noFill/>
+            </p:spPr>
+            <p:txBody>
+              <a:bodyPr wrap="none" rtlCol="0">
+                <a:spAutoFit/>
+              </a:bodyPr>
+              <a:lstStyle/>
+              <a:p>
+                <a:r>
+                  <a:rPr lang="zh-CN" altLang="en-US" sz="800" dirty="0">
+                    <a:solidFill>
+                      <a:srgbClr val="00B0F0"/>
+                    </a:solidFill>
+                  </a:rPr>
+                  <a:t>解锁建筑</a:t>
+                </a:r>
+              </a:p>
+            </p:txBody>
+          </p:sp>
+          <p:sp>
+            <p:nvSpPr>
+              <p:cNvPr id="124" name="文本框 123">
+                <a:extLst>
+                  <a:ext uri="{FF2B5EF4-FFF2-40B4-BE49-F238E27FC236}">
+                    <a16:creationId xmlns:a16="http://schemas.microsoft.com/office/drawing/2014/main" id="{EB1D3BED-0A1B-4A10-A9C4-056B0C5F6A6F}"/>
+                  </a:ext>
+                </a:extLst>
+              </p:cNvPr>
+              <p:cNvSpPr txBox="1"/>
+              <p:nvPr/>
+            </p:nvSpPr>
+            <p:spPr>
+              <a:xfrm>
+                <a:off x="5971492" y="3460321"/>
+                <a:ext cx="825867" cy="246221"/>
+              </a:xfrm>
+              <a:prstGeom prst="rect">
+                <a:avLst/>
+              </a:prstGeom>
+              <a:noFill/>
+            </p:spPr>
+            <p:txBody>
+              <a:bodyPr wrap="none" rtlCol="0">
+                <a:spAutoFit/>
+              </a:bodyPr>
+              <a:lstStyle/>
+              <a:p>
+                <a:r>
+                  <a:rPr lang="zh-CN" altLang="en-US" sz="1000" b="1" dirty="0">
+                    <a:solidFill>
+                      <a:schemeClr val="bg1">
+                        <a:alpha val="56000"/>
+                      </a:schemeClr>
+                    </a:solidFill>
+                  </a:rPr>
+                  <a:t>等离子熔炉</a:t>
+                </a:r>
+              </a:p>
+            </p:txBody>
+          </p:sp>
+        </p:grpSp>
+        <p:pic>
+          <p:nvPicPr>
+            <p:cNvPr id="1028" name="Picture 4">
+              <a:extLst>
+                <a:ext uri="{FF2B5EF4-FFF2-40B4-BE49-F238E27FC236}">
+                  <a16:creationId xmlns:a16="http://schemas.microsoft.com/office/drawing/2014/main" id="{1C295F32-D1CF-456A-866C-55162D6C96A7}"/>
+                </a:ext>
+              </a:extLst>
+            </p:cNvPr>
+            <p:cNvPicPr>
+              <a:picLocks noChangeAspect="1" noChangeArrowheads="1"/>
+            </p:cNvPicPr>
+            <p:nvPr/>
+          </p:nvPicPr>
+          <p:blipFill>
+            <a:blip r:embed="rId8">
+              <a:extLst>
+                <a:ext uri="{28A0092B-C50C-407E-A947-70E740481C1C}">
+                  <a14:useLocalDpi xmlns:a14="http://schemas.microsoft.com/office/drawing/2010/main" val="0"/>
+                </a:ext>
+              </a:extLst>
+            </a:blip>
+            <a:srcRect/>
+            <a:stretch>
+              <a:fillRect/>
+            </a:stretch>
+          </p:blipFill>
+          <p:spPr bwMode="auto">
+            <a:xfrm>
+              <a:off x="7189871" y="2413641"/>
+              <a:ext cx="825214" cy="774784"/>
+            </a:xfrm>
+            <a:prstGeom prst="rect">
+              <a:avLst/>
+            </a:prstGeom>
+            <a:noFill/>
+            <a:extLst>
+              <a:ext uri="{909E8E84-426E-40DD-AFC4-6F175D3DCCD1}">
+                <a14:hiddenFill xmlns:a14="http://schemas.microsoft.com/office/drawing/2010/main">
+                  <a:solidFill>
+                    <a:srgbClr val="FFFFFF"/>
+                  </a:solidFill>
+                </a14:hiddenFill>
+              </a:ext>
+            </a:extLst>
+          </p:spPr>
+        </p:pic>
+      </p:grpSp>
+      <p:grpSp>
+        <p:nvGrpSpPr>
+          <p:cNvPr id="126" name="组合 125">
+            <a:extLst>
+              <a:ext uri="{FF2B5EF4-FFF2-40B4-BE49-F238E27FC236}">
+                <a16:creationId xmlns:a16="http://schemas.microsoft.com/office/drawing/2014/main" id="{98EE4633-782A-4434-9406-ADFEECAE34B2}"/>
+              </a:ext>
+            </a:extLst>
+          </p:cNvPr>
+          <p:cNvGrpSpPr/>
+          <p:nvPr/>
+        </p:nvGrpSpPr>
+        <p:grpSpPr>
+          <a:xfrm>
+            <a:off x="3742339" y="2254652"/>
+            <a:ext cx="156354" cy="154824"/>
+            <a:chOff x="6645276" y="3654426"/>
+            <a:chExt cx="649288" cy="642938"/>
+          </a:xfrm>
+          <a:solidFill>
+            <a:schemeClr val="bg1">
+              <a:alpha val="60000"/>
+            </a:schemeClr>
+          </a:solidFill>
+        </p:grpSpPr>
+        <p:sp>
+          <p:nvSpPr>
+            <p:cNvPr id="127" name="Freeform 276">
+              <a:extLst>
+                <a:ext uri="{FF2B5EF4-FFF2-40B4-BE49-F238E27FC236}">
+                  <a16:creationId xmlns:a16="http://schemas.microsoft.com/office/drawing/2014/main" id="{32CE6F49-BEAD-4731-BC31-F8532A043E03}"/>
+                </a:ext>
+              </a:extLst>
+            </p:cNvPr>
+            <p:cNvSpPr>
+              <a:spLocks noEditPoints="1"/>
+            </p:cNvSpPr>
+            <p:nvPr/>
+          </p:nvSpPr>
+          <p:spPr bwMode="auto">
+            <a:xfrm>
+              <a:off x="6645276" y="3843338"/>
+              <a:ext cx="649288" cy="258763"/>
+            </a:xfrm>
+            <a:custGeom>
+              <a:avLst/>
+              <a:gdLst>
+                <a:gd name="T0" fmla="*/ 1 w 173"/>
+                <a:gd name="T1" fmla="*/ 56 h 69"/>
+                <a:gd name="T2" fmla="*/ 6 w 173"/>
+                <a:gd name="T3" fmla="*/ 42 h 69"/>
+                <a:gd name="T4" fmla="*/ 24 w 173"/>
+                <a:gd name="T5" fmla="*/ 29 h 69"/>
+                <a:gd name="T6" fmla="*/ 80 w 173"/>
+                <a:gd name="T7" fmla="*/ 9 h 69"/>
+                <a:gd name="T8" fmla="*/ 139 w 173"/>
+                <a:gd name="T9" fmla="*/ 0 h 69"/>
+                <a:gd name="T10" fmla="*/ 160 w 173"/>
+                <a:gd name="T11" fmla="*/ 3 h 69"/>
+                <a:gd name="T12" fmla="*/ 172 w 173"/>
+                <a:gd name="T13" fmla="*/ 13 h 69"/>
+                <a:gd name="T14" fmla="*/ 167 w 173"/>
+                <a:gd name="T15" fmla="*/ 27 h 69"/>
+                <a:gd name="T16" fmla="*/ 149 w 173"/>
+                <a:gd name="T17" fmla="*/ 40 h 69"/>
+                <a:gd name="T18" fmla="*/ 93 w 173"/>
+                <a:gd name="T19" fmla="*/ 61 h 69"/>
+                <a:gd name="T20" fmla="*/ 34 w 173"/>
+                <a:gd name="T21" fmla="*/ 69 h 69"/>
+                <a:gd name="T22" fmla="*/ 13 w 173"/>
+                <a:gd name="T23" fmla="*/ 66 h 69"/>
+                <a:gd name="T24" fmla="*/ 1 w 173"/>
+                <a:gd name="T25" fmla="*/ 56 h 69"/>
+                <a:gd name="T26" fmla="*/ 13 w 173"/>
+                <a:gd name="T27" fmla="*/ 48 h 69"/>
+                <a:gd name="T28" fmla="*/ 9 w 173"/>
+                <a:gd name="T29" fmla="*/ 54 h 69"/>
+                <a:gd name="T30" fmla="*/ 15 w 173"/>
+                <a:gd name="T31" fmla="*/ 59 h 69"/>
+                <a:gd name="T32" fmla="*/ 34 w 173"/>
+                <a:gd name="T33" fmla="*/ 61 h 69"/>
+                <a:gd name="T34" fmla="*/ 91 w 173"/>
+                <a:gd name="T35" fmla="*/ 53 h 69"/>
+                <a:gd name="T36" fmla="*/ 145 w 173"/>
+                <a:gd name="T37" fmla="*/ 33 h 69"/>
+                <a:gd name="T38" fmla="*/ 160 w 173"/>
+                <a:gd name="T39" fmla="*/ 22 h 69"/>
+                <a:gd name="T40" fmla="*/ 164 w 173"/>
+                <a:gd name="T41" fmla="*/ 15 h 69"/>
+                <a:gd name="T42" fmla="*/ 158 w 173"/>
+                <a:gd name="T43" fmla="*/ 11 h 69"/>
+                <a:gd name="T44" fmla="*/ 139 w 173"/>
+                <a:gd name="T45" fmla="*/ 9 h 69"/>
+                <a:gd name="T46" fmla="*/ 82 w 173"/>
+                <a:gd name="T47" fmla="*/ 17 h 69"/>
+                <a:gd name="T48" fmla="*/ 28 w 173"/>
+                <a:gd name="T49" fmla="*/ 37 h 69"/>
+                <a:gd name="T50" fmla="*/ 13 w 173"/>
+                <a:gd name="T51" fmla="*/ 48 h 69"/>
+              </a:gdLst>
+              <a:ahLst/>
+              <a:cxnLst>
+                <a:cxn ang="0">
+                  <a:pos x="T0" y="T1"/>
+                </a:cxn>
+                <a:cxn ang="0">
+                  <a:pos x="T2" y="T3"/>
+                </a:cxn>
+                <a:cxn ang="0">
+                  <a:pos x="T4" y="T5"/>
+                </a:cxn>
+                <a:cxn ang="0">
+                  <a:pos x="T6" y="T7"/>
+                </a:cxn>
+                <a:cxn ang="0">
+                  <a:pos x="T8" y="T9"/>
+                </a:cxn>
+                <a:cxn ang="0">
+                  <a:pos x="T10" y="T11"/>
+                </a:cxn>
+                <a:cxn ang="0">
+                  <a:pos x="T12" y="T13"/>
+                </a:cxn>
+                <a:cxn ang="0">
+                  <a:pos x="T14" y="T15"/>
+                </a:cxn>
+                <a:cxn ang="0">
+                  <a:pos x="T16" y="T17"/>
+                </a:cxn>
+                <a:cxn ang="0">
+                  <a:pos x="T18" y="T19"/>
+                </a:cxn>
+                <a:cxn ang="0">
+                  <a:pos x="T20" y="T21"/>
+                </a:cxn>
+                <a:cxn ang="0">
+                  <a:pos x="T22" y="T23"/>
+                </a:cxn>
+                <a:cxn ang="0">
+                  <a:pos x="T24" y="T25"/>
+                </a:cxn>
+                <a:cxn ang="0">
+                  <a:pos x="T26" y="T27"/>
+                </a:cxn>
+                <a:cxn ang="0">
+                  <a:pos x="T28" y="T29"/>
+                </a:cxn>
+                <a:cxn ang="0">
+                  <a:pos x="T30" y="T31"/>
+                </a:cxn>
+                <a:cxn ang="0">
+                  <a:pos x="T32" y="T33"/>
+                </a:cxn>
+                <a:cxn ang="0">
+                  <a:pos x="T34" y="T35"/>
+                </a:cxn>
+                <a:cxn ang="0">
+                  <a:pos x="T36" y="T37"/>
+                </a:cxn>
+                <a:cxn ang="0">
+                  <a:pos x="T38" y="T39"/>
+                </a:cxn>
+                <a:cxn ang="0">
+                  <a:pos x="T40" y="T41"/>
+                </a:cxn>
+                <a:cxn ang="0">
+                  <a:pos x="T42" y="T43"/>
+                </a:cxn>
+                <a:cxn ang="0">
+                  <a:pos x="T44" y="T45"/>
+                </a:cxn>
+                <a:cxn ang="0">
+                  <a:pos x="T46" y="T47"/>
+                </a:cxn>
+                <a:cxn ang="0">
+                  <a:pos x="T48" y="T49"/>
+                </a:cxn>
+                <a:cxn ang="0">
+                  <a:pos x="T50" y="T51"/>
+                </a:cxn>
+              </a:cxnLst>
+              <a:rect l="0" t="0" r="r" b="b"/>
+              <a:pathLst>
+                <a:path w="173" h="69">
+                  <a:moveTo>
+                    <a:pt x="1" y="56"/>
+                  </a:moveTo>
+                  <a:cubicBezTo>
+                    <a:pt x="0" y="52"/>
+                    <a:pt x="2" y="47"/>
+                    <a:pt x="6" y="42"/>
+                  </a:cubicBezTo>
+                  <a:cubicBezTo>
+                    <a:pt x="10" y="38"/>
+                    <a:pt x="16" y="34"/>
+                    <a:pt x="24" y="29"/>
+                  </a:cubicBezTo>
+                  <a:cubicBezTo>
+                    <a:pt x="41" y="20"/>
+                    <a:pt x="61" y="13"/>
+                    <a:pt x="80" y="9"/>
+                  </a:cubicBezTo>
+                  <a:cubicBezTo>
+                    <a:pt x="99" y="4"/>
+                    <a:pt x="120" y="0"/>
+                    <a:pt x="139" y="0"/>
+                  </a:cubicBezTo>
+                  <a:cubicBezTo>
+                    <a:pt x="148" y="0"/>
+                    <a:pt x="155" y="1"/>
+                    <a:pt x="160" y="3"/>
+                  </a:cubicBezTo>
+                  <a:cubicBezTo>
+                    <a:pt x="166" y="5"/>
+                    <a:pt x="170" y="9"/>
+                    <a:pt x="172" y="13"/>
+                  </a:cubicBezTo>
+                  <a:cubicBezTo>
+                    <a:pt x="173" y="18"/>
+                    <a:pt x="171" y="23"/>
+                    <a:pt x="167" y="27"/>
+                  </a:cubicBezTo>
+                  <a:cubicBezTo>
+                    <a:pt x="163" y="32"/>
+                    <a:pt x="157" y="36"/>
+                    <a:pt x="149" y="40"/>
+                  </a:cubicBezTo>
+                  <a:cubicBezTo>
+                    <a:pt x="132" y="49"/>
+                    <a:pt x="112" y="56"/>
+                    <a:pt x="93" y="61"/>
+                  </a:cubicBezTo>
+                  <a:cubicBezTo>
+                    <a:pt x="74" y="66"/>
+                    <a:pt x="53" y="69"/>
+                    <a:pt x="34" y="69"/>
+                  </a:cubicBezTo>
+                  <a:cubicBezTo>
+                    <a:pt x="25" y="69"/>
+                    <a:pt x="18" y="68"/>
+                    <a:pt x="13" y="66"/>
+                  </a:cubicBezTo>
+                  <a:cubicBezTo>
+                    <a:pt x="7" y="64"/>
+                    <a:pt x="3" y="61"/>
+                    <a:pt x="1" y="56"/>
+                  </a:cubicBezTo>
+                  <a:close/>
+                  <a:moveTo>
+                    <a:pt x="13" y="48"/>
+                  </a:moveTo>
+                  <a:cubicBezTo>
+                    <a:pt x="10" y="50"/>
+                    <a:pt x="9" y="53"/>
+                    <a:pt x="9" y="54"/>
+                  </a:cubicBezTo>
+                  <a:cubicBezTo>
+                    <a:pt x="10" y="56"/>
+                    <a:pt x="12" y="57"/>
+                    <a:pt x="15" y="59"/>
+                  </a:cubicBezTo>
+                  <a:cubicBezTo>
+                    <a:pt x="20" y="60"/>
+                    <a:pt x="26" y="61"/>
+                    <a:pt x="34" y="61"/>
+                  </a:cubicBezTo>
+                  <a:cubicBezTo>
+                    <a:pt x="53" y="61"/>
+                    <a:pt x="73" y="57"/>
+                    <a:pt x="91" y="53"/>
+                  </a:cubicBezTo>
+                  <a:cubicBezTo>
+                    <a:pt x="109" y="48"/>
+                    <a:pt x="129" y="42"/>
+                    <a:pt x="145" y="33"/>
+                  </a:cubicBezTo>
+                  <a:cubicBezTo>
+                    <a:pt x="152" y="29"/>
+                    <a:pt x="157" y="25"/>
+                    <a:pt x="160" y="22"/>
+                  </a:cubicBezTo>
+                  <a:cubicBezTo>
+                    <a:pt x="163" y="19"/>
+                    <a:pt x="164" y="17"/>
+                    <a:pt x="164" y="15"/>
+                  </a:cubicBezTo>
+                  <a:cubicBezTo>
+                    <a:pt x="163" y="14"/>
+                    <a:pt x="161" y="12"/>
+                    <a:pt x="158" y="11"/>
+                  </a:cubicBezTo>
+                  <a:cubicBezTo>
+                    <a:pt x="153" y="9"/>
+                    <a:pt x="147" y="9"/>
+                    <a:pt x="139" y="9"/>
+                  </a:cubicBezTo>
+                  <a:cubicBezTo>
+                    <a:pt x="120" y="8"/>
+                    <a:pt x="100" y="12"/>
+                    <a:pt x="82" y="17"/>
+                  </a:cubicBezTo>
+                  <a:cubicBezTo>
+                    <a:pt x="64" y="21"/>
+                    <a:pt x="44" y="28"/>
+                    <a:pt x="28" y="37"/>
+                  </a:cubicBezTo>
+                  <a:cubicBezTo>
+                    <a:pt x="21" y="40"/>
+                    <a:pt x="16" y="44"/>
+                    <a:pt x="13" y="48"/>
+                  </a:cubicBezTo>
+                  <a:close/>
+                </a:path>
+              </a:pathLst>
+            </a:custGeom>
+            <a:grpFill/>
+            <a:ln>
+              <a:noFill/>
+            </a:ln>
+            <a:extLst>
+              <a:ext uri="{91240B29-F687-4F45-9708-019B960494DF}">
+                <a14:hiddenLine xmlns:a14="http://schemas.microsoft.com/office/drawing/2010/main" w="9525">
+                  <a:solidFill>
+                    <a:srgbClr val="000000"/>
+                  </a:solidFill>
+                  <a:round/>
+                  <a:headEnd/>
+                  <a:tailEnd/>
+                </a14:hiddenLine>
+              </a:ext>
+            </a:extLst>
+          </p:spPr>
+          <p:txBody>
+            <a:bodyPr vert="horz" wrap="square" lIns="91440" tIns="45720" rIns="91440" bIns="45720" numCol="1" anchor="t" anchorCtr="0" compatLnSpc="1">
+              <a:prstTxWarp prst="textNoShape">
+                <a:avLst/>
+              </a:prstTxWarp>
+            </a:bodyPr>
+            <a:lstStyle/>
+            <a:p>
+              <a:endParaRPr lang="zh-CN" altLang="en-US"/>
+            </a:p>
+          </p:txBody>
+        </p:sp>
+        <p:sp>
+          <p:nvSpPr>
+            <p:cNvPr id="128" name="Freeform 277">
+              <a:extLst>
+                <a:ext uri="{FF2B5EF4-FFF2-40B4-BE49-F238E27FC236}">
+                  <a16:creationId xmlns:a16="http://schemas.microsoft.com/office/drawing/2014/main" id="{88A8FE31-9AD9-436D-8901-553354654600}"/>
+                </a:ext>
+              </a:extLst>
+            </p:cNvPr>
+            <p:cNvSpPr>
+              <a:spLocks/>
+            </p:cNvSpPr>
+            <p:nvPr/>
+          </p:nvSpPr>
+          <p:spPr bwMode="auto">
+            <a:xfrm>
+              <a:off x="6678614" y="4046538"/>
+              <a:ext cx="158750" cy="63500"/>
+            </a:xfrm>
+            <a:custGeom>
+              <a:avLst/>
+              <a:gdLst>
+                <a:gd name="T0" fmla="*/ 1 w 42"/>
+                <a:gd name="T1" fmla="*/ 5 h 17"/>
+                <a:gd name="T2" fmla="*/ 13 w 42"/>
+                <a:gd name="T3" fmla="*/ 1 h 17"/>
+                <a:gd name="T4" fmla="*/ 42 w 42"/>
+                <a:gd name="T5" fmla="*/ 12 h 17"/>
+                <a:gd name="T6" fmla="*/ 9 w 42"/>
+                <a:gd name="T7" fmla="*/ 16 h 17"/>
+                <a:gd name="T8" fmla="*/ 1 w 42"/>
+                <a:gd name="T9" fmla="*/ 5 h 17"/>
+              </a:gdLst>
+              <a:ahLst/>
+              <a:cxnLst>
+                <a:cxn ang="0">
+                  <a:pos x="T0" y="T1"/>
+                </a:cxn>
+                <a:cxn ang="0">
+                  <a:pos x="T2" y="T3"/>
+                </a:cxn>
+                <a:cxn ang="0">
+                  <a:pos x="T4" y="T5"/>
+                </a:cxn>
+                <a:cxn ang="0">
+                  <a:pos x="T6" y="T7"/>
+                </a:cxn>
+                <a:cxn ang="0">
+                  <a:pos x="T8" y="T9"/>
+                </a:cxn>
+              </a:cxnLst>
+              <a:rect l="0" t="0" r="r" b="b"/>
+              <a:pathLst>
+                <a:path w="42" h="17">
+                  <a:moveTo>
+                    <a:pt x="1" y="5"/>
+                  </a:moveTo>
+                  <a:cubicBezTo>
+                    <a:pt x="2" y="1"/>
+                    <a:pt x="9" y="0"/>
+                    <a:pt x="13" y="1"/>
+                  </a:cubicBezTo>
+                  <a:cubicBezTo>
+                    <a:pt x="17" y="2"/>
+                    <a:pt x="25" y="11"/>
+                    <a:pt x="42" y="12"/>
+                  </a:cubicBezTo>
+                  <a:cubicBezTo>
+                    <a:pt x="39" y="15"/>
+                    <a:pt x="13" y="17"/>
+                    <a:pt x="9" y="16"/>
+                  </a:cubicBezTo>
+                  <a:cubicBezTo>
+                    <a:pt x="5" y="15"/>
+                    <a:pt x="0" y="9"/>
+                    <a:pt x="1" y="5"/>
+                  </a:cubicBezTo>
+                  <a:close/>
+                </a:path>
+              </a:pathLst>
+            </a:custGeom>
+            <a:grpFill/>
+            <a:ln>
+              <a:noFill/>
+            </a:ln>
+            <a:extLst>
+              <a:ext uri="{91240B29-F687-4F45-9708-019B960494DF}">
+                <a14:hiddenLine xmlns:a14="http://schemas.microsoft.com/office/drawing/2010/main" w="9525">
+                  <a:solidFill>
+                    <a:srgbClr val="000000"/>
+                  </a:solidFill>
+                  <a:round/>
+                  <a:headEnd/>
+                  <a:tailEnd/>
+                </a14:hiddenLine>
+              </a:ext>
+            </a:extLst>
+          </p:spPr>
+          <p:txBody>
+            <a:bodyPr vert="horz" wrap="square" lIns="91440" tIns="45720" rIns="91440" bIns="45720" numCol="1" anchor="t" anchorCtr="0" compatLnSpc="1">
+              <a:prstTxWarp prst="textNoShape">
+                <a:avLst/>
+              </a:prstTxWarp>
+            </a:bodyPr>
+            <a:lstStyle/>
+            <a:p>
+              <a:endParaRPr lang="zh-CN" altLang="en-US"/>
+            </a:p>
+          </p:txBody>
+        </p:sp>
+        <p:sp>
+          <p:nvSpPr>
+            <p:cNvPr id="129" name="Freeform 278">
+              <a:extLst>
+                <a:ext uri="{FF2B5EF4-FFF2-40B4-BE49-F238E27FC236}">
+                  <a16:creationId xmlns:a16="http://schemas.microsoft.com/office/drawing/2014/main" id="{710C0D19-E2F1-4619-BAA3-D92E22CAABCD}"/>
+                </a:ext>
+              </a:extLst>
+            </p:cNvPr>
+            <p:cNvSpPr>
+              <a:spLocks/>
+            </p:cNvSpPr>
+            <p:nvPr/>
+          </p:nvSpPr>
+          <p:spPr bwMode="auto">
+            <a:xfrm>
+              <a:off x="6950076" y="3906838"/>
+              <a:ext cx="60325" cy="60325"/>
+            </a:xfrm>
+            <a:custGeom>
+              <a:avLst/>
+              <a:gdLst>
+                <a:gd name="T0" fmla="*/ 4 w 16"/>
+                <a:gd name="T1" fmla="*/ 2 h 16"/>
+                <a:gd name="T2" fmla="*/ 14 w 16"/>
+                <a:gd name="T3" fmla="*/ 5 h 16"/>
+                <a:gd name="T4" fmla="*/ 11 w 16"/>
+                <a:gd name="T5" fmla="*/ 14 h 16"/>
+                <a:gd name="T6" fmla="*/ 1 w 16"/>
+                <a:gd name="T7" fmla="*/ 12 h 16"/>
+                <a:gd name="T8" fmla="*/ 4 w 16"/>
+                <a:gd name="T9" fmla="*/ 2 h 16"/>
+              </a:gdLst>
+              <a:ahLst/>
+              <a:cxnLst>
+                <a:cxn ang="0">
+                  <a:pos x="T0" y="T1"/>
+                </a:cxn>
+                <a:cxn ang="0">
+                  <a:pos x="T2" y="T3"/>
+                </a:cxn>
+                <a:cxn ang="0">
+                  <a:pos x="T4" y="T5"/>
+                </a:cxn>
+                <a:cxn ang="0">
+                  <a:pos x="T6" y="T7"/>
+                </a:cxn>
+                <a:cxn ang="0">
+                  <a:pos x="T8" y="T9"/>
+                </a:cxn>
+              </a:cxnLst>
+              <a:rect l="0" t="0" r="r" b="b"/>
+              <a:pathLst>
+                <a:path w="16" h="16">
+                  <a:moveTo>
+                    <a:pt x="4" y="2"/>
+                  </a:moveTo>
+                  <a:cubicBezTo>
+                    <a:pt x="8" y="0"/>
+                    <a:pt x="12" y="1"/>
+                    <a:pt x="14" y="5"/>
+                  </a:cubicBezTo>
+                  <a:cubicBezTo>
+                    <a:pt x="16" y="8"/>
+                    <a:pt x="14" y="13"/>
+                    <a:pt x="11" y="14"/>
+                  </a:cubicBezTo>
+                  <a:cubicBezTo>
+                    <a:pt x="8" y="16"/>
+                    <a:pt x="3" y="15"/>
+                    <a:pt x="1" y="12"/>
+                  </a:cubicBezTo>
+                  <a:cubicBezTo>
+                    <a:pt x="0" y="8"/>
+                    <a:pt x="1" y="4"/>
+                    <a:pt x="4" y="2"/>
+                  </a:cubicBezTo>
+                  <a:close/>
+                </a:path>
+              </a:pathLst>
+            </a:custGeom>
+            <a:grpFill/>
+            <a:ln>
+              <a:noFill/>
+            </a:ln>
+            <a:extLst>
+              <a:ext uri="{91240B29-F687-4F45-9708-019B960494DF}">
+                <a14:hiddenLine xmlns:a14="http://schemas.microsoft.com/office/drawing/2010/main" w="9525">
+                  <a:solidFill>
+                    <a:srgbClr val="000000"/>
+                  </a:solidFill>
+                  <a:round/>
+                  <a:headEnd/>
+                  <a:tailEnd/>
+                </a14:hiddenLine>
+              </a:ext>
+            </a:extLst>
+          </p:spPr>
+          <p:txBody>
+            <a:bodyPr vert="horz" wrap="square" lIns="91440" tIns="45720" rIns="91440" bIns="45720" numCol="1" anchor="t" anchorCtr="0" compatLnSpc="1">
+              <a:prstTxWarp prst="textNoShape">
+                <a:avLst/>
+              </a:prstTxWarp>
+            </a:bodyPr>
+            <a:lstStyle/>
+            <a:p>
+              <a:endParaRPr lang="zh-CN" altLang="en-US"/>
+            </a:p>
+          </p:txBody>
+        </p:sp>
+        <p:sp>
+          <p:nvSpPr>
+            <p:cNvPr id="130" name="Freeform 279">
+              <a:extLst>
+                <a:ext uri="{FF2B5EF4-FFF2-40B4-BE49-F238E27FC236}">
+                  <a16:creationId xmlns:a16="http://schemas.microsoft.com/office/drawing/2014/main" id="{666EDD3C-5B74-4559-B46B-2171F7AD93EE}"/>
+                </a:ext>
+              </a:extLst>
+            </p:cNvPr>
+            <p:cNvSpPr>
+              <a:spLocks/>
+            </p:cNvSpPr>
+            <p:nvPr/>
+          </p:nvSpPr>
+          <p:spPr bwMode="auto">
+            <a:xfrm>
+              <a:off x="6926264" y="3978276"/>
+              <a:ext cx="60325" cy="63500"/>
+            </a:xfrm>
+            <a:custGeom>
+              <a:avLst/>
+              <a:gdLst>
+                <a:gd name="T0" fmla="*/ 5 w 16"/>
+                <a:gd name="T1" fmla="*/ 2 h 17"/>
+                <a:gd name="T2" fmla="*/ 2 w 16"/>
+                <a:gd name="T3" fmla="*/ 12 h 17"/>
+                <a:gd name="T4" fmla="*/ 12 w 16"/>
+                <a:gd name="T5" fmla="*/ 15 h 17"/>
+                <a:gd name="T6" fmla="*/ 14 w 16"/>
+                <a:gd name="T7" fmla="*/ 5 h 17"/>
+                <a:gd name="T8" fmla="*/ 5 w 16"/>
+                <a:gd name="T9" fmla="*/ 2 h 17"/>
+              </a:gdLst>
+              <a:ahLst/>
+              <a:cxnLst>
+                <a:cxn ang="0">
+                  <a:pos x="T0" y="T1"/>
+                </a:cxn>
+                <a:cxn ang="0">
+                  <a:pos x="T2" y="T3"/>
+                </a:cxn>
+                <a:cxn ang="0">
+                  <a:pos x="T4" y="T5"/>
+                </a:cxn>
+                <a:cxn ang="0">
+                  <a:pos x="T6" y="T7"/>
+                </a:cxn>
+                <a:cxn ang="0">
+                  <a:pos x="T8" y="T9"/>
+                </a:cxn>
+              </a:cxnLst>
+              <a:rect l="0" t="0" r="r" b="b"/>
+              <a:pathLst>
+                <a:path w="16" h="17">
+                  <a:moveTo>
+                    <a:pt x="5" y="2"/>
+                  </a:moveTo>
+                  <a:cubicBezTo>
+                    <a:pt x="1" y="4"/>
+                    <a:pt x="0" y="9"/>
+                    <a:pt x="2" y="12"/>
+                  </a:cubicBezTo>
+                  <a:cubicBezTo>
+                    <a:pt x="4" y="15"/>
+                    <a:pt x="8" y="17"/>
+                    <a:pt x="12" y="15"/>
+                  </a:cubicBezTo>
+                  <a:cubicBezTo>
+                    <a:pt x="15" y="13"/>
+                    <a:pt x="16" y="9"/>
+                    <a:pt x="14" y="5"/>
+                  </a:cubicBezTo>
+                  <a:cubicBezTo>
+                    <a:pt x="13" y="2"/>
+                    <a:pt x="8" y="0"/>
+                    <a:pt x="5" y="2"/>
+                  </a:cubicBezTo>
+                  <a:close/>
+                </a:path>
+              </a:pathLst>
+            </a:custGeom>
+            <a:grpFill/>
+            <a:ln>
+              <a:noFill/>
+            </a:ln>
+            <a:extLst>
+              <a:ext uri="{91240B29-F687-4F45-9708-019B960494DF}">
+                <a14:hiddenLine xmlns:a14="http://schemas.microsoft.com/office/drawing/2010/main" w="9525">
+                  <a:solidFill>
+                    <a:srgbClr val="000000"/>
+                  </a:solidFill>
+                  <a:round/>
+                  <a:headEnd/>
+                  <a:tailEnd/>
+                </a14:hiddenLine>
+              </a:ext>
+            </a:extLst>
+          </p:spPr>
+          <p:txBody>
+            <a:bodyPr vert="horz" wrap="square" lIns="91440" tIns="45720" rIns="91440" bIns="45720" numCol="1" anchor="t" anchorCtr="0" compatLnSpc="1">
+              <a:prstTxWarp prst="textNoShape">
+                <a:avLst/>
+              </a:prstTxWarp>
+            </a:bodyPr>
+            <a:lstStyle/>
+            <a:p>
+              <a:endParaRPr lang="zh-CN" altLang="en-US"/>
+            </a:p>
+          </p:txBody>
+        </p:sp>
+        <p:sp>
+          <p:nvSpPr>
+            <p:cNvPr id="131" name="Freeform 280">
+              <a:extLst>
+                <a:ext uri="{FF2B5EF4-FFF2-40B4-BE49-F238E27FC236}">
+                  <a16:creationId xmlns:a16="http://schemas.microsoft.com/office/drawing/2014/main" id="{9EA4B5BA-A67F-408D-A0F9-17EC4A73DCC9}"/>
+                </a:ext>
+              </a:extLst>
+            </p:cNvPr>
+            <p:cNvSpPr>
+              <a:spLocks/>
+            </p:cNvSpPr>
+            <p:nvPr/>
+          </p:nvSpPr>
+          <p:spPr bwMode="auto">
+            <a:xfrm>
+              <a:off x="6972301" y="3951288"/>
+              <a:ext cx="60325" cy="65088"/>
+            </a:xfrm>
+            <a:custGeom>
+              <a:avLst/>
+              <a:gdLst>
+                <a:gd name="T0" fmla="*/ 5 w 16"/>
+                <a:gd name="T1" fmla="*/ 2 h 17"/>
+                <a:gd name="T2" fmla="*/ 14 w 16"/>
+                <a:gd name="T3" fmla="*/ 5 h 17"/>
+                <a:gd name="T4" fmla="*/ 12 w 16"/>
+                <a:gd name="T5" fmla="*/ 15 h 17"/>
+                <a:gd name="T6" fmla="*/ 2 w 16"/>
+                <a:gd name="T7" fmla="*/ 12 h 17"/>
+                <a:gd name="T8" fmla="*/ 5 w 16"/>
+                <a:gd name="T9" fmla="*/ 2 h 17"/>
+              </a:gdLst>
+              <a:ahLst/>
+              <a:cxnLst>
+                <a:cxn ang="0">
+                  <a:pos x="T0" y="T1"/>
+                </a:cxn>
+                <a:cxn ang="0">
+                  <a:pos x="T2" y="T3"/>
+                </a:cxn>
+                <a:cxn ang="0">
+                  <a:pos x="T4" y="T5"/>
+                </a:cxn>
+                <a:cxn ang="0">
+                  <a:pos x="T6" y="T7"/>
+                </a:cxn>
+                <a:cxn ang="0">
+                  <a:pos x="T8" y="T9"/>
+                </a:cxn>
+              </a:cxnLst>
+              <a:rect l="0" t="0" r="r" b="b"/>
+              <a:pathLst>
+                <a:path w="16" h="17">
+                  <a:moveTo>
+                    <a:pt x="5" y="2"/>
+                  </a:moveTo>
+                  <a:cubicBezTo>
+                    <a:pt x="8" y="0"/>
+                    <a:pt x="12" y="2"/>
+                    <a:pt x="14" y="5"/>
+                  </a:cubicBezTo>
+                  <a:cubicBezTo>
+                    <a:pt x="16" y="8"/>
+                    <a:pt x="15" y="13"/>
+                    <a:pt x="12" y="15"/>
+                  </a:cubicBezTo>
+                  <a:cubicBezTo>
+                    <a:pt x="8" y="17"/>
+                    <a:pt x="4" y="15"/>
+                    <a:pt x="2" y="12"/>
+                  </a:cubicBezTo>
+                  <a:cubicBezTo>
+                    <a:pt x="0" y="8"/>
+                    <a:pt x="1" y="4"/>
+                    <a:pt x="5" y="2"/>
+                  </a:cubicBezTo>
+                  <a:close/>
+                </a:path>
+              </a:pathLst>
+            </a:custGeom>
+            <a:grpFill/>
+            <a:ln>
+              <a:noFill/>
+            </a:ln>
+            <a:extLst>
+              <a:ext uri="{91240B29-F687-4F45-9708-019B960494DF}">
+                <a14:hiddenLine xmlns:a14="http://schemas.microsoft.com/office/drawing/2010/main" w="9525">
+                  <a:solidFill>
+                    <a:srgbClr val="000000"/>
+                  </a:solidFill>
+                  <a:round/>
+                  <a:headEnd/>
+                  <a:tailEnd/>
+                </a14:hiddenLine>
+              </a:ext>
+            </a:extLst>
+          </p:spPr>
+          <p:txBody>
+            <a:bodyPr vert="horz" wrap="square" lIns="91440" tIns="45720" rIns="91440" bIns="45720" numCol="1" anchor="t" anchorCtr="0" compatLnSpc="1">
+              <a:prstTxWarp prst="textNoShape">
+                <a:avLst/>
+              </a:prstTxWarp>
+            </a:bodyPr>
+            <a:lstStyle/>
+            <a:p>
+              <a:endParaRPr lang="zh-CN" altLang="en-US"/>
+            </a:p>
+          </p:txBody>
+        </p:sp>
+        <p:sp>
+          <p:nvSpPr>
+            <p:cNvPr id="132" name="Freeform 281">
+              <a:extLst>
+                <a:ext uri="{FF2B5EF4-FFF2-40B4-BE49-F238E27FC236}">
+                  <a16:creationId xmlns:a16="http://schemas.microsoft.com/office/drawing/2014/main" id="{0853D8CD-E0D0-4E6B-AA1F-6E8C213296F4}"/>
+                </a:ext>
+              </a:extLst>
+            </p:cNvPr>
+            <p:cNvSpPr>
+              <a:spLocks/>
+            </p:cNvSpPr>
+            <p:nvPr/>
+          </p:nvSpPr>
+          <p:spPr bwMode="auto">
+            <a:xfrm>
+              <a:off x="6904039" y="3933826"/>
+              <a:ext cx="60325" cy="58738"/>
+            </a:xfrm>
+            <a:custGeom>
+              <a:avLst/>
+              <a:gdLst>
+                <a:gd name="T0" fmla="*/ 4 w 16"/>
+                <a:gd name="T1" fmla="*/ 2 h 16"/>
+                <a:gd name="T2" fmla="*/ 14 w 16"/>
+                <a:gd name="T3" fmla="*/ 5 h 16"/>
+                <a:gd name="T4" fmla="*/ 11 w 16"/>
+                <a:gd name="T5" fmla="*/ 14 h 16"/>
+                <a:gd name="T6" fmla="*/ 1 w 16"/>
+                <a:gd name="T7" fmla="*/ 12 h 16"/>
+                <a:gd name="T8" fmla="*/ 4 w 16"/>
+                <a:gd name="T9" fmla="*/ 2 h 16"/>
+              </a:gdLst>
+              <a:ahLst/>
+              <a:cxnLst>
+                <a:cxn ang="0">
+                  <a:pos x="T0" y="T1"/>
+                </a:cxn>
+                <a:cxn ang="0">
+                  <a:pos x="T2" y="T3"/>
+                </a:cxn>
+                <a:cxn ang="0">
+                  <a:pos x="T4" y="T5"/>
+                </a:cxn>
+                <a:cxn ang="0">
+                  <a:pos x="T6" y="T7"/>
+                </a:cxn>
+                <a:cxn ang="0">
+                  <a:pos x="T8" y="T9"/>
+                </a:cxn>
+              </a:cxnLst>
+              <a:rect l="0" t="0" r="r" b="b"/>
+              <a:pathLst>
+                <a:path w="16" h="16">
+                  <a:moveTo>
+                    <a:pt x="4" y="2"/>
+                  </a:moveTo>
+                  <a:cubicBezTo>
+                    <a:pt x="8" y="0"/>
+                    <a:pt x="12" y="1"/>
+                    <a:pt x="14" y="5"/>
+                  </a:cubicBezTo>
+                  <a:cubicBezTo>
+                    <a:pt x="16" y="8"/>
+                    <a:pt x="15" y="12"/>
+                    <a:pt x="11" y="14"/>
+                  </a:cubicBezTo>
+                  <a:cubicBezTo>
+                    <a:pt x="8" y="16"/>
+                    <a:pt x="3" y="15"/>
+                    <a:pt x="1" y="12"/>
+                  </a:cubicBezTo>
+                  <a:cubicBezTo>
+                    <a:pt x="0" y="8"/>
+                    <a:pt x="1" y="4"/>
+                    <a:pt x="4" y="2"/>
+                  </a:cubicBezTo>
+                  <a:close/>
+                </a:path>
+              </a:pathLst>
+            </a:custGeom>
+            <a:grpFill/>
+            <a:ln>
+              <a:noFill/>
+            </a:ln>
+            <a:extLst>
+              <a:ext uri="{91240B29-F687-4F45-9708-019B960494DF}">
+                <a14:hiddenLine xmlns:a14="http://schemas.microsoft.com/office/drawing/2010/main" w="9525">
+                  <a:solidFill>
+                    <a:srgbClr val="000000"/>
+                  </a:solidFill>
+                  <a:round/>
+                  <a:headEnd/>
+                  <a:tailEnd/>
+                </a14:hiddenLine>
+              </a:ext>
+            </a:extLst>
+          </p:spPr>
+          <p:txBody>
+            <a:bodyPr vert="horz" wrap="square" lIns="91440" tIns="45720" rIns="91440" bIns="45720" numCol="1" anchor="t" anchorCtr="0" compatLnSpc="1">
+              <a:prstTxWarp prst="textNoShape">
+                <a:avLst/>
+              </a:prstTxWarp>
+            </a:bodyPr>
+            <a:lstStyle/>
+            <a:p>
+              <a:endParaRPr lang="zh-CN" altLang="en-US"/>
+            </a:p>
+          </p:txBody>
+        </p:sp>
+        <p:sp>
+          <p:nvSpPr>
+            <p:cNvPr id="133" name="Freeform 282">
+              <a:extLst>
+                <a:ext uri="{FF2B5EF4-FFF2-40B4-BE49-F238E27FC236}">
+                  <a16:creationId xmlns:a16="http://schemas.microsoft.com/office/drawing/2014/main" id="{DAA58F76-C1C9-41DD-A07D-4459B35FD2F8}"/>
+                </a:ext>
+              </a:extLst>
+            </p:cNvPr>
+            <p:cNvSpPr>
+              <a:spLocks noEditPoints="1"/>
+            </p:cNvSpPr>
+            <p:nvPr/>
+          </p:nvSpPr>
+          <p:spPr bwMode="auto">
+            <a:xfrm>
+              <a:off x="6724651" y="3722688"/>
+              <a:ext cx="492125" cy="508000"/>
+            </a:xfrm>
+            <a:custGeom>
+              <a:avLst/>
+              <a:gdLst>
+                <a:gd name="T0" fmla="*/ 126 w 131"/>
+                <a:gd name="T1" fmla="*/ 130 h 135"/>
+                <a:gd name="T2" fmla="*/ 111 w 131"/>
+                <a:gd name="T3" fmla="*/ 133 h 135"/>
+                <a:gd name="T4" fmla="*/ 92 w 131"/>
+                <a:gd name="T5" fmla="*/ 124 h 135"/>
+                <a:gd name="T6" fmla="*/ 46 w 131"/>
+                <a:gd name="T7" fmla="*/ 86 h 135"/>
+                <a:gd name="T8" fmla="*/ 9 w 131"/>
+                <a:gd name="T9" fmla="*/ 39 h 135"/>
+                <a:gd name="T10" fmla="*/ 1 w 131"/>
+                <a:gd name="T11" fmla="*/ 19 h 135"/>
+                <a:gd name="T12" fmla="*/ 4 w 131"/>
+                <a:gd name="T13" fmla="*/ 5 h 135"/>
+                <a:gd name="T14" fmla="*/ 19 w 131"/>
+                <a:gd name="T15" fmla="*/ 2 h 135"/>
+                <a:gd name="T16" fmla="*/ 38 w 131"/>
+                <a:gd name="T17" fmla="*/ 11 h 135"/>
+                <a:gd name="T18" fmla="*/ 84 w 131"/>
+                <a:gd name="T19" fmla="*/ 49 h 135"/>
+                <a:gd name="T20" fmla="*/ 121 w 131"/>
+                <a:gd name="T21" fmla="*/ 96 h 135"/>
+                <a:gd name="T22" fmla="*/ 129 w 131"/>
+                <a:gd name="T23" fmla="*/ 116 h 135"/>
+                <a:gd name="T24" fmla="*/ 126 w 131"/>
+                <a:gd name="T25" fmla="*/ 130 h 135"/>
+                <a:gd name="T26" fmla="*/ 113 w 131"/>
+                <a:gd name="T27" fmla="*/ 125 h 135"/>
+                <a:gd name="T28" fmla="*/ 121 w 131"/>
+                <a:gd name="T29" fmla="*/ 124 h 135"/>
+                <a:gd name="T30" fmla="*/ 121 w 131"/>
+                <a:gd name="T31" fmla="*/ 117 h 135"/>
+                <a:gd name="T32" fmla="*/ 114 w 131"/>
+                <a:gd name="T33" fmla="*/ 100 h 135"/>
+                <a:gd name="T34" fmla="*/ 78 w 131"/>
+                <a:gd name="T35" fmla="*/ 54 h 135"/>
+                <a:gd name="T36" fmla="*/ 34 w 131"/>
+                <a:gd name="T37" fmla="*/ 18 h 135"/>
+                <a:gd name="T38" fmla="*/ 17 w 131"/>
+                <a:gd name="T39" fmla="*/ 10 h 135"/>
+                <a:gd name="T40" fmla="*/ 10 w 131"/>
+                <a:gd name="T41" fmla="*/ 11 h 135"/>
+                <a:gd name="T42" fmla="*/ 9 w 131"/>
+                <a:gd name="T43" fmla="*/ 18 h 135"/>
+                <a:gd name="T44" fmla="*/ 16 w 131"/>
+                <a:gd name="T45" fmla="*/ 35 h 135"/>
+                <a:gd name="T46" fmla="*/ 52 w 131"/>
+                <a:gd name="T47" fmla="*/ 81 h 135"/>
+                <a:gd name="T48" fmla="*/ 96 w 131"/>
+                <a:gd name="T49" fmla="*/ 117 h 135"/>
+                <a:gd name="T50" fmla="*/ 113 w 131"/>
+                <a:gd name="T51" fmla="*/ 125 h 135"/>
+              </a:gdLst>
+              <a:ahLst/>
+              <a:cxnLst>
+                <a:cxn ang="0">
+                  <a:pos x="T0" y="T1"/>
+                </a:cxn>
+                <a:cxn ang="0">
+                  <a:pos x="T2" y="T3"/>
+                </a:cxn>
+                <a:cxn ang="0">
+                  <a:pos x="T4" y="T5"/>
+                </a:cxn>
+                <a:cxn ang="0">
+                  <a:pos x="T6" y="T7"/>
+                </a:cxn>
+                <a:cxn ang="0">
+                  <a:pos x="T8" y="T9"/>
+                </a:cxn>
+                <a:cxn ang="0">
+                  <a:pos x="T10" y="T11"/>
+                </a:cxn>
+                <a:cxn ang="0">
+                  <a:pos x="T12" y="T13"/>
+                </a:cxn>
+                <a:cxn ang="0">
+                  <a:pos x="T14" y="T15"/>
+                </a:cxn>
+                <a:cxn ang="0">
+                  <a:pos x="T16" y="T17"/>
+                </a:cxn>
+                <a:cxn ang="0">
+                  <a:pos x="T18" y="T19"/>
+                </a:cxn>
+                <a:cxn ang="0">
+                  <a:pos x="T20" y="T21"/>
+                </a:cxn>
+                <a:cxn ang="0">
+                  <a:pos x="T22" y="T23"/>
+                </a:cxn>
+                <a:cxn ang="0">
+                  <a:pos x="T24" y="T25"/>
+                </a:cxn>
+                <a:cxn ang="0">
+                  <a:pos x="T26" y="T27"/>
+                </a:cxn>
+                <a:cxn ang="0">
+                  <a:pos x="T28" y="T29"/>
+                </a:cxn>
+                <a:cxn ang="0">
+                  <a:pos x="T30" y="T31"/>
+                </a:cxn>
+                <a:cxn ang="0">
+                  <a:pos x="T32" y="T33"/>
+                </a:cxn>
+                <a:cxn ang="0">
+                  <a:pos x="T34" y="T35"/>
+                </a:cxn>
+                <a:cxn ang="0">
+                  <a:pos x="T36" y="T37"/>
+                </a:cxn>
+                <a:cxn ang="0">
+                  <a:pos x="T38" y="T39"/>
+                </a:cxn>
+                <a:cxn ang="0">
+                  <a:pos x="T40" y="T41"/>
+                </a:cxn>
+                <a:cxn ang="0">
+                  <a:pos x="T42" y="T43"/>
+                </a:cxn>
+                <a:cxn ang="0">
+                  <a:pos x="T44" y="T45"/>
+                </a:cxn>
+                <a:cxn ang="0">
+                  <a:pos x="T46" y="T47"/>
+                </a:cxn>
+                <a:cxn ang="0">
+                  <a:pos x="T48" y="T49"/>
+                </a:cxn>
+                <a:cxn ang="0">
+                  <a:pos x="T50" y="T51"/>
+                </a:cxn>
+              </a:cxnLst>
+              <a:rect l="0" t="0" r="r" b="b"/>
+              <a:pathLst>
+                <a:path w="131" h="135">
+                  <a:moveTo>
+                    <a:pt x="126" y="130"/>
+                  </a:moveTo>
+                  <a:cubicBezTo>
+                    <a:pt x="123" y="134"/>
+                    <a:pt x="118" y="135"/>
+                    <a:pt x="111" y="133"/>
+                  </a:cubicBezTo>
+                  <a:cubicBezTo>
+                    <a:pt x="106" y="132"/>
+                    <a:pt x="99" y="129"/>
+                    <a:pt x="92" y="124"/>
+                  </a:cubicBezTo>
+                  <a:cubicBezTo>
+                    <a:pt x="75" y="114"/>
+                    <a:pt x="59" y="100"/>
+                    <a:pt x="46" y="86"/>
+                  </a:cubicBezTo>
+                  <a:cubicBezTo>
+                    <a:pt x="32" y="72"/>
+                    <a:pt x="19" y="56"/>
+                    <a:pt x="9" y="39"/>
+                  </a:cubicBezTo>
+                  <a:cubicBezTo>
+                    <a:pt x="5" y="32"/>
+                    <a:pt x="2" y="25"/>
+                    <a:pt x="1" y="19"/>
+                  </a:cubicBezTo>
+                  <a:cubicBezTo>
+                    <a:pt x="0" y="13"/>
+                    <a:pt x="1" y="8"/>
+                    <a:pt x="4" y="5"/>
+                  </a:cubicBezTo>
+                  <a:cubicBezTo>
+                    <a:pt x="7" y="1"/>
+                    <a:pt x="12" y="0"/>
+                    <a:pt x="19" y="2"/>
+                  </a:cubicBezTo>
+                  <a:cubicBezTo>
+                    <a:pt x="24" y="3"/>
+                    <a:pt x="31" y="6"/>
+                    <a:pt x="38" y="11"/>
+                  </a:cubicBezTo>
+                  <a:cubicBezTo>
+                    <a:pt x="55" y="21"/>
+                    <a:pt x="71" y="35"/>
+                    <a:pt x="84" y="49"/>
+                  </a:cubicBezTo>
+                  <a:cubicBezTo>
+                    <a:pt x="98" y="63"/>
+                    <a:pt x="112" y="79"/>
+                    <a:pt x="121" y="96"/>
+                  </a:cubicBezTo>
+                  <a:cubicBezTo>
+                    <a:pt x="126" y="103"/>
+                    <a:pt x="128" y="110"/>
+                    <a:pt x="129" y="116"/>
+                  </a:cubicBezTo>
+                  <a:cubicBezTo>
+                    <a:pt x="131" y="122"/>
+                    <a:pt x="130" y="127"/>
+                    <a:pt x="126" y="130"/>
+                  </a:cubicBezTo>
+                  <a:close/>
+                  <a:moveTo>
+                    <a:pt x="113" y="125"/>
+                  </a:moveTo>
+                  <a:cubicBezTo>
+                    <a:pt x="117" y="126"/>
+                    <a:pt x="119" y="126"/>
+                    <a:pt x="121" y="124"/>
+                  </a:cubicBezTo>
+                  <a:cubicBezTo>
+                    <a:pt x="122" y="123"/>
+                    <a:pt x="122" y="121"/>
+                    <a:pt x="121" y="117"/>
+                  </a:cubicBezTo>
+                  <a:cubicBezTo>
+                    <a:pt x="120" y="113"/>
+                    <a:pt x="118" y="107"/>
+                    <a:pt x="114" y="100"/>
+                  </a:cubicBezTo>
+                  <a:cubicBezTo>
+                    <a:pt x="105" y="84"/>
+                    <a:pt x="91" y="68"/>
+                    <a:pt x="78" y="54"/>
+                  </a:cubicBezTo>
+                  <a:cubicBezTo>
+                    <a:pt x="66" y="41"/>
+                    <a:pt x="50" y="27"/>
+                    <a:pt x="34" y="18"/>
+                  </a:cubicBezTo>
+                  <a:cubicBezTo>
+                    <a:pt x="27" y="14"/>
+                    <a:pt x="22" y="11"/>
+                    <a:pt x="17" y="10"/>
+                  </a:cubicBezTo>
+                  <a:cubicBezTo>
+                    <a:pt x="13" y="9"/>
+                    <a:pt x="11" y="9"/>
+                    <a:pt x="10" y="11"/>
+                  </a:cubicBezTo>
+                  <a:cubicBezTo>
+                    <a:pt x="8" y="12"/>
+                    <a:pt x="8" y="14"/>
+                    <a:pt x="9" y="18"/>
+                  </a:cubicBezTo>
+                  <a:cubicBezTo>
+                    <a:pt x="10" y="22"/>
+                    <a:pt x="12" y="28"/>
+                    <a:pt x="16" y="35"/>
+                  </a:cubicBezTo>
+                  <a:cubicBezTo>
+                    <a:pt x="25" y="51"/>
+                    <a:pt x="39" y="67"/>
+                    <a:pt x="52" y="81"/>
+                  </a:cubicBezTo>
+                  <a:cubicBezTo>
+                    <a:pt x="65" y="94"/>
+                    <a:pt x="80" y="108"/>
+                    <a:pt x="96" y="117"/>
+                  </a:cubicBezTo>
+                  <a:cubicBezTo>
+                    <a:pt x="103" y="121"/>
+                    <a:pt x="109" y="124"/>
+                    <a:pt x="113" y="125"/>
+                  </a:cubicBezTo>
+                  <a:close/>
+                </a:path>
+              </a:pathLst>
+            </a:custGeom>
+            <a:grpFill/>
+            <a:ln>
+              <a:noFill/>
+            </a:ln>
+            <a:extLst>
+              <a:ext uri="{91240B29-F687-4F45-9708-019B960494DF}">
+                <a14:hiddenLine xmlns:a14="http://schemas.microsoft.com/office/drawing/2010/main" w="9525">
+                  <a:solidFill>
+                    <a:srgbClr val="000000"/>
+                  </a:solidFill>
+                  <a:round/>
+                  <a:headEnd/>
+                  <a:tailEnd/>
+                </a14:hiddenLine>
+              </a:ext>
+            </a:extLst>
+          </p:spPr>
+          <p:txBody>
+            <a:bodyPr vert="horz" wrap="square" lIns="91440" tIns="45720" rIns="91440" bIns="45720" numCol="1" anchor="t" anchorCtr="0" compatLnSpc="1">
+              <a:prstTxWarp prst="textNoShape">
+                <a:avLst/>
+              </a:prstTxWarp>
+            </a:bodyPr>
+            <a:lstStyle/>
+            <a:p>
+              <a:endParaRPr lang="zh-CN" altLang="en-US"/>
+            </a:p>
+          </p:txBody>
+        </p:sp>
+        <p:sp>
+          <p:nvSpPr>
+            <p:cNvPr id="134" name="Freeform 283">
+              <a:extLst>
+                <a:ext uri="{FF2B5EF4-FFF2-40B4-BE49-F238E27FC236}">
+                  <a16:creationId xmlns:a16="http://schemas.microsoft.com/office/drawing/2014/main" id="{B048DA52-2E4A-4CBB-A7EB-77A1C5E297C4}"/>
+                </a:ext>
+              </a:extLst>
+            </p:cNvPr>
+            <p:cNvSpPr>
+              <a:spLocks/>
+            </p:cNvSpPr>
+            <p:nvPr/>
+          </p:nvSpPr>
+          <p:spPr bwMode="auto">
+            <a:xfrm>
+              <a:off x="7134226" y="4030663"/>
+              <a:ext cx="82550" cy="153988"/>
+            </a:xfrm>
+            <a:custGeom>
+              <a:avLst/>
+              <a:gdLst>
+                <a:gd name="T0" fmla="*/ 16 w 22"/>
+                <a:gd name="T1" fmla="*/ 40 h 41"/>
+                <a:gd name="T2" fmla="*/ 6 w 22"/>
+                <a:gd name="T3" fmla="*/ 31 h 41"/>
+                <a:gd name="T4" fmla="*/ 0 w 22"/>
+                <a:gd name="T5" fmla="*/ 0 h 41"/>
+                <a:gd name="T6" fmla="*/ 21 w 22"/>
+                <a:gd name="T7" fmla="*/ 27 h 41"/>
+                <a:gd name="T8" fmla="*/ 16 w 22"/>
+                <a:gd name="T9" fmla="*/ 40 h 41"/>
+              </a:gdLst>
+              <a:ahLst/>
+              <a:cxnLst>
+                <a:cxn ang="0">
+                  <a:pos x="T0" y="T1"/>
+                </a:cxn>
+                <a:cxn ang="0">
+                  <a:pos x="T2" y="T3"/>
+                </a:cxn>
+                <a:cxn ang="0">
+                  <a:pos x="T4" y="T5"/>
+                </a:cxn>
+                <a:cxn ang="0">
+                  <a:pos x="T6" y="T7"/>
+                </a:cxn>
+                <a:cxn ang="0">
+                  <a:pos x="T8" y="T9"/>
+                </a:cxn>
+              </a:cxnLst>
+              <a:rect l="0" t="0" r="r" b="b"/>
+              <a:pathLst>
+                <a:path w="22" h="41">
+                  <a:moveTo>
+                    <a:pt x="16" y="40"/>
+                  </a:moveTo>
+                  <a:cubicBezTo>
+                    <a:pt x="12" y="41"/>
+                    <a:pt x="7" y="35"/>
+                    <a:pt x="6" y="31"/>
+                  </a:cubicBezTo>
+                  <a:cubicBezTo>
+                    <a:pt x="5" y="27"/>
+                    <a:pt x="9" y="16"/>
+                    <a:pt x="0" y="0"/>
+                  </a:cubicBezTo>
+                  <a:cubicBezTo>
+                    <a:pt x="5" y="2"/>
+                    <a:pt x="20" y="23"/>
+                    <a:pt x="21" y="27"/>
+                  </a:cubicBezTo>
+                  <a:cubicBezTo>
+                    <a:pt x="22" y="32"/>
+                    <a:pt x="20" y="39"/>
+                    <a:pt x="16" y="40"/>
+                  </a:cubicBezTo>
+                  <a:close/>
+                </a:path>
+              </a:pathLst>
+            </a:custGeom>
+            <a:grpFill/>
+            <a:ln>
+              <a:noFill/>
+            </a:ln>
+            <a:extLst>
+              <a:ext uri="{91240B29-F687-4F45-9708-019B960494DF}">
+                <a14:hiddenLine xmlns:a14="http://schemas.microsoft.com/office/drawing/2010/main" w="9525">
+                  <a:solidFill>
+                    <a:srgbClr val="000000"/>
+                  </a:solidFill>
+                  <a:round/>
+                  <a:headEnd/>
+                  <a:tailEnd/>
+                </a14:hiddenLine>
+              </a:ext>
+            </a:extLst>
+          </p:spPr>
+          <p:txBody>
+            <a:bodyPr vert="horz" wrap="square" lIns="91440" tIns="45720" rIns="91440" bIns="45720" numCol="1" anchor="t" anchorCtr="0" compatLnSpc="1">
+              <a:prstTxWarp prst="textNoShape">
+                <a:avLst/>
+              </a:prstTxWarp>
+            </a:bodyPr>
+            <a:lstStyle/>
+            <a:p>
+              <a:endParaRPr lang="zh-CN" altLang="en-US"/>
+            </a:p>
+          </p:txBody>
+        </p:sp>
+        <p:sp>
+          <p:nvSpPr>
+            <p:cNvPr id="135" name="Freeform 284">
+              <a:extLst>
+                <a:ext uri="{FF2B5EF4-FFF2-40B4-BE49-F238E27FC236}">
+                  <a16:creationId xmlns:a16="http://schemas.microsoft.com/office/drawing/2014/main" id="{34139CB1-A341-4DF0-B9F1-E0449A238E65}"/>
+                </a:ext>
+              </a:extLst>
+            </p:cNvPr>
+            <p:cNvSpPr>
+              <a:spLocks noEditPoints="1"/>
+            </p:cNvSpPr>
+            <p:nvPr/>
+          </p:nvSpPr>
+          <p:spPr bwMode="auto">
+            <a:xfrm>
+              <a:off x="6832601" y="3654426"/>
+              <a:ext cx="271463" cy="642938"/>
+            </a:xfrm>
+            <a:custGeom>
+              <a:avLst/>
+              <a:gdLst>
+                <a:gd name="T0" fmla="*/ 60 w 72"/>
+                <a:gd name="T1" fmla="*/ 1 h 171"/>
+                <a:gd name="T2" fmla="*/ 70 w 72"/>
+                <a:gd name="T3" fmla="*/ 13 h 171"/>
+                <a:gd name="T4" fmla="*/ 72 w 72"/>
+                <a:gd name="T5" fmla="*/ 34 h 171"/>
+                <a:gd name="T6" fmla="*/ 62 w 72"/>
+                <a:gd name="T7" fmla="*/ 93 h 171"/>
+                <a:gd name="T8" fmla="*/ 40 w 72"/>
+                <a:gd name="T9" fmla="*/ 148 h 171"/>
+                <a:gd name="T10" fmla="*/ 27 w 72"/>
+                <a:gd name="T11" fmla="*/ 165 h 171"/>
+                <a:gd name="T12" fmla="*/ 12 w 72"/>
+                <a:gd name="T13" fmla="*/ 170 h 171"/>
+                <a:gd name="T14" fmla="*/ 3 w 72"/>
+                <a:gd name="T15" fmla="*/ 158 h 171"/>
+                <a:gd name="T16" fmla="*/ 0 w 72"/>
+                <a:gd name="T17" fmla="*/ 137 h 171"/>
+                <a:gd name="T18" fmla="*/ 10 w 72"/>
+                <a:gd name="T19" fmla="*/ 78 h 171"/>
+                <a:gd name="T20" fmla="*/ 33 w 72"/>
+                <a:gd name="T21" fmla="*/ 23 h 171"/>
+                <a:gd name="T22" fmla="*/ 46 w 72"/>
+                <a:gd name="T23" fmla="*/ 6 h 171"/>
+                <a:gd name="T24" fmla="*/ 60 w 72"/>
+                <a:gd name="T25" fmla="*/ 1 h 171"/>
+                <a:gd name="T26" fmla="*/ 62 w 72"/>
+                <a:gd name="T27" fmla="*/ 15 h 171"/>
+                <a:gd name="T28" fmla="*/ 58 w 72"/>
+                <a:gd name="T29" fmla="*/ 9 h 171"/>
+                <a:gd name="T30" fmla="*/ 51 w 72"/>
+                <a:gd name="T31" fmla="*/ 12 h 171"/>
+                <a:gd name="T32" fmla="*/ 40 w 72"/>
+                <a:gd name="T33" fmla="*/ 27 h 171"/>
+                <a:gd name="T34" fmla="*/ 18 w 72"/>
+                <a:gd name="T35" fmla="*/ 80 h 171"/>
+                <a:gd name="T36" fmla="*/ 9 w 72"/>
+                <a:gd name="T37" fmla="*/ 137 h 171"/>
+                <a:gd name="T38" fmla="*/ 10 w 72"/>
+                <a:gd name="T39" fmla="*/ 156 h 171"/>
+                <a:gd name="T40" fmla="*/ 15 w 72"/>
+                <a:gd name="T41" fmla="*/ 162 h 171"/>
+                <a:gd name="T42" fmla="*/ 21 w 72"/>
+                <a:gd name="T43" fmla="*/ 159 h 171"/>
+                <a:gd name="T44" fmla="*/ 33 w 72"/>
+                <a:gd name="T45" fmla="*/ 144 h 171"/>
+                <a:gd name="T46" fmla="*/ 54 w 72"/>
+                <a:gd name="T47" fmla="*/ 91 h 171"/>
+                <a:gd name="T48" fmla="*/ 64 w 72"/>
+                <a:gd name="T49" fmla="*/ 34 h 171"/>
+                <a:gd name="T50" fmla="*/ 62 w 72"/>
+                <a:gd name="T51" fmla="*/ 15 h 171"/>
+              </a:gdLst>
+              <a:ahLst/>
+              <a:cxnLst>
+                <a:cxn ang="0">
+                  <a:pos x="T0" y="T1"/>
+                </a:cxn>
+                <a:cxn ang="0">
+                  <a:pos x="T2" y="T3"/>
+                </a:cxn>
+                <a:cxn ang="0">
+                  <a:pos x="T4" y="T5"/>
+                </a:cxn>
+                <a:cxn ang="0">
+                  <a:pos x="T6" y="T7"/>
+                </a:cxn>
+                <a:cxn ang="0">
+                  <a:pos x="T8" y="T9"/>
+                </a:cxn>
+                <a:cxn ang="0">
+                  <a:pos x="T10" y="T11"/>
+                </a:cxn>
+                <a:cxn ang="0">
+                  <a:pos x="T12" y="T13"/>
+                </a:cxn>
+                <a:cxn ang="0">
+                  <a:pos x="T14" y="T15"/>
+                </a:cxn>
+                <a:cxn ang="0">
+                  <a:pos x="T16" y="T17"/>
+                </a:cxn>
+                <a:cxn ang="0">
+                  <a:pos x="T18" y="T19"/>
+                </a:cxn>
+                <a:cxn ang="0">
+                  <a:pos x="T20" y="T21"/>
+                </a:cxn>
+                <a:cxn ang="0">
+                  <a:pos x="T22" y="T23"/>
+                </a:cxn>
+                <a:cxn ang="0">
+                  <a:pos x="T24" y="T25"/>
+                </a:cxn>
+                <a:cxn ang="0">
+                  <a:pos x="T26" y="T27"/>
+                </a:cxn>
+                <a:cxn ang="0">
+                  <a:pos x="T28" y="T29"/>
+                </a:cxn>
+                <a:cxn ang="0">
+                  <a:pos x="T30" y="T31"/>
+                </a:cxn>
+                <a:cxn ang="0">
+                  <a:pos x="T32" y="T33"/>
+                </a:cxn>
+                <a:cxn ang="0">
+                  <a:pos x="T34" y="T35"/>
+                </a:cxn>
+                <a:cxn ang="0">
+                  <a:pos x="T36" y="T37"/>
+                </a:cxn>
+                <a:cxn ang="0">
+                  <a:pos x="T38" y="T39"/>
+                </a:cxn>
+                <a:cxn ang="0">
+                  <a:pos x="T40" y="T41"/>
+                </a:cxn>
+                <a:cxn ang="0">
+                  <a:pos x="T42" y="T43"/>
+                </a:cxn>
+                <a:cxn ang="0">
+                  <a:pos x="T44" y="T45"/>
+                </a:cxn>
+                <a:cxn ang="0">
+                  <a:pos x="T46" y="T47"/>
+                </a:cxn>
+                <a:cxn ang="0">
+                  <a:pos x="T48" y="T49"/>
+                </a:cxn>
+                <a:cxn ang="0">
+                  <a:pos x="T50" y="T51"/>
+                </a:cxn>
+              </a:cxnLst>
+              <a:rect l="0" t="0" r="r" b="b"/>
+              <a:pathLst>
+                <a:path w="72" h="171">
+                  <a:moveTo>
+                    <a:pt x="60" y="1"/>
+                  </a:moveTo>
+                  <a:cubicBezTo>
+                    <a:pt x="65" y="2"/>
+                    <a:pt x="68" y="6"/>
+                    <a:pt x="70" y="13"/>
+                  </a:cubicBezTo>
+                  <a:cubicBezTo>
+                    <a:pt x="72" y="18"/>
+                    <a:pt x="72" y="25"/>
+                    <a:pt x="72" y="34"/>
+                  </a:cubicBezTo>
+                  <a:cubicBezTo>
+                    <a:pt x="72" y="53"/>
+                    <a:pt x="67" y="74"/>
+                    <a:pt x="62" y="93"/>
+                  </a:cubicBezTo>
+                  <a:cubicBezTo>
+                    <a:pt x="57" y="112"/>
+                    <a:pt x="50" y="132"/>
+                    <a:pt x="40" y="148"/>
+                  </a:cubicBezTo>
+                  <a:cubicBezTo>
+                    <a:pt x="35" y="156"/>
+                    <a:pt x="31" y="162"/>
+                    <a:pt x="27" y="165"/>
+                  </a:cubicBezTo>
+                  <a:cubicBezTo>
+                    <a:pt x="22" y="170"/>
+                    <a:pt x="17" y="171"/>
+                    <a:pt x="12" y="170"/>
+                  </a:cubicBezTo>
+                  <a:cubicBezTo>
+                    <a:pt x="8" y="169"/>
+                    <a:pt x="4" y="165"/>
+                    <a:pt x="3" y="158"/>
+                  </a:cubicBezTo>
+                  <a:cubicBezTo>
+                    <a:pt x="1" y="153"/>
+                    <a:pt x="0" y="146"/>
+                    <a:pt x="0" y="137"/>
+                  </a:cubicBezTo>
+                  <a:cubicBezTo>
+                    <a:pt x="1" y="118"/>
+                    <a:pt x="5" y="97"/>
+                    <a:pt x="10" y="78"/>
+                  </a:cubicBezTo>
+                  <a:cubicBezTo>
+                    <a:pt x="16" y="60"/>
+                    <a:pt x="23" y="40"/>
+                    <a:pt x="33" y="23"/>
+                  </a:cubicBezTo>
+                  <a:cubicBezTo>
+                    <a:pt x="37" y="15"/>
+                    <a:pt x="42" y="10"/>
+                    <a:pt x="46" y="6"/>
+                  </a:cubicBezTo>
+                  <a:cubicBezTo>
+                    <a:pt x="51" y="2"/>
+                    <a:pt x="56" y="0"/>
+                    <a:pt x="60" y="1"/>
+                  </a:cubicBezTo>
+                  <a:close/>
+                  <a:moveTo>
+                    <a:pt x="62" y="15"/>
+                  </a:moveTo>
+                  <a:cubicBezTo>
+                    <a:pt x="61" y="12"/>
+                    <a:pt x="60" y="10"/>
+                    <a:pt x="58" y="9"/>
+                  </a:cubicBezTo>
+                  <a:cubicBezTo>
+                    <a:pt x="56" y="9"/>
+                    <a:pt x="54" y="10"/>
+                    <a:pt x="51" y="12"/>
+                  </a:cubicBezTo>
+                  <a:cubicBezTo>
+                    <a:pt x="48" y="15"/>
+                    <a:pt x="44" y="20"/>
+                    <a:pt x="40" y="27"/>
+                  </a:cubicBezTo>
+                  <a:cubicBezTo>
+                    <a:pt x="30" y="43"/>
+                    <a:pt x="23" y="63"/>
+                    <a:pt x="18" y="80"/>
+                  </a:cubicBezTo>
+                  <a:cubicBezTo>
+                    <a:pt x="13" y="98"/>
+                    <a:pt x="9" y="119"/>
+                    <a:pt x="9" y="137"/>
+                  </a:cubicBezTo>
+                  <a:cubicBezTo>
+                    <a:pt x="8" y="145"/>
+                    <a:pt x="9" y="151"/>
+                    <a:pt x="10" y="156"/>
+                  </a:cubicBezTo>
+                  <a:cubicBezTo>
+                    <a:pt x="12" y="159"/>
+                    <a:pt x="13" y="162"/>
+                    <a:pt x="15" y="162"/>
+                  </a:cubicBezTo>
+                  <a:cubicBezTo>
+                    <a:pt x="16" y="163"/>
+                    <a:pt x="19" y="161"/>
+                    <a:pt x="21" y="159"/>
+                  </a:cubicBezTo>
+                  <a:cubicBezTo>
+                    <a:pt x="25" y="156"/>
+                    <a:pt x="29" y="151"/>
+                    <a:pt x="33" y="144"/>
+                  </a:cubicBezTo>
+                  <a:cubicBezTo>
+                    <a:pt x="42" y="128"/>
+                    <a:pt x="49" y="109"/>
+                    <a:pt x="54" y="91"/>
+                  </a:cubicBezTo>
+                  <a:cubicBezTo>
+                    <a:pt x="59" y="73"/>
+                    <a:pt x="64" y="52"/>
+                    <a:pt x="64" y="34"/>
+                  </a:cubicBezTo>
+                  <a:cubicBezTo>
+                    <a:pt x="64" y="26"/>
+                    <a:pt x="63" y="20"/>
+                    <a:pt x="62" y="15"/>
+                  </a:cubicBezTo>
+                  <a:close/>
+                </a:path>
+              </a:pathLst>
+            </a:custGeom>
+            <a:grpFill/>
+            <a:ln>
+              <a:noFill/>
+            </a:ln>
+            <a:extLst>
+              <a:ext uri="{91240B29-F687-4F45-9708-019B960494DF}">
+                <a14:hiddenLine xmlns:a14="http://schemas.microsoft.com/office/drawing/2010/main" w="9525">
+                  <a:solidFill>
+                    <a:srgbClr val="000000"/>
+                  </a:solidFill>
+                  <a:round/>
+                  <a:headEnd/>
+                  <a:tailEnd/>
+                </a14:hiddenLine>
+              </a:ext>
+            </a:extLst>
+          </p:spPr>
+          <p:txBody>
+            <a:bodyPr vert="horz" wrap="square" lIns="91440" tIns="45720" rIns="91440" bIns="45720" numCol="1" anchor="t" anchorCtr="0" compatLnSpc="1">
+              <a:prstTxWarp prst="textNoShape">
+                <a:avLst/>
+              </a:prstTxWarp>
+            </a:bodyPr>
+            <a:lstStyle/>
+            <a:p>
+              <a:endParaRPr lang="zh-CN" altLang="en-US"/>
+            </a:p>
+          </p:txBody>
+        </p:sp>
+        <p:sp>
+          <p:nvSpPr>
+            <p:cNvPr id="136" name="Freeform 285">
+              <a:extLst>
+                <a:ext uri="{FF2B5EF4-FFF2-40B4-BE49-F238E27FC236}">
+                  <a16:creationId xmlns:a16="http://schemas.microsoft.com/office/drawing/2014/main" id="{6DFDD85A-192E-4A09-82D9-300354DD0B21}"/>
+                </a:ext>
+              </a:extLst>
+            </p:cNvPr>
+            <p:cNvSpPr>
+              <a:spLocks/>
+            </p:cNvSpPr>
+            <p:nvPr/>
+          </p:nvSpPr>
+          <p:spPr bwMode="auto">
+            <a:xfrm>
+              <a:off x="6931026" y="3670301"/>
+              <a:ext cx="112713" cy="134938"/>
+            </a:xfrm>
+            <a:custGeom>
+              <a:avLst/>
+              <a:gdLst>
+                <a:gd name="T0" fmla="*/ 27 w 30"/>
+                <a:gd name="T1" fmla="*/ 3 h 36"/>
+                <a:gd name="T2" fmla="*/ 25 w 30"/>
+                <a:gd name="T3" fmla="*/ 16 h 36"/>
+                <a:gd name="T4" fmla="*/ 1 w 30"/>
+                <a:gd name="T5" fmla="*/ 36 h 36"/>
+                <a:gd name="T6" fmla="*/ 14 w 30"/>
+                <a:gd name="T7" fmla="*/ 4 h 36"/>
+                <a:gd name="T8" fmla="*/ 27 w 30"/>
+                <a:gd name="T9" fmla="*/ 3 h 36"/>
+              </a:gdLst>
+              <a:ahLst/>
+              <a:cxnLst>
+                <a:cxn ang="0">
+                  <a:pos x="T0" y="T1"/>
+                </a:cxn>
+                <a:cxn ang="0">
+                  <a:pos x="T2" y="T3"/>
+                </a:cxn>
+                <a:cxn ang="0">
+                  <a:pos x="T4" y="T5"/>
+                </a:cxn>
+                <a:cxn ang="0">
+                  <a:pos x="T6" y="T7"/>
+                </a:cxn>
+                <a:cxn ang="0">
+                  <a:pos x="T8" y="T9"/>
+                </a:cxn>
+              </a:cxnLst>
+              <a:rect l="0" t="0" r="r" b="b"/>
+              <a:pathLst>
+                <a:path w="30" h="36">
+                  <a:moveTo>
+                    <a:pt x="27" y="3"/>
+                  </a:moveTo>
+                  <a:cubicBezTo>
+                    <a:pt x="30" y="6"/>
+                    <a:pt x="28" y="13"/>
+                    <a:pt x="25" y="16"/>
+                  </a:cubicBezTo>
+                  <a:cubicBezTo>
+                    <a:pt x="22" y="18"/>
+                    <a:pt x="10" y="21"/>
+                    <a:pt x="1" y="36"/>
+                  </a:cubicBezTo>
+                  <a:cubicBezTo>
+                    <a:pt x="0" y="31"/>
+                    <a:pt x="11" y="7"/>
+                    <a:pt x="14" y="4"/>
+                  </a:cubicBezTo>
+                  <a:cubicBezTo>
+                    <a:pt x="17" y="2"/>
+                    <a:pt x="24" y="0"/>
+                    <a:pt x="27" y="3"/>
+                  </a:cubicBezTo>
+                  <a:close/>
+                </a:path>
+              </a:pathLst>
+            </a:custGeom>
+            <a:grpFill/>
+            <a:ln>
+              <a:noFill/>
+            </a:ln>
+            <a:extLst>
+              <a:ext uri="{91240B29-F687-4F45-9708-019B960494DF}">
+                <a14:hiddenLine xmlns:a14="http://schemas.microsoft.com/office/drawing/2010/main" w="9525">
+                  <a:solidFill>
+                    <a:srgbClr val="000000"/>
+                  </a:solidFill>
+                  <a:round/>
+                  <a:headEnd/>
+                  <a:tailEnd/>
+                </a14:hiddenLine>
+              </a:ext>
+            </a:extLst>
+          </p:spPr>
+          <p:txBody>
+            <a:bodyPr vert="horz" wrap="square" lIns="91440" tIns="45720" rIns="91440" bIns="45720" numCol="1" anchor="t" anchorCtr="0" compatLnSpc="1">
+              <a:prstTxWarp prst="textNoShape">
+                <a:avLst/>
+              </a:prstTxWarp>
+            </a:bodyPr>
+            <a:lstStyle/>
+            <a:p>
+              <a:endParaRPr lang="zh-CN" altLang="en-US"/>
+            </a:p>
+          </p:txBody>
+        </p:sp>
+      </p:grpSp>
+      <p:sp>
+        <p:nvSpPr>
+          <p:cNvPr id="137" name="文本框 136">
+            <a:extLst>
+              <a:ext uri="{FF2B5EF4-FFF2-40B4-BE49-F238E27FC236}">
+                <a16:creationId xmlns:a16="http://schemas.microsoft.com/office/drawing/2014/main" id="{ED21EBE0-007A-43BB-B02E-1C3872CFA202}"/>
+              </a:ext>
+            </a:extLst>
+          </p:cNvPr>
+          <p:cNvSpPr txBox="1"/>
+          <p:nvPr/>
+        </p:nvSpPr>
+        <p:spPr>
+          <a:xfrm>
+            <a:off x="3876938" y="2229839"/>
+            <a:ext cx="543739" cy="200055"/>
+          </a:xfrm>
+          <a:prstGeom prst="rect">
+            <a:avLst/>
+          </a:prstGeom>
+          <a:noFill/>
+        </p:spPr>
+        <p:txBody>
+          <a:bodyPr wrap="none" rtlCol="0">
+            <a:spAutoFit/>
+          </a:bodyPr>
+          <a:lstStyle/>
+          <a:p>
+            <a:r>
+              <a:rPr lang="zh-CN" altLang="en-US" sz="700" b="1" dirty="0">
+                <a:solidFill>
+                  <a:schemeClr val="bg1">
+                    <a:alpha val="56000"/>
+                  </a:schemeClr>
+                </a:solidFill>
+              </a:rPr>
+              <a:t>研究点数</a:t>
+            </a:r>
+          </a:p>
+        </p:txBody>
+      </p:sp>
+      <p:sp>
+        <p:nvSpPr>
+          <p:cNvPr id="138" name="文本框 137">
+            <a:extLst>
+              <a:ext uri="{FF2B5EF4-FFF2-40B4-BE49-F238E27FC236}">
+                <a16:creationId xmlns:a16="http://schemas.microsoft.com/office/drawing/2014/main" id="{96ED0DBA-8EBE-4B3C-AF7E-B19EA23DA9D5}"/>
+              </a:ext>
+            </a:extLst>
+          </p:cNvPr>
+          <p:cNvSpPr txBox="1"/>
+          <p:nvPr/>
+        </p:nvSpPr>
+        <p:spPr>
+          <a:xfrm>
+            <a:off x="4559745" y="2209526"/>
+            <a:ext cx="466794" cy="246221"/>
+          </a:xfrm>
+          <a:prstGeom prst="rect">
+            <a:avLst/>
+          </a:prstGeom>
+          <a:noFill/>
+        </p:spPr>
+        <p:txBody>
+          <a:bodyPr wrap="none" rtlCol="0">
+            <a:spAutoFit/>
+          </a:bodyPr>
+          <a:lstStyle/>
+          <a:p>
+            <a:r>
+              <a:rPr lang="en-US" altLang="zh-CN" sz="1000" b="1" dirty="0">
+                <a:solidFill>
+                  <a:schemeClr val="bg1">
+                    <a:alpha val="56000"/>
+                  </a:schemeClr>
+                </a:solidFill>
+              </a:rPr>
+              <a:t>8000</a:t>
+            </a:r>
+            <a:endParaRPr lang="zh-CN" altLang="en-US" sz="1000" b="1" dirty="0">
+              <a:solidFill>
+                <a:schemeClr val="bg1">
+                  <a:alpha val="56000"/>
+                </a:schemeClr>
+              </a:solidFill>
+            </a:endParaRPr>
+          </a:p>
+        </p:txBody>
+      </p:sp>
+      <p:grpSp>
+        <p:nvGrpSpPr>
+          <p:cNvPr id="30" name="组合 29">
+            <a:extLst>
+              <a:ext uri="{FF2B5EF4-FFF2-40B4-BE49-F238E27FC236}">
+                <a16:creationId xmlns:a16="http://schemas.microsoft.com/office/drawing/2014/main" id="{8D9CAED3-9AF5-435A-8E5E-1F38C061DF77}"/>
+              </a:ext>
+            </a:extLst>
+          </p:cNvPr>
+          <p:cNvGrpSpPr/>
+          <p:nvPr/>
+        </p:nvGrpSpPr>
+        <p:grpSpPr>
+          <a:xfrm>
+            <a:off x="3757112" y="2475206"/>
+            <a:ext cx="118508" cy="117919"/>
+            <a:chOff x="8786813" y="881063"/>
+            <a:chExt cx="319087" cy="317500"/>
+          </a:xfrm>
+          <a:solidFill>
+            <a:schemeClr val="bg1">
+              <a:alpha val="61000"/>
+            </a:schemeClr>
+          </a:solidFill>
+        </p:grpSpPr>
+        <p:sp>
+          <p:nvSpPr>
+            <p:cNvPr id="139" name="Freeform 56">
+              <a:extLst>
+                <a:ext uri="{FF2B5EF4-FFF2-40B4-BE49-F238E27FC236}">
+                  <a16:creationId xmlns:a16="http://schemas.microsoft.com/office/drawing/2014/main" id="{BF2AAD64-9968-4B0B-B1C1-56442A3CDD8E}"/>
+                </a:ext>
+              </a:extLst>
+            </p:cNvPr>
+            <p:cNvSpPr>
+              <a:spLocks/>
+            </p:cNvSpPr>
+            <p:nvPr/>
+          </p:nvSpPr>
+          <p:spPr bwMode="auto">
+            <a:xfrm>
+              <a:off x="8967788" y="1025525"/>
+              <a:ext cx="69850" cy="25400"/>
+            </a:xfrm>
+            <a:custGeom>
+              <a:avLst/>
+              <a:gdLst>
+                <a:gd name="T0" fmla="*/ 22 w 22"/>
+                <a:gd name="T1" fmla="*/ 4 h 8"/>
+                <a:gd name="T2" fmla="*/ 18 w 22"/>
+                <a:gd name="T3" fmla="*/ 0 h 8"/>
+                <a:gd name="T4" fmla="*/ 1 w 22"/>
+                <a:gd name="T5" fmla="*/ 0 h 8"/>
+                <a:gd name="T6" fmla="*/ 1 w 22"/>
+                <a:gd name="T7" fmla="*/ 4 h 8"/>
+                <a:gd name="T8" fmla="*/ 0 w 22"/>
+                <a:gd name="T9" fmla="*/ 8 h 8"/>
+                <a:gd name="T10" fmla="*/ 18 w 22"/>
+                <a:gd name="T11" fmla="*/ 8 h 8"/>
+                <a:gd name="T12" fmla="*/ 22 w 22"/>
+                <a:gd name="T13" fmla="*/ 4 h 8"/>
+              </a:gdLst>
+              <a:ahLst/>
+              <a:cxnLst>
+                <a:cxn ang="0">
+                  <a:pos x="T0" y="T1"/>
+                </a:cxn>
+                <a:cxn ang="0">
+                  <a:pos x="T2" y="T3"/>
+                </a:cxn>
+                <a:cxn ang="0">
+                  <a:pos x="T4" y="T5"/>
+                </a:cxn>
+                <a:cxn ang="0">
+                  <a:pos x="T6" y="T7"/>
+                </a:cxn>
+                <a:cxn ang="0">
+                  <a:pos x="T8" y="T9"/>
+                </a:cxn>
+                <a:cxn ang="0">
+                  <a:pos x="T10" y="T11"/>
+                </a:cxn>
+                <a:cxn ang="0">
+                  <a:pos x="T12" y="T13"/>
+                </a:cxn>
+              </a:cxnLst>
+              <a:rect l="0" t="0" r="r" b="b"/>
+              <a:pathLst>
+                <a:path w="22" h="8">
+                  <a:moveTo>
+                    <a:pt x="22" y="4"/>
+                  </a:moveTo>
+                  <a:cubicBezTo>
+                    <a:pt x="22" y="2"/>
+                    <a:pt x="20" y="0"/>
+                    <a:pt x="18" y="0"/>
+                  </a:cubicBezTo>
+                  <a:cubicBezTo>
+                    <a:pt x="1" y="0"/>
+                    <a:pt x="1" y="0"/>
+                    <a:pt x="1" y="0"/>
+                  </a:cubicBezTo>
+                  <a:cubicBezTo>
+                    <a:pt x="1" y="4"/>
+                    <a:pt x="1" y="4"/>
+                    <a:pt x="1" y="4"/>
+                  </a:cubicBezTo>
+                  <a:cubicBezTo>
+                    <a:pt x="1" y="6"/>
+                    <a:pt x="1" y="7"/>
+                    <a:pt x="0" y="8"/>
+                  </a:cubicBezTo>
+                  <a:cubicBezTo>
+                    <a:pt x="18" y="8"/>
+                    <a:pt x="18" y="8"/>
+                    <a:pt x="18" y="8"/>
+                  </a:cubicBezTo>
+                  <a:cubicBezTo>
+                    <a:pt x="20" y="8"/>
+                    <a:pt x="22" y="7"/>
+                    <a:pt x="22" y="4"/>
+                  </a:cubicBezTo>
+                  <a:close/>
+                </a:path>
+              </a:pathLst>
+            </a:custGeom>
+            <a:grpFill/>
+            <a:ln>
+              <a:noFill/>
+            </a:ln>
+            <a:extLst>
+              <a:ext uri="{91240B29-F687-4F45-9708-019B960494DF}">
+                <a14:hiddenLine xmlns:a14="http://schemas.microsoft.com/office/drawing/2010/main" w="9525">
+                  <a:solidFill>
+                    <a:srgbClr val="000000"/>
+                  </a:solidFill>
+                  <a:round/>
+                  <a:headEnd/>
+                  <a:tailEnd/>
+                </a14:hiddenLine>
+              </a:ext>
+            </a:extLst>
+          </p:spPr>
+          <p:txBody>
+            <a:bodyPr vert="horz" wrap="square" lIns="91440" tIns="45720" rIns="91440" bIns="45720" numCol="1" anchor="t" anchorCtr="0" compatLnSpc="1">
+              <a:prstTxWarp prst="textNoShape">
+                <a:avLst/>
+              </a:prstTxWarp>
+            </a:bodyPr>
+            <a:lstStyle/>
+            <a:p>
+              <a:endParaRPr lang="zh-CN" altLang="en-US"/>
+            </a:p>
+          </p:txBody>
+        </p:sp>
+        <p:sp>
+          <p:nvSpPr>
+            <p:cNvPr id="140" name="Freeform 57">
+              <a:extLst>
+                <a:ext uri="{FF2B5EF4-FFF2-40B4-BE49-F238E27FC236}">
+                  <a16:creationId xmlns:a16="http://schemas.microsoft.com/office/drawing/2014/main" id="{7EA7CDF9-773B-4010-BA8D-521A3A994443}"/>
+                </a:ext>
+              </a:extLst>
+            </p:cNvPr>
+            <p:cNvSpPr>
+              <a:spLocks/>
+            </p:cNvSpPr>
+            <p:nvPr/>
+          </p:nvSpPr>
+          <p:spPr bwMode="auto">
+            <a:xfrm>
+              <a:off x="8931275" y="912813"/>
+              <a:ext cx="26987" cy="138113"/>
+            </a:xfrm>
+            <a:custGeom>
+              <a:avLst/>
+              <a:gdLst>
+                <a:gd name="T0" fmla="*/ 4 w 8"/>
+                <a:gd name="T1" fmla="*/ 43 h 43"/>
+                <a:gd name="T2" fmla="*/ 8 w 8"/>
+                <a:gd name="T3" fmla="*/ 39 h 43"/>
+                <a:gd name="T4" fmla="*/ 8 w 8"/>
+                <a:gd name="T5" fmla="*/ 4 h 43"/>
+                <a:gd name="T6" fmla="*/ 4 w 8"/>
+                <a:gd name="T7" fmla="*/ 0 h 43"/>
+                <a:gd name="T8" fmla="*/ 0 w 8"/>
+                <a:gd name="T9" fmla="*/ 4 h 43"/>
+                <a:gd name="T10" fmla="*/ 0 w 8"/>
+                <a:gd name="T11" fmla="*/ 39 h 43"/>
+                <a:gd name="T12" fmla="*/ 4 w 8"/>
+                <a:gd name="T13" fmla="*/ 43 h 43"/>
+              </a:gdLst>
+              <a:ahLst/>
+              <a:cxnLst>
+                <a:cxn ang="0">
+                  <a:pos x="T0" y="T1"/>
+                </a:cxn>
+                <a:cxn ang="0">
+                  <a:pos x="T2" y="T3"/>
+                </a:cxn>
+                <a:cxn ang="0">
+                  <a:pos x="T4" y="T5"/>
+                </a:cxn>
+                <a:cxn ang="0">
+                  <a:pos x="T6" y="T7"/>
+                </a:cxn>
+                <a:cxn ang="0">
+                  <a:pos x="T8" y="T9"/>
+                </a:cxn>
+                <a:cxn ang="0">
+                  <a:pos x="T10" y="T11"/>
+                </a:cxn>
+                <a:cxn ang="0">
+                  <a:pos x="T12" y="T13"/>
+                </a:cxn>
+              </a:cxnLst>
+              <a:rect l="0" t="0" r="r" b="b"/>
+              <a:pathLst>
+                <a:path w="8" h="43">
+                  <a:moveTo>
+                    <a:pt x="4" y="43"/>
+                  </a:moveTo>
+                  <a:cubicBezTo>
+                    <a:pt x="7" y="43"/>
+                    <a:pt x="8" y="42"/>
+                    <a:pt x="8" y="39"/>
+                  </a:cubicBezTo>
+                  <a:cubicBezTo>
+                    <a:pt x="8" y="4"/>
+                    <a:pt x="8" y="4"/>
+                    <a:pt x="8" y="4"/>
+                  </a:cubicBezTo>
+                  <a:cubicBezTo>
+                    <a:pt x="8" y="2"/>
+                    <a:pt x="7" y="0"/>
+                    <a:pt x="4" y="0"/>
+                  </a:cubicBezTo>
+                  <a:cubicBezTo>
+                    <a:pt x="2" y="0"/>
+                    <a:pt x="0" y="2"/>
+                    <a:pt x="0" y="4"/>
+                  </a:cubicBezTo>
+                  <a:cubicBezTo>
+                    <a:pt x="0" y="39"/>
+                    <a:pt x="0" y="39"/>
+                    <a:pt x="0" y="39"/>
+                  </a:cubicBezTo>
+                  <a:cubicBezTo>
+                    <a:pt x="0" y="42"/>
+                    <a:pt x="2" y="43"/>
+                    <a:pt x="4" y="43"/>
+                  </a:cubicBezTo>
+                  <a:close/>
+                </a:path>
+              </a:pathLst>
+            </a:custGeom>
+            <a:grpFill/>
+            <a:ln>
+              <a:noFill/>
+            </a:ln>
+            <a:extLst>
+              <a:ext uri="{91240B29-F687-4F45-9708-019B960494DF}">
+                <a14:hiddenLine xmlns:a14="http://schemas.microsoft.com/office/drawing/2010/main" w="9525">
+                  <a:solidFill>
+                    <a:srgbClr val="000000"/>
+                  </a:solidFill>
+                  <a:round/>
+                  <a:headEnd/>
+                  <a:tailEnd/>
+                </a14:hiddenLine>
+              </a:ext>
+            </a:extLst>
+          </p:spPr>
+          <p:txBody>
+            <a:bodyPr vert="horz" wrap="square" lIns="91440" tIns="45720" rIns="91440" bIns="45720" numCol="1" anchor="t" anchorCtr="0" compatLnSpc="1">
+              <a:prstTxWarp prst="textNoShape">
+                <a:avLst/>
+              </a:prstTxWarp>
+            </a:bodyPr>
+            <a:lstStyle/>
+            <a:p>
+              <a:endParaRPr lang="zh-CN" altLang="en-US"/>
+            </a:p>
+          </p:txBody>
+        </p:sp>
+        <p:sp>
+          <p:nvSpPr>
+            <p:cNvPr id="141" name="Freeform 58">
+              <a:extLst>
+                <a:ext uri="{FF2B5EF4-FFF2-40B4-BE49-F238E27FC236}">
+                  <a16:creationId xmlns:a16="http://schemas.microsoft.com/office/drawing/2014/main" id="{D81AED0C-C1D4-45BD-806F-DEED486C6EEF}"/>
+                </a:ext>
+              </a:extLst>
+            </p:cNvPr>
+            <p:cNvSpPr>
+              <a:spLocks noEditPoints="1"/>
+            </p:cNvSpPr>
+            <p:nvPr/>
+          </p:nvSpPr>
+          <p:spPr bwMode="auto">
+            <a:xfrm>
+              <a:off x="8786813" y="881063"/>
+              <a:ext cx="319087" cy="317500"/>
+            </a:xfrm>
+            <a:custGeom>
+              <a:avLst/>
+              <a:gdLst>
+                <a:gd name="T0" fmla="*/ 49 w 99"/>
+                <a:gd name="T1" fmla="*/ 99 h 99"/>
+                <a:gd name="T2" fmla="*/ 99 w 99"/>
+                <a:gd name="T3" fmla="*/ 49 h 99"/>
+                <a:gd name="T4" fmla="*/ 49 w 99"/>
+                <a:gd name="T5" fmla="*/ 0 h 99"/>
+                <a:gd name="T6" fmla="*/ 0 w 99"/>
+                <a:gd name="T7" fmla="*/ 49 h 99"/>
+                <a:gd name="T8" fmla="*/ 49 w 99"/>
+                <a:gd name="T9" fmla="*/ 99 h 99"/>
+                <a:gd name="T10" fmla="*/ 44 w 99"/>
+                <a:gd name="T11" fmla="*/ 8 h 99"/>
+                <a:gd name="T12" fmla="*/ 49 w 99"/>
+                <a:gd name="T13" fmla="*/ 8 h 99"/>
+                <a:gd name="T14" fmla="*/ 55 w 99"/>
+                <a:gd name="T15" fmla="*/ 8 h 99"/>
+                <a:gd name="T16" fmla="*/ 91 w 99"/>
+                <a:gd name="T17" fmla="*/ 49 h 99"/>
+                <a:gd name="T18" fmla="*/ 49 w 99"/>
+                <a:gd name="T19" fmla="*/ 91 h 99"/>
+                <a:gd name="T20" fmla="*/ 8 w 99"/>
+                <a:gd name="T21" fmla="*/ 49 h 99"/>
+                <a:gd name="T22" fmla="*/ 44 w 99"/>
+                <a:gd name="T23" fmla="*/ 8 h 99"/>
+              </a:gdLst>
+              <a:ahLst/>
+              <a:cxnLst>
+                <a:cxn ang="0">
+                  <a:pos x="T0" y="T1"/>
+                </a:cxn>
+                <a:cxn ang="0">
+                  <a:pos x="T2" y="T3"/>
+                </a:cxn>
+                <a:cxn ang="0">
+                  <a:pos x="T4" y="T5"/>
+                </a:cxn>
+                <a:cxn ang="0">
+                  <a:pos x="T6" y="T7"/>
+                </a:cxn>
+                <a:cxn ang="0">
+                  <a:pos x="T8" y="T9"/>
+                </a:cxn>
+                <a:cxn ang="0">
+                  <a:pos x="T10" y="T11"/>
+                </a:cxn>
+                <a:cxn ang="0">
+                  <a:pos x="T12" y="T13"/>
+                </a:cxn>
+                <a:cxn ang="0">
+                  <a:pos x="T14" y="T15"/>
+                </a:cxn>
+                <a:cxn ang="0">
+                  <a:pos x="T16" y="T17"/>
+                </a:cxn>
+                <a:cxn ang="0">
+                  <a:pos x="T18" y="T19"/>
+                </a:cxn>
+                <a:cxn ang="0">
+                  <a:pos x="T20" y="T21"/>
+                </a:cxn>
+                <a:cxn ang="0">
+                  <a:pos x="T22" y="T23"/>
+                </a:cxn>
+              </a:cxnLst>
+              <a:rect l="0" t="0" r="r" b="b"/>
+              <a:pathLst>
+                <a:path w="99" h="99">
+                  <a:moveTo>
+                    <a:pt x="49" y="99"/>
+                  </a:moveTo>
+                  <a:cubicBezTo>
+                    <a:pt x="77" y="99"/>
+                    <a:pt x="99" y="77"/>
+                    <a:pt x="99" y="49"/>
+                  </a:cubicBezTo>
+                  <a:cubicBezTo>
+                    <a:pt x="99" y="22"/>
+                    <a:pt x="77" y="0"/>
+                    <a:pt x="49" y="0"/>
+                  </a:cubicBezTo>
+                  <a:cubicBezTo>
+                    <a:pt x="22" y="0"/>
+                    <a:pt x="0" y="22"/>
+                    <a:pt x="0" y="49"/>
+                  </a:cubicBezTo>
+                  <a:cubicBezTo>
+                    <a:pt x="0" y="77"/>
+                    <a:pt x="22" y="99"/>
+                    <a:pt x="49" y="99"/>
+                  </a:cubicBezTo>
+                  <a:close/>
+                  <a:moveTo>
+                    <a:pt x="44" y="8"/>
+                  </a:moveTo>
+                  <a:cubicBezTo>
+                    <a:pt x="46" y="8"/>
+                    <a:pt x="48" y="8"/>
+                    <a:pt x="49" y="8"/>
+                  </a:cubicBezTo>
+                  <a:cubicBezTo>
+                    <a:pt x="51" y="8"/>
+                    <a:pt x="53" y="8"/>
+                    <a:pt x="55" y="8"/>
+                  </a:cubicBezTo>
+                  <a:cubicBezTo>
+                    <a:pt x="75" y="11"/>
+                    <a:pt x="91" y="28"/>
+                    <a:pt x="91" y="49"/>
+                  </a:cubicBezTo>
+                  <a:cubicBezTo>
+                    <a:pt x="91" y="72"/>
+                    <a:pt x="72" y="91"/>
+                    <a:pt x="49" y="91"/>
+                  </a:cubicBezTo>
+                  <a:cubicBezTo>
+                    <a:pt x="26" y="91"/>
+                    <a:pt x="8" y="72"/>
+                    <a:pt x="8" y="49"/>
+                  </a:cubicBezTo>
+                  <a:cubicBezTo>
+                    <a:pt x="8" y="28"/>
+                    <a:pt x="23" y="11"/>
+                    <a:pt x="44" y="8"/>
+                  </a:cubicBezTo>
+                  <a:close/>
+                </a:path>
+              </a:pathLst>
+            </a:custGeom>
+            <a:grpFill/>
+            <a:ln>
+              <a:noFill/>
+            </a:ln>
+            <a:extLst>
+              <a:ext uri="{91240B29-F687-4F45-9708-019B960494DF}">
+                <a14:hiddenLine xmlns:a14="http://schemas.microsoft.com/office/drawing/2010/main" w="9525">
+                  <a:solidFill>
+                    <a:srgbClr val="000000"/>
+                  </a:solidFill>
+                  <a:round/>
+                  <a:headEnd/>
+                  <a:tailEnd/>
+                </a14:hiddenLine>
+              </a:ext>
+            </a:extLst>
+          </p:spPr>
+          <p:txBody>
+            <a:bodyPr vert="horz" wrap="square" lIns="91440" tIns="45720" rIns="91440" bIns="45720" numCol="1" anchor="t" anchorCtr="0" compatLnSpc="1">
+              <a:prstTxWarp prst="textNoShape">
+                <a:avLst/>
+              </a:prstTxWarp>
+            </a:bodyPr>
+            <a:lstStyle/>
+            <a:p>
+              <a:endParaRPr lang="zh-CN" altLang="en-US"/>
+            </a:p>
+          </p:txBody>
+        </p:sp>
+      </p:grpSp>
+      <p:sp>
+        <p:nvSpPr>
+          <p:cNvPr id="142" name="文本框 141">
+            <a:extLst>
+              <a:ext uri="{FF2B5EF4-FFF2-40B4-BE49-F238E27FC236}">
+                <a16:creationId xmlns:a16="http://schemas.microsoft.com/office/drawing/2014/main" id="{6B5503A9-843B-45AF-A22E-82959E52BE5A}"/>
+              </a:ext>
+            </a:extLst>
+          </p:cNvPr>
+          <p:cNvSpPr txBox="1"/>
+          <p:nvPr/>
+        </p:nvSpPr>
+        <p:spPr>
+          <a:xfrm>
+            <a:off x="3876938" y="2428831"/>
+            <a:ext cx="543739" cy="200055"/>
+          </a:xfrm>
+          <a:prstGeom prst="rect">
+            <a:avLst/>
+          </a:prstGeom>
+          <a:noFill/>
+        </p:spPr>
+        <p:txBody>
+          <a:bodyPr wrap="none" rtlCol="0">
+            <a:spAutoFit/>
+          </a:bodyPr>
+          <a:lstStyle/>
+          <a:p>
+            <a:r>
+              <a:rPr lang="zh-CN" altLang="en-US" sz="700" b="1" dirty="0">
+                <a:solidFill>
+                  <a:schemeClr val="bg1">
+                    <a:alpha val="56000"/>
+                  </a:schemeClr>
+                </a:solidFill>
+              </a:rPr>
+              <a:t>预计耗时</a:t>
+            </a:r>
+          </a:p>
+        </p:txBody>
+      </p:sp>
+      <p:sp>
+        <p:nvSpPr>
+          <p:cNvPr id="143" name="文本框 142">
+            <a:extLst>
+              <a:ext uri="{FF2B5EF4-FFF2-40B4-BE49-F238E27FC236}">
+                <a16:creationId xmlns:a16="http://schemas.microsoft.com/office/drawing/2014/main" id="{CE7CBC71-636D-45C7-8E98-8F9671D1AFA3}"/>
+              </a:ext>
+            </a:extLst>
+          </p:cNvPr>
+          <p:cNvSpPr txBox="1"/>
+          <p:nvPr/>
+        </p:nvSpPr>
+        <p:spPr>
+          <a:xfrm>
+            <a:off x="4581794" y="2404620"/>
+            <a:ext cx="383438" cy="246221"/>
+          </a:xfrm>
+          <a:prstGeom prst="rect">
+            <a:avLst/>
+          </a:prstGeom>
+          <a:noFill/>
+        </p:spPr>
+        <p:txBody>
+          <a:bodyPr wrap="none" rtlCol="0">
+            <a:spAutoFit/>
+          </a:bodyPr>
+          <a:lstStyle/>
+          <a:p>
+            <a:r>
+              <a:rPr lang="en-US" altLang="zh-CN" sz="1000" b="1" dirty="0">
+                <a:solidFill>
+                  <a:schemeClr val="bg1">
+                    <a:alpha val="56000"/>
+                  </a:schemeClr>
+                </a:solidFill>
+              </a:rPr>
+              <a:t>8</a:t>
+            </a:r>
+            <a:r>
+              <a:rPr lang="zh-CN" altLang="en-US" sz="1000" b="1" dirty="0">
+                <a:solidFill>
+                  <a:schemeClr val="bg1">
+                    <a:alpha val="56000"/>
+                  </a:schemeClr>
+                </a:solidFill>
+              </a:rPr>
+              <a:t>月</a:t>
+            </a:r>
+          </a:p>
+        </p:txBody>
+      </p:sp>
+      <p:grpSp>
+        <p:nvGrpSpPr>
+          <p:cNvPr id="43" name="组合 42">
+            <a:extLst>
+              <a:ext uri="{FF2B5EF4-FFF2-40B4-BE49-F238E27FC236}">
+                <a16:creationId xmlns:a16="http://schemas.microsoft.com/office/drawing/2014/main" id="{B4A6D43F-3683-4FE1-B915-83F7D5526507}"/>
+              </a:ext>
+            </a:extLst>
+          </p:cNvPr>
+          <p:cNvGrpSpPr/>
+          <p:nvPr/>
+        </p:nvGrpSpPr>
+        <p:grpSpPr>
+          <a:xfrm>
+            <a:off x="4920510" y="4305923"/>
+            <a:ext cx="426705" cy="169277"/>
+            <a:chOff x="4994626" y="5353343"/>
+            <a:chExt cx="426705" cy="169277"/>
+          </a:xfrm>
+        </p:grpSpPr>
+        <p:sp>
+          <p:nvSpPr>
+            <p:cNvPr id="144" name="Freeform 95">
+              <a:extLst>
+                <a:ext uri="{FF2B5EF4-FFF2-40B4-BE49-F238E27FC236}">
+                  <a16:creationId xmlns:a16="http://schemas.microsoft.com/office/drawing/2014/main" id="{D24D1D4D-4591-4D5D-AE91-695B83F03975}"/>
+                </a:ext>
+              </a:extLst>
+            </p:cNvPr>
+            <p:cNvSpPr>
+              <a:spLocks noEditPoints="1"/>
+            </p:cNvSpPr>
+            <p:nvPr/>
+          </p:nvSpPr>
+          <p:spPr bwMode="auto">
+            <a:xfrm>
+              <a:off x="4994626" y="5386856"/>
+              <a:ext cx="108133" cy="94617"/>
+            </a:xfrm>
+            <a:custGeom>
+              <a:avLst/>
+              <a:gdLst>
+                <a:gd name="T0" fmla="*/ 193 w 195"/>
+                <a:gd name="T1" fmla="*/ 155 h 171"/>
+                <a:gd name="T2" fmla="*/ 150 w 195"/>
+                <a:gd name="T3" fmla="*/ 80 h 171"/>
+                <a:gd name="T4" fmla="*/ 149 w 195"/>
+                <a:gd name="T5" fmla="*/ 80 h 171"/>
+                <a:gd name="T6" fmla="*/ 106 w 195"/>
+                <a:gd name="T7" fmla="*/ 6 h 171"/>
+                <a:gd name="T8" fmla="*/ 97 w 195"/>
+                <a:gd name="T9" fmla="*/ 0 h 171"/>
+                <a:gd name="T10" fmla="*/ 89 w 195"/>
+                <a:gd name="T11" fmla="*/ 6 h 171"/>
+                <a:gd name="T12" fmla="*/ 45 w 195"/>
+                <a:gd name="T13" fmla="*/ 80 h 171"/>
+                <a:gd name="T14" fmla="*/ 39 w 195"/>
+                <a:gd name="T15" fmla="*/ 92 h 171"/>
+                <a:gd name="T16" fmla="*/ 2 w 195"/>
+                <a:gd name="T17" fmla="*/ 155 h 171"/>
+                <a:gd name="T18" fmla="*/ 2 w 195"/>
+                <a:gd name="T19" fmla="*/ 165 h 171"/>
+                <a:gd name="T20" fmla="*/ 11 w 195"/>
+                <a:gd name="T21" fmla="*/ 171 h 171"/>
+                <a:gd name="T22" fmla="*/ 184 w 195"/>
+                <a:gd name="T23" fmla="*/ 171 h 171"/>
+                <a:gd name="T24" fmla="*/ 193 w 195"/>
+                <a:gd name="T25" fmla="*/ 165 h 171"/>
+                <a:gd name="T26" fmla="*/ 193 w 195"/>
+                <a:gd name="T27" fmla="*/ 155 h 171"/>
+                <a:gd name="T28" fmla="*/ 98 w 195"/>
+                <a:gd name="T29" fmla="*/ 144 h 171"/>
+                <a:gd name="T30" fmla="*/ 86 w 195"/>
+                <a:gd name="T31" fmla="*/ 132 h 171"/>
+                <a:gd name="T32" fmla="*/ 98 w 195"/>
+                <a:gd name="T33" fmla="*/ 120 h 171"/>
+                <a:gd name="T34" fmla="*/ 110 w 195"/>
+                <a:gd name="T35" fmla="*/ 132 h 171"/>
+                <a:gd name="T36" fmla="*/ 98 w 195"/>
+                <a:gd name="T37" fmla="*/ 144 h 171"/>
+                <a:gd name="T38" fmla="*/ 109 w 195"/>
+                <a:gd name="T39" fmla="*/ 79 h 171"/>
+                <a:gd name="T40" fmla="*/ 107 w 195"/>
+                <a:gd name="T41" fmla="*/ 87 h 171"/>
+                <a:gd name="T42" fmla="*/ 101 w 195"/>
+                <a:gd name="T43" fmla="*/ 111 h 171"/>
+                <a:gd name="T44" fmla="*/ 97 w 195"/>
+                <a:gd name="T45" fmla="*/ 116 h 171"/>
+                <a:gd name="T46" fmla="*/ 93 w 195"/>
+                <a:gd name="T47" fmla="*/ 111 h 171"/>
+                <a:gd name="T48" fmla="*/ 88 w 195"/>
+                <a:gd name="T49" fmla="*/ 87 h 171"/>
+                <a:gd name="T50" fmla="*/ 87 w 195"/>
+                <a:gd name="T51" fmla="*/ 85 h 171"/>
+                <a:gd name="T52" fmla="*/ 85 w 195"/>
+                <a:gd name="T53" fmla="*/ 73 h 171"/>
+                <a:gd name="T54" fmla="*/ 97 w 195"/>
+                <a:gd name="T55" fmla="*/ 58 h 171"/>
+                <a:gd name="T56" fmla="*/ 110 w 195"/>
+                <a:gd name="T57" fmla="*/ 73 h 171"/>
+                <a:gd name="T58" fmla="*/ 109 w 195"/>
+                <a:gd name="T59" fmla="*/ 79 h 171"/>
+              </a:gdLst>
+              <a:ahLst/>
+              <a:cxnLst>
+                <a:cxn ang="0">
+                  <a:pos x="T0" y="T1"/>
+                </a:cxn>
+                <a:cxn ang="0">
+                  <a:pos x="T2" y="T3"/>
+                </a:cxn>
+                <a:cxn ang="0">
+                  <a:pos x="T4" y="T5"/>
+                </a:cxn>
+                <a:cxn ang="0">
+                  <a:pos x="T6" y="T7"/>
+                </a:cxn>
+                <a:cxn ang="0">
+                  <a:pos x="T8" y="T9"/>
+                </a:cxn>
+                <a:cxn ang="0">
+                  <a:pos x="T10" y="T11"/>
+                </a:cxn>
+                <a:cxn ang="0">
+                  <a:pos x="T12" y="T13"/>
+                </a:cxn>
+                <a:cxn ang="0">
+                  <a:pos x="T14" y="T15"/>
+                </a:cxn>
+                <a:cxn ang="0">
+                  <a:pos x="T16" y="T17"/>
+                </a:cxn>
+                <a:cxn ang="0">
+                  <a:pos x="T18" y="T19"/>
+                </a:cxn>
+                <a:cxn ang="0">
+                  <a:pos x="T20" y="T21"/>
+                </a:cxn>
+                <a:cxn ang="0">
+                  <a:pos x="T22" y="T23"/>
+                </a:cxn>
+                <a:cxn ang="0">
+                  <a:pos x="T24" y="T25"/>
+                </a:cxn>
+                <a:cxn ang="0">
+                  <a:pos x="T26" y="T27"/>
+                </a:cxn>
+                <a:cxn ang="0">
+                  <a:pos x="T28" y="T29"/>
+                </a:cxn>
+                <a:cxn ang="0">
+                  <a:pos x="T30" y="T31"/>
+                </a:cxn>
+                <a:cxn ang="0">
+                  <a:pos x="T32" y="T33"/>
+                </a:cxn>
+                <a:cxn ang="0">
+                  <a:pos x="T34" y="T35"/>
+                </a:cxn>
+                <a:cxn ang="0">
+                  <a:pos x="T36" y="T37"/>
+                </a:cxn>
+                <a:cxn ang="0">
+                  <a:pos x="T38" y="T39"/>
+                </a:cxn>
+                <a:cxn ang="0">
+                  <a:pos x="T40" y="T41"/>
+                </a:cxn>
+                <a:cxn ang="0">
+                  <a:pos x="T42" y="T43"/>
+                </a:cxn>
+                <a:cxn ang="0">
+                  <a:pos x="T44" y="T45"/>
+                </a:cxn>
+                <a:cxn ang="0">
+                  <a:pos x="T46" y="T47"/>
+                </a:cxn>
+                <a:cxn ang="0">
+                  <a:pos x="T48" y="T49"/>
+                </a:cxn>
+                <a:cxn ang="0">
+                  <a:pos x="T50" y="T51"/>
+                </a:cxn>
+                <a:cxn ang="0">
+                  <a:pos x="T52" y="T53"/>
+                </a:cxn>
+                <a:cxn ang="0">
+                  <a:pos x="T54" y="T55"/>
+                </a:cxn>
+                <a:cxn ang="0">
+                  <a:pos x="T56" y="T57"/>
+                </a:cxn>
+                <a:cxn ang="0">
+                  <a:pos x="T58" y="T59"/>
+                </a:cxn>
+              </a:cxnLst>
+              <a:rect l="0" t="0" r="r" b="b"/>
+              <a:pathLst>
+                <a:path w="195" h="171">
+                  <a:moveTo>
+                    <a:pt x="193" y="155"/>
+                  </a:moveTo>
+                  <a:cubicBezTo>
+                    <a:pt x="150" y="80"/>
+                    <a:pt x="150" y="80"/>
+                    <a:pt x="150" y="80"/>
+                  </a:cubicBezTo>
+                  <a:cubicBezTo>
+                    <a:pt x="149" y="80"/>
+                    <a:pt x="149" y="80"/>
+                    <a:pt x="149" y="80"/>
+                  </a:cubicBezTo>
+                  <a:cubicBezTo>
+                    <a:pt x="106" y="6"/>
+                    <a:pt x="106" y="6"/>
+                    <a:pt x="106" y="6"/>
+                  </a:cubicBezTo>
+                  <a:cubicBezTo>
+                    <a:pt x="105" y="2"/>
+                    <a:pt x="101" y="0"/>
+                    <a:pt x="97" y="0"/>
+                  </a:cubicBezTo>
+                  <a:cubicBezTo>
+                    <a:pt x="94" y="0"/>
+                    <a:pt x="90" y="2"/>
+                    <a:pt x="89" y="6"/>
+                  </a:cubicBezTo>
+                  <a:cubicBezTo>
+                    <a:pt x="45" y="80"/>
+                    <a:pt x="45" y="80"/>
+                    <a:pt x="45" y="80"/>
+                  </a:cubicBezTo>
+                  <a:cubicBezTo>
+                    <a:pt x="39" y="92"/>
+                    <a:pt x="39" y="92"/>
+                    <a:pt x="39" y="92"/>
+                  </a:cubicBezTo>
+                  <a:cubicBezTo>
+                    <a:pt x="2" y="155"/>
+                    <a:pt x="2" y="155"/>
+                    <a:pt x="2" y="155"/>
+                  </a:cubicBezTo>
+                  <a:cubicBezTo>
+                    <a:pt x="0" y="158"/>
+                    <a:pt x="0" y="162"/>
+                    <a:pt x="2" y="165"/>
+                  </a:cubicBezTo>
+                  <a:cubicBezTo>
+                    <a:pt x="4" y="169"/>
+                    <a:pt x="7" y="171"/>
+                    <a:pt x="11" y="171"/>
+                  </a:cubicBezTo>
+                  <a:cubicBezTo>
+                    <a:pt x="184" y="171"/>
+                    <a:pt x="184" y="171"/>
+                    <a:pt x="184" y="171"/>
+                  </a:cubicBezTo>
+                  <a:cubicBezTo>
+                    <a:pt x="187" y="171"/>
+                    <a:pt x="191" y="169"/>
+                    <a:pt x="193" y="165"/>
+                  </a:cubicBezTo>
+                  <a:cubicBezTo>
+                    <a:pt x="195" y="162"/>
+                    <a:pt x="195" y="158"/>
+                    <a:pt x="193" y="155"/>
+                  </a:cubicBezTo>
+                  <a:close/>
+                  <a:moveTo>
+                    <a:pt x="98" y="144"/>
+                  </a:moveTo>
+                  <a:cubicBezTo>
+                    <a:pt x="91" y="144"/>
+                    <a:pt x="86" y="139"/>
+                    <a:pt x="86" y="132"/>
+                  </a:cubicBezTo>
+                  <a:cubicBezTo>
+                    <a:pt x="86" y="126"/>
+                    <a:pt x="91" y="120"/>
+                    <a:pt x="98" y="120"/>
+                  </a:cubicBezTo>
+                  <a:cubicBezTo>
+                    <a:pt x="105" y="120"/>
+                    <a:pt x="110" y="126"/>
+                    <a:pt x="110" y="132"/>
+                  </a:cubicBezTo>
+                  <a:cubicBezTo>
+                    <a:pt x="110" y="139"/>
+                    <a:pt x="105" y="144"/>
+                    <a:pt x="98" y="144"/>
+                  </a:cubicBezTo>
+                  <a:close/>
+                  <a:moveTo>
+                    <a:pt x="109" y="79"/>
+                  </a:moveTo>
+                  <a:cubicBezTo>
+                    <a:pt x="109" y="82"/>
+                    <a:pt x="108" y="85"/>
+                    <a:pt x="107" y="87"/>
+                  </a:cubicBezTo>
+                  <a:cubicBezTo>
+                    <a:pt x="104" y="95"/>
+                    <a:pt x="102" y="103"/>
+                    <a:pt x="101" y="111"/>
+                  </a:cubicBezTo>
+                  <a:cubicBezTo>
+                    <a:pt x="101" y="113"/>
+                    <a:pt x="101" y="116"/>
+                    <a:pt x="97" y="116"/>
+                  </a:cubicBezTo>
+                  <a:cubicBezTo>
+                    <a:pt x="94" y="116"/>
+                    <a:pt x="94" y="113"/>
+                    <a:pt x="93" y="111"/>
+                  </a:cubicBezTo>
+                  <a:cubicBezTo>
+                    <a:pt x="93" y="103"/>
+                    <a:pt x="91" y="95"/>
+                    <a:pt x="88" y="87"/>
+                  </a:cubicBezTo>
+                  <a:cubicBezTo>
+                    <a:pt x="88" y="87"/>
+                    <a:pt x="88" y="86"/>
+                    <a:pt x="87" y="85"/>
+                  </a:cubicBezTo>
+                  <a:cubicBezTo>
+                    <a:pt x="86" y="81"/>
+                    <a:pt x="85" y="77"/>
+                    <a:pt x="85" y="73"/>
+                  </a:cubicBezTo>
+                  <a:cubicBezTo>
+                    <a:pt x="85" y="65"/>
+                    <a:pt x="89" y="58"/>
+                    <a:pt x="97" y="58"/>
+                  </a:cubicBezTo>
+                  <a:cubicBezTo>
+                    <a:pt x="106" y="58"/>
+                    <a:pt x="110" y="65"/>
+                    <a:pt x="110" y="73"/>
+                  </a:cubicBezTo>
+                  <a:cubicBezTo>
+                    <a:pt x="110" y="75"/>
+                    <a:pt x="110" y="77"/>
+                    <a:pt x="109" y="79"/>
+                  </a:cubicBezTo>
+                  <a:close/>
+                </a:path>
+              </a:pathLst>
+            </a:custGeom>
+            <a:solidFill>
+              <a:srgbClr val="FFC000">
+                <a:alpha val="50000"/>
+              </a:srgbClr>
+            </a:solidFill>
+            <a:ln>
+              <a:noFill/>
+            </a:ln>
+          </p:spPr>
+          <p:txBody>
+            <a:bodyPr vert="horz" wrap="square" lIns="91440" tIns="45720" rIns="91440" bIns="45720" numCol="1" anchor="t" anchorCtr="0" compatLnSpc="1">
+              <a:prstTxWarp prst="textNoShape">
+                <a:avLst/>
+              </a:prstTxWarp>
+            </a:bodyPr>
+            <a:lstStyle/>
+            <a:p>
+              <a:endParaRPr lang="en-US"/>
+            </a:p>
+          </p:txBody>
+        </p:sp>
+        <p:sp>
+          <p:nvSpPr>
+            <p:cNvPr id="145" name="文本框 144">
+              <a:extLst>
+                <a:ext uri="{FF2B5EF4-FFF2-40B4-BE49-F238E27FC236}">
+                  <a16:creationId xmlns:a16="http://schemas.microsoft.com/office/drawing/2014/main" id="{C2BF6482-15E7-44CA-9039-C25AF94D9DDD}"/>
+                </a:ext>
+              </a:extLst>
+            </p:cNvPr>
+            <p:cNvSpPr txBox="1"/>
+            <p:nvPr/>
+          </p:nvSpPr>
+          <p:spPr>
+            <a:xfrm>
+              <a:off x="5044305" y="5353343"/>
+              <a:ext cx="377026" cy="169277"/>
+            </a:xfrm>
+            <a:prstGeom prst="rect">
+              <a:avLst/>
+            </a:prstGeom>
+            <a:noFill/>
+          </p:spPr>
+          <p:txBody>
+            <a:bodyPr wrap="none" rtlCol="0">
+              <a:spAutoFit/>
+            </a:bodyPr>
+            <a:lstStyle/>
+            <a:p>
+              <a:r>
+                <a:rPr lang="zh-CN" altLang="en-US" sz="500" dirty="0">
+                  <a:solidFill>
+                    <a:schemeClr val="bg1">
+                      <a:alpha val="42000"/>
+                    </a:schemeClr>
+                  </a:solidFill>
+                </a:rPr>
+                <a:t>未满足</a:t>
+              </a:r>
+            </a:p>
+          </p:txBody>
+        </p:sp>
+      </p:grpSp>
+      <p:grpSp>
+        <p:nvGrpSpPr>
+          <p:cNvPr id="146" name="组合 145">
+            <a:extLst>
+              <a:ext uri="{FF2B5EF4-FFF2-40B4-BE49-F238E27FC236}">
+                <a16:creationId xmlns:a16="http://schemas.microsoft.com/office/drawing/2014/main" id="{652404A0-D470-4811-9440-368067CA9DAF}"/>
+              </a:ext>
+            </a:extLst>
+          </p:cNvPr>
+          <p:cNvGrpSpPr/>
+          <p:nvPr/>
+        </p:nvGrpSpPr>
+        <p:grpSpPr>
+          <a:xfrm>
+            <a:off x="5915696" y="4305923"/>
+            <a:ext cx="426705" cy="169277"/>
+            <a:chOff x="4994626" y="5353343"/>
+            <a:chExt cx="426705" cy="169277"/>
+          </a:xfrm>
+        </p:grpSpPr>
+        <p:sp>
+          <p:nvSpPr>
+            <p:cNvPr id="147" name="Freeform 95">
+              <a:extLst>
+                <a:ext uri="{FF2B5EF4-FFF2-40B4-BE49-F238E27FC236}">
+                  <a16:creationId xmlns:a16="http://schemas.microsoft.com/office/drawing/2014/main" id="{F467C522-3901-48C3-9220-1848131FB350}"/>
+                </a:ext>
+              </a:extLst>
+            </p:cNvPr>
+            <p:cNvSpPr>
+              <a:spLocks noEditPoints="1"/>
+            </p:cNvSpPr>
+            <p:nvPr/>
+          </p:nvSpPr>
+          <p:spPr bwMode="auto">
+            <a:xfrm>
+              <a:off x="4994626" y="5386856"/>
+              <a:ext cx="108133" cy="94617"/>
+            </a:xfrm>
+            <a:custGeom>
+              <a:avLst/>
+              <a:gdLst>
+                <a:gd name="T0" fmla="*/ 193 w 195"/>
+                <a:gd name="T1" fmla="*/ 155 h 171"/>
+                <a:gd name="T2" fmla="*/ 150 w 195"/>
+                <a:gd name="T3" fmla="*/ 80 h 171"/>
+                <a:gd name="T4" fmla="*/ 149 w 195"/>
+                <a:gd name="T5" fmla="*/ 80 h 171"/>
+                <a:gd name="T6" fmla="*/ 106 w 195"/>
+                <a:gd name="T7" fmla="*/ 6 h 171"/>
+                <a:gd name="T8" fmla="*/ 97 w 195"/>
+                <a:gd name="T9" fmla="*/ 0 h 171"/>
+                <a:gd name="T10" fmla="*/ 89 w 195"/>
+                <a:gd name="T11" fmla="*/ 6 h 171"/>
+                <a:gd name="T12" fmla="*/ 45 w 195"/>
+                <a:gd name="T13" fmla="*/ 80 h 171"/>
+                <a:gd name="T14" fmla="*/ 39 w 195"/>
+                <a:gd name="T15" fmla="*/ 92 h 171"/>
+                <a:gd name="T16" fmla="*/ 2 w 195"/>
+                <a:gd name="T17" fmla="*/ 155 h 171"/>
+                <a:gd name="T18" fmla="*/ 2 w 195"/>
+                <a:gd name="T19" fmla="*/ 165 h 171"/>
+                <a:gd name="T20" fmla="*/ 11 w 195"/>
+                <a:gd name="T21" fmla="*/ 171 h 171"/>
+                <a:gd name="T22" fmla="*/ 184 w 195"/>
+                <a:gd name="T23" fmla="*/ 171 h 171"/>
+                <a:gd name="T24" fmla="*/ 193 w 195"/>
+                <a:gd name="T25" fmla="*/ 165 h 171"/>
+                <a:gd name="T26" fmla="*/ 193 w 195"/>
+                <a:gd name="T27" fmla="*/ 155 h 171"/>
+                <a:gd name="T28" fmla="*/ 98 w 195"/>
+                <a:gd name="T29" fmla="*/ 144 h 171"/>
+                <a:gd name="T30" fmla="*/ 86 w 195"/>
+                <a:gd name="T31" fmla="*/ 132 h 171"/>
+                <a:gd name="T32" fmla="*/ 98 w 195"/>
+                <a:gd name="T33" fmla="*/ 120 h 171"/>
+                <a:gd name="T34" fmla="*/ 110 w 195"/>
+                <a:gd name="T35" fmla="*/ 132 h 171"/>
+                <a:gd name="T36" fmla="*/ 98 w 195"/>
+                <a:gd name="T37" fmla="*/ 144 h 171"/>
+                <a:gd name="T38" fmla="*/ 109 w 195"/>
+                <a:gd name="T39" fmla="*/ 79 h 171"/>
+                <a:gd name="T40" fmla="*/ 107 w 195"/>
+                <a:gd name="T41" fmla="*/ 87 h 171"/>
+                <a:gd name="T42" fmla="*/ 101 w 195"/>
+                <a:gd name="T43" fmla="*/ 111 h 171"/>
+                <a:gd name="T44" fmla="*/ 97 w 195"/>
+                <a:gd name="T45" fmla="*/ 116 h 171"/>
+                <a:gd name="T46" fmla="*/ 93 w 195"/>
+                <a:gd name="T47" fmla="*/ 111 h 171"/>
+                <a:gd name="T48" fmla="*/ 88 w 195"/>
+                <a:gd name="T49" fmla="*/ 87 h 171"/>
+                <a:gd name="T50" fmla="*/ 87 w 195"/>
+                <a:gd name="T51" fmla="*/ 85 h 171"/>
+                <a:gd name="T52" fmla="*/ 85 w 195"/>
+                <a:gd name="T53" fmla="*/ 73 h 171"/>
+                <a:gd name="T54" fmla="*/ 97 w 195"/>
+                <a:gd name="T55" fmla="*/ 58 h 171"/>
+                <a:gd name="T56" fmla="*/ 110 w 195"/>
+                <a:gd name="T57" fmla="*/ 73 h 171"/>
+                <a:gd name="T58" fmla="*/ 109 w 195"/>
+                <a:gd name="T59" fmla="*/ 79 h 171"/>
+              </a:gdLst>
+              <a:ahLst/>
+              <a:cxnLst>
+                <a:cxn ang="0">
+                  <a:pos x="T0" y="T1"/>
+                </a:cxn>
+                <a:cxn ang="0">
+                  <a:pos x="T2" y="T3"/>
+                </a:cxn>
+                <a:cxn ang="0">
+                  <a:pos x="T4" y="T5"/>
+                </a:cxn>
+                <a:cxn ang="0">
+                  <a:pos x="T6" y="T7"/>
+                </a:cxn>
+                <a:cxn ang="0">
+                  <a:pos x="T8" y="T9"/>
+                </a:cxn>
+                <a:cxn ang="0">
+                  <a:pos x="T10" y="T11"/>
+                </a:cxn>
+                <a:cxn ang="0">
+                  <a:pos x="T12" y="T13"/>
+                </a:cxn>
+                <a:cxn ang="0">
+                  <a:pos x="T14" y="T15"/>
+                </a:cxn>
+                <a:cxn ang="0">
+                  <a:pos x="T16" y="T17"/>
+                </a:cxn>
+                <a:cxn ang="0">
+                  <a:pos x="T18" y="T19"/>
+                </a:cxn>
+                <a:cxn ang="0">
+                  <a:pos x="T20" y="T21"/>
+                </a:cxn>
+                <a:cxn ang="0">
+                  <a:pos x="T22" y="T23"/>
+                </a:cxn>
+                <a:cxn ang="0">
+                  <a:pos x="T24" y="T25"/>
+                </a:cxn>
+                <a:cxn ang="0">
+                  <a:pos x="T26" y="T27"/>
+                </a:cxn>
+                <a:cxn ang="0">
+                  <a:pos x="T28" y="T29"/>
+                </a:cxn>
+                <a:cxn ang="0">
+                  <a:pos x="T30" y="T31"/>
+                </a:cxn>
+                <a:cxn ang="0">
+                  <a:pos x="T32" y="T33"/>
+                </a:cxn>
+                <a:cxn ang="0">
+                  <a:pos x="T34" y="T35"/>
+                </a:cxn>
+                <a:cxn ang="0">
+                  <a:pos x="T36" y="T37"/>
+                </a:cxn>
+                <a:cxn ang="0">
+                  <a:pos x="T38" y="T39"/>
+                </a:cxn>
+                <a:cxn ang="0">
+                  <a:pos x="T40" y="T41"/>
+                </a:cxn>
+                <a:cxn ang="0">
+                  <a:pos x="T42" y="T43"/>
+                </a:cxn>
+                <a:cxn ang="0">
+                  <a:pos x="T44" y="T45"/>
+                </a:cxn>
+                <a:cxn ang="0">
+                  <a:pos x="T46" y="T47"/>
+                </a:cxn>
+                <a:cxn ang="0">
+                  <a:pos x="T48" y="T49"/>
+                </a:cxn>
+                <a:cxn ang="0">
+                  <a:pos x="T50" y="T51"/>
+                </a:cxn>
+                <a:cxn ang="0">
+                  <a:pos x="T52" y="T53"/>
+                </a:cxn>
+                <a:cxn ang="0">
+                  <a:pos x="T54" y="T55"/>
+                </a:cxn>
+                <a:cxn ang="0">
+                  <a:pos x="T56" y="T57"/>
+                </a:cxn>
+                <a:cxn ang="0">
+                  <a:pos x="T58" y="T59"/>
+                </a:cxn>
+              </a:cxnLst>
+              <a:rect l="0" t="0" r="r" b="b"/>
+              <a:pathLst>
+                <a:path w="195" h="171">
+                  <a:moveTo>
+                    <a:pt x="193" y="155"/>
+                  </a:moveTo>
+                  <a:cubicBezTo>
+                    <a:pt x="150" y="80"/>
+                    <a:pt x="150" y="80"/>
+                    <a:pt x="150" y="80"/>
+                  </a:cubicBezTo>
+                  <a:cubicBezTo>
+                    <a:pt x="149" y="80"/>
+                    <a:pt x="149" y="80"/>
+                    <a:pt x="149" y="80"/>
+                  </a:cubicBezTo>
+                  <a:cubicBezTo>
+                    <a:pt x="106" y="6"/>
+                    <a:pt x="106" y="6"/>
+                    <a:pt x="106" y="6"/>
+                  </a:cubicBezTo>
+                  <a:cubicBezTo>
+                    <a:pt x="105" y="2"/>
+                    <a:pt x="101" y="0"/>
+                    <a:pt x="97" y="0"/>
+                  </a:cubicBezTo>
+                  <a:cubicBezTo>
+                    <a:pt x="94" y="0"/>
+                    <a:pt x="90" y="2"/>
+                    <a:pt x="89" y="6"/>
+                  </a:cubicBezTo>
+                  <a:cubicBezTo>
+                    <a:pt x="45" y="80"/>
+                    <a:pt x="45" y="80"/>
+                    <a:pt x="45" y="80"/>
+                  </a:cubicBezTo>
+                  <a:cubicBezTo>
+                    <a:pt x="39" y="92"/>
+                    <a:pt x="39" y="92"/>
+                    <a:pt x="39" y="92"/>
+                  </a:cubicBezTo>
+                  <a:cubicBezTo>
+                    <a:pt x="2" y="155"/>
+                    <a:pt x="2" y="155"/>
+                    <a:pt x="2" y="155"/>
+                  </a:cubicBezTo>
+                  <a:cubicBezTo>
+                    <a:pt x="0" y="158"/>
+                    <a:pt x="0" y="162"/>
+                    <a:pt x="2" y="165"/>
+                  </a:cubicBezTo>
+                  <a:cubicBezTo>
+                    <a:pt x="4" y="169"/>
+                    <a:pt x="7" y="171"/>
+                    <a:pt x="11" y="171"/>
+                  </a:cubicBezTo>
+                  <a:cubicBezTo>
+                    <a:pt x="184" y="171"/>
+                    <a:pt x="184" y="171"/>
+                    <a:pt x="184" y="171"/>
+                  </a:cubicBezTo>
+                  <a:cubicBezTo>
+                    <a:pt x="187" y="171"/>
+                    <a:pt x="191" y="169"/>
+                    <a:pt x="193" y="165"/>
+                  </a:cubicBezTo>
+                  <a:cubicBezTo>
+                    <a:pt x="195" y="162"/>
+                    <a:pt x="195" y="158"/>
+                    <a:pt x="193" y="155"/>
+                  </a:cubicBezTo>
+                  <a:close/>
+                  <a:moveTo>
+                    <a:pt x="98" y="144"/>
+                  </a:moveTo>
+                  <a:cubicBezTo>
+                    <a:pt x="91" y="144"/>
+                    <a:pt x="86" y="139"/>
+                    <a:pt x="86" y="132"/>
+                  </a:cubicBezTo>
+                  <a:cubicBezTo>
+                    <a:pt x="86" y="126"/>
+                    <a:pt x="91" y="120"/>
+                    <a:pt x="98" y="120"/>
+                  </a:cubicBezTo>
+                  <a:cubicBezTo>
+                    <a:pt x="105" y="120"/>
+                    <a:pt x="110" y="126"/>
+                    <a:pt x="110" y="132"/>
+                  </a:cubicBezTo>
+                  <a:cubicBezTo>
+                    <a:pt x="110" y="139"/>
+                    <a:pt x="105" y="144"/>
+                    <a:pt x="98" y="144"/>
+                  </a:cubicBezTo>
+                  <a:close/>
+                  <a:moveTo>
+                    <a:pt x="109" y="79"/>
+                  </a:moveTo>
+                  <a:cubicBezTo>
+                    <a:pt x="109" y="82"/>
+                    <a:pt x="108" y="85"/>
+                    <a:pt x="107" y="87"/>
+                  </a:cubicBezTo>
+                  <a:cubicBezTo>
+                    <a:pt x="104" y="95"/>
+                    <a:pt x="102" y="103"/>
+                    <a:pt x="101" y="111"/>
+                  </a:cubicBezTo>
+                  <a:cubicBezTo>
+                    <a:pt x="101" y="113"/>
+                    <a:pt x="101" y="116"/>
+                    <a:pt x="97" y="116"/>
+                  </a:cubicBezTo>
+                  <a:cubicBezTo>
+                    <a:pt x="94" y="116"/>
+                    <a:pt x="94" y="113"/>
+                    <a:pt x="93" y="111"/>
+                  </a:cubicBezTo>
+                  <a:cubicBezTo>
+                    <a:pt x="93" y="103"/>
+                    <a:pt x="91" y="95"/>
+                    <a:pt x="88" y="87"/>
+                  </a:cubicBezTo>
+                  <a:cubicBezTo>
+                    <a:pt x="88" y="87"/>
+                    <a:pt x="88" y="86"/>
+                    <a:pt x="87" y="85"/>
+                  </a:cubicBezTo>
+                  <a:cubicBezTo>
+                    <a:pt x="86" y="81"/>
+                    <a:pt x="85" y="77"/>
+                    <a:pt x="85" y="73"/>
+                  </a:cubicBezTo>
+                  <a:cubicBezTo>
+                    <a:pt x="85" y="65"/>
+                    <a:pt x="89" y="58"/>
+                    <a:pt x="97" y="58"/>
+                  </a:cubicBezTo>
+                  <a:cubicBezTo>
+                    <a:pt x="106" y="58"/>
+                    <a:pt x="110" y="65"/>
+                    <a:pt x="110" y="73"/>
+                  </a:cubicBezTo>
+                  <a:cubicBezTo>
+                    <a:pt x="110" y="75"/>
+                    <a:pt x="110" y="77"/>
+                    <a:pt x="109" y="79"/>
+                  </a:cubicBezTo>
+                  <a:close/>
+                </a:path>
+              </a:pathLst>
+            </a:custGeom>
+            <a:solidFill>
+              <a:srgbClr val="FFC000">
+                <a:alpha val="50000"/>
+              </a:srgbClr>
+            </a:solidFill>
+            <a:ln>
+              <a:noFill/>
+            </a:ln>
+          </p:spPr>
+          <p:txBody>
+            <a:bodyPr vert="horz" wrap="square" lIns="91440" tIns="45720" rIns="91440" bIns="45720" numCol="1" anchor="t" anchorCtr="0" compatLnSpc="1">
+              <a:prstTxWarp prst="textNoShape">
+                <a:avLst/>
+              </a:prstTxWarp>
+            </a:bodyPr>
+            <a:lstStyle/>
+            <a:p>
+              <a:endParaRPr lang="en-US"/>
+            </a:p>
+          </p:txBody>
+        </p:sp>
+        <p:sp>
+          <p:nvSpPr>
+            <p:cNvPr id="148" name="文本框 147">
+              <a:extLst>
+                <a:ext uri="{FF2B5EF4-FFF2-40B4-BE49-F238E27FC236}">
+                  <a16:creationId xmlns:a16="http://schemas.microsoft.com/office/drawing/2014/main" id="{37B79BE2-3529-400A-818C-9D63361EC721}"/>
+                </a:ext>
+              </a:extLst>
+            </p:cNvPr>
+            <p:cNvSpPr txBox="1"/>
+            <p:nvPr/>
+          </p:nvSpPr>
+          <p:spPr>
+            <a:xfrm>
+              <a:off x="5044305" y="5353343"/>
+              <a:ext cx="377026" cy="169277"/>
+            </a:xfrm>
+            <a:prstGeom prst="rect">
+              <a:avLst/>
+            </a:prstGeom>
+            <a:noFill/>
+          </p:spPr>
+          <p:txBody>
+            <a:bodyPr wrap="none" rtlCol="0">
+              <a:spAutoFit/>
+            </a:bodyPr>
+            <a:lstStyle/>
+            <a:p>
+              <a:r>
+                <a:rPr lang="zh-CN" altLang="en-US" sz="500" dirty="0">
+                  <a:solidFill>
+                    <a:schemeClr val="bg1">
+                      <a:alpha val="42000"/>
+                    </a:schemeClr>
+                  </a:solidFill>
+                </a:rPr>
+                <a:t>未满足</a:t>
+              </a:r>
+            </a:p>
+          </p:txBody>
+        </p:sp>
+      </p:grpSp>
     </p:spTree>
     <p:extLst>
       <p:ext uri="{BB962C8B-B14F-4D97-AF65-F5344CB8AC3E}">

--- a/GameMaster/GameDesign/UIDesign/科技树.pptx
+++ b/GameMaster/GameDesign/UIDesign/科技树.pptx
@@ -4,6 +4,9 @@
   <p:sldMasterIdLst>
     <p:sldMasterId id="2147483648" r:id="rId1"/>
   </p:sldMasterIdLst>
+  <p:notesMasterIdLst>
+    <p:notesMasterId r:id="rId4"/>
+  </p:notesMasterIdLst>
   <p:sldIdLst>
     <p:sldId id="256" r:id="rId2"/>
     <p:sldId id="257" r:id="rId3"/>
@@ -121,6 +124,439 @@
     </p:ext>
   </p:extLst>
 </p:presentation>
+</file>
+
+<file path=ppt/notesMasters/notesMaster1.xml><?xml version="1.0" encoding="utf-8"?>
+<p:notesMaster xmlns:a="http://schemas.openxmlformats.org/drawingml/2006/main" xmlns:r="http://schemas.openxmlformats.org/officeDocument/2006/relationships" xmlns:p="http://schemas.openxmlformats.org/presentationml/2006/main">
+  <p:cSld>
+    <p:bg>
+      <p:bgRef idx="1001">
+        <a:schemeClr val="bg1"/>
+      </p:bgRef>
+    </p:bg>
+    <p:spTree>
+      <p:nvGrpSpPr>
+        <p:cNvPr id="1" name=""/>
+        <p:cNvGrpSpPr/>
+        <p:nvPr/>
+      </p:nvGrpSpPr>
+      <p:grpSpPr>
+        <a:xfrm>
+          <a:off x="0" y="0"/>
+          <a:ext cx="0" cy="0"/>
+          <a:chOff x="0" y="0"/>
+          <a:chExt cx="0" cy="0"/>
+        </a:xfrm>
+      </p:grpSpPr>
+      <p:sp>
+        <p:nvSpPr>
+          <p:cNvPr id="2" name="页眉占位符 1"/>
+          <p:cNvSpPr>
+            <a:spLocks noGrp="1"/>
+          </p:cNvSpPr>
+          <p:nvPr>
+            <p:ph type="hdr" sz="quarter"/>
+          </p:nvPr>
+        </p:nvSpPr>
+        <p:spPr>
+          <a:xfrm>
+            <a:off x="0" y="0"/>
+            <a:ext cx="2971800" cy="458788"/>
+          </a:xfrm>
+          <a:prstGeom prst="rect">
+            <a:avLst/>
+          </a:prstGeom>
+        </p:spPr>
+        <p:txBody>
+          <a:bodyPr vert="horz" lIns="91440" tIns="45720" rIns="91440" bIns="45720" rtlCol="0"/>
+          <a:lstStyle>
+            <a:lvl1pPr algn="l">
+              <a:defRPr sz="1200"/>
+            </a:lvl1pPr>
+          </a:lstStyle>
+          <a:p>
+            <a:endParaRPr lang="zh-CN" altLang="en-US"/>
+          </a:p>
+        </p:txBody>
+      </p:sp>
+      <p:sp>
+        <p:nvSpPr>
+          <p:cNvPr id="3" name="日期占位符 2"/>
+          <p:cNvSpPr>
+            <a:spLocks noGrp="1"/>
+          </p:cNvSpPr>
+          <p:nvPr>
+            <p:ph type="dt" idx="1"/>
+          </p:nvPr>
+        </p:nvSpPr>
+        <p:spPr>
+          <a:xfrm>
+            <a:off x="3884613" y="0"/>
+            <a:ext cx="2971800" cy="458788"/>
+          </a:xfrm>
+          <a:prstGeom prst="rect">
+            <a:avLst/>
+          </a:prstGeom>
+        </p:spPr>
+        <p:txBody>
+          <a:bodyPr vert="horz" lIns="91440" tIns="45720" rIns="91440" bIns="45720" rtlCol="0"/>
+          <a:lstStyle>
+            <a:lvl1pPr algn="r">
+              <a:defRPr sz="1200"/>
+            </a:lvl1pPr>
+          </a:lstStyle>
+          <a:p>
+            <a:fld id="{F6653854-D6D5-4B93-8DDC-03F82B690B57}" type="datetimeFigureOut">
+              <a:rPr lang="zh-CN" altLang="en-US" smtClean="0"/>
+              <a:t>2019/12/2/Monday</a:t>
+            </a:fld>
+            <a:endParaRPr lang="zh-CN" altLang="en-US"/>
+          </a:p>
+        </p:txBody>
+      </p:sp>
+      <p:sp>
+        <p:nvSpPr>
+          <p:cNvPr id="4" name="幻灯片图像占位符 3"/>
+          <p:cNvSpPr>
+            <a:spLocks noGrp="1" noRot="1" noChangeAspect="1"/>
+          </p:cNvSpPr>
+          <p:nvPr>
+            <p:ph type="sldImg" idx="2"/>
+          </p:nvPr>
+        </p:nvSpPr>
+        <p:spPr>
+          <a:xfrm>
+            <a:off x="685800" y="1143000"/>
+            <a:ext cx="5486400" cy="3086100"/>
+          </a:xfrm>
+          <a:prstGeom prst="rect">
+            <a:avLst/>
+          </a:prstGeom>
+          <a:noFill/>
+          <a:ln w="12700">
+            <a:solidFill>
+              <a:prstClr val="black"/>
+            </a:solidFill>
+          </a:ln>
+        </p:spPr>
+        <p:txBody>
+          <a:bodyPr vert="horz" lIns="91440" tIns="45720" rIns="91440" bIns="45720" rtlCol="0" anchor="ctr"/>
+          <a:lstStyle/>
+          <a:p>
+            <a:endParaRPr lang="zh-CN" altLang="en-US"/>
+          </a:p>
+        </p:txBody>
+      </p:sp>
+      <p:sp>
+        <p:nvSpPr>
+          <p:cNvPr id="5" name="备注占位符 4"/>
+          <p:cNvSpPr>
+            <a:spLocks noGrp="1"/>
+          </p:cNvSpPr>
+          <p:nvPr>
+            <p:ph type="body" sz="quarter" idx="3"/>
+          </p:nvPr>
+        </p:nvSpPr>
+        <p:spPr>
+          <a:xfrm>
+            <a:off x="685800" y="4400550"/>
+            <a:ext cx="5486400" cy="3600450"/>
+          </a:xfrm>
+          <a:prstGeom prst="rect">
+            <a:avLst/>
+          </a:prstGeom>
+        </p:spPr>
+        <p:txBody>
+          <a:bodyPr vert="horz" lIns="91440" tIns="45720" rIns="91440" bIns="45720" rtlCol="0"/>
+          <a:lstStyle/>
+          <a:p>
+            <a:pPr lvl="0"/>
+            <a:r>
+              <a:rPr lang="zh-CN" altLang="en-US"/>
+              <a:t>单击此处编辑母版文本样式</a:t>
+            </a:r>
+          </a:p>
+          <a:p>
+            <a:pPr lvl="1"/>
+            <a:r>
+              <a:rPr lang="zh-CN" altLang="en-US"/>
+              <a:t>二级</a:t>
+            </a:r>
+          </a:p>
+          <a:p>
+            <a:pPr lvl="2"/>
+            <a:r>
+              <a:rPr lang="zh-CN" altLang="en-US"/>
+              <a:t>三级</a:t>
+            </a:r>
+          </a:p>
+          <a:p>
+            <a:pPr lvl="3"/>
+            <a:r>
+              <a:rPr lang="zh-CN" altLang="en-US"/>
+              <a:t>四级</a:t>
+            </a:r>
+          </a:p>
+          <a:p>
+            <a:pPr lvl="4"/>
+            <a:r>
+              <a:rPr lang="zh-CN" altLang="en-US"/>
+              <a:t>五级</a:t>
+            </a:r>
+          </a:p>
+        </p:txBody>
+      </p:sp>
+      <p:sp>
+        <p:nvSpPr>
+          <p:cNvPr id="6" name="页脚占位符 5"/>
+          <p:cNvSpPr>
+            <a:spLocks noGrp="1"/>
+          </p:cNvSpPr>
+          <p:nvPr>
+            <p:ph type="ftr" sz="quarter" idx="4"/>
+          </p:nvPr>
+        </p:nvSpPr>
+        <p:spPr>
+          <a:xfrm>
+            <a:off x="0" y="8685213"/>
+            <a:ext cx="2971800" cy="458787"/>
+          </a:xfrm>
+          <a:prstGeom prst="rect">
+            <a:avLst/>
+          </a:prstGeom>
+        </p:spPr>
+        <p:txBody>
+          <a:bodyPr vert="horz" lIns="91440" tIns="45720" rIns="91440" bIns="45720" rtlCol="0" anchor="b"/>
+          <a:lstStyle>
+            <a:lvl1pPr algn="l">
+              <a:defRPr sz="1200"/>
+            </a:lvl1pPr>
+          </a:lstStyle>
+          <a:p>
+            <a:endParaRPr lang="zh-CN" altLang="en-US"/>
+          </a:p>
+        </p:txBody>
+      </p:sp>
+      <p:sp>
+        <p:nvSpPr>
+          <p:cNvPr id="7" name="灯片编号占位符 6"/>
+          <p:cNvSpPr>
+            <a:spLocks noGrp="1"/>
+          </p:cNvSpPr>
+          <p:nvPr>
+            <p:ph type="sldNum" sz="quarter" idx="5"/>
+          </p:nvPr>
+        </p:nvSpPr>
+        <p:spPr>
+          <a:xfrm>
+            <a:off x="3884613" y="8685213"/>
+            <a:ext cx="2971800" cy="458787"/>
+          </a:xfrm>
+          <a:prstGeom prst="rect">
+            <a:avLst/>
+          </a:prstGeom>
+        </p:spPr>
+        <p:txBody>
+          <a:bodyPr vert="horz" lIns="91440" tIns="45720" rIns="91440" bIns="45720" rtlCol="0" anchor="b"/>
+          <a:lstStyle>
+            <a:lvl1pPr algn="r">
+              <a:defRPr sz="1200"/>
+            </a:lvl1pPr>
+          </a:lstStyle>
+          <a:p>
+            <a:fld id="{6DE1C978-576A-4EDE-9B6B-79F84F20E887}" type="slidenum">
+              <a:rPr lang="zh-CN" altLang="en-US" smtClean="0"/>
+              <a:t>‹#›</a:t>
+            </a:fld>
+            <a:endParaRPr lang="zh-CN" altLang="en-US"/>
+          </a:p>
+        </p:txBody>
+      </p:sp>
+    </p:spTree>
+    <p:extLst>
+      <p:ext uri="{BB962C8B-B14F-4D97-AF65-F5344CB8AC3E}">
+        <p14:creationId xmlns:p14="http://schemas.microsoft.com/office/powerpoint/2010/main" val="203232068"/>
+      </p:ext>
+    </p:extLst>
+  </p:cSld>
+  <p:clrMap bg1="lt1" tx1="dk1" bg2="lt2" tx2="dk2" accent1="accent1" accent2="accent2" accent3="accent3" accent4="accent4" accent5="accent5" accent6="accent6" hlink="hlink" folHlink="folHlink"/>
+  <p:notesStyle>
+    <a:lvl1pPr marL="0" algn="l" defTabSz="914400" rtl="0" eaLnBrk="1" latinLnBrk="0" hangingPunct="1">
+      <a:defRPr sz="1200" kern="1200">
+        <a:solidFill>
+          <a:schemeClr val="tx1"/>
+        </a:solidFill>
+        <a:latin typeface="+mn-lt"/>
+        <a:ea typeface="+mn-ea"/>
+        <a:cs typeface="+mn-cs"/>
+      </a:defRPr>
+    </a:lvl1pPr>
+    <a:lvl2pPr marL="457200" algn="l" defTabSz="914400" rtl="0" eaLnBrk="1" latinLnBrk="0" hangingPunct="1">
+      <a:defRPr sz="1200" kern="1200">
+        <a:solidFill>
+          <a:schemeClr val="tx1"/>
+        </a:solidFill>
+        <a:latin typeface="+mn-lt"/>
+        <a:ea typeface="+mn-ea"/>
+        <a:cs typeface="+mn-cs"/>
+      </a:defRPr>
+    </a:lvl2pPr>
+    <a:lvl3pPr marL="914400" algn="l" defTabSz="914400" rtl="0" eaLnBrk="1" latinLnBrk="0" hangingPunct="1">
+      <a:defRPr sz="1200" kern="1200">
+        <a:solidFill>
+          <a:schemeClr val="tx1"/>
+        </a:solidFill>
+        <a:latin typeface="+mn-lt"/>
+        <a:ea typeface="+mn-ea"/>
+        <a:cs typeface="+mn-cs"/>
+      </a:defRPr>
+    </a:lvl3pPr>
+    <a:lvl4pPr marL="1371600" algn="l" defTabSz="914400" rtl="0" eaLnBrk="1" latinLnBrk="0" hangingPunct="1">
+      <a:defRPr sz="1200" kern="1200">
+        <a:solidFill>
+          <a:schemeClr val="tx1"/>
+        </a:solidFill>
+        <a:latin typeface="+mn-lt"/>
+        <a:ea typeface="+mn-ea"/>
+        <a:cs typeface="+mn-cs"/>
+      </a:defRPr>
+    </a:lvl4pPr>
+    <a:lvl5pPr marL="1828800" algn="l" defTabSz="914400" rtl="0" eaLnBrk="1" latinLnBrk="0" hangingPunct="1">
+      <a:defRPr sz="1200" kern="1200">
+        <a:solidFill>
+          <a:schemeClr val="tx1"/>
+        </a:solidFill>
+        <a:latin typeface="+mn-lt"/>
+        <a:ea typeface="+mn-ea"/>
+        <a:cs typeface="+mn-cs"/>
+      </a:defRPr>
+    </a:lvl5pPr>
+    <a:lvl6pPr marL="2286000" algn="l" defTabSz="914400" rtl="0" eaLnBrk="1" latinLnBrk="0" hangingPunct="1">
+      <a:defRPr sz="1200" kern="1200">
+        <a:solidFill>
+          <a:schemeClr val="tx1"/>
+        </a:solidFill>
+        <a:latin typeface="+mn-lt"/>
+        <a:ea typeface="+mn-ea"/>
+        <a:cs typeface="+mn-cs"/>
+      </a:defRPr>
+    </a:lvl6pPr>
+    <a:lvl7pPr marL="2743200" algn="l" defTabSz="914400" rtl="0" eaLnBrk="1" latinLnBrk="0" hangingPunct="1">
+      <a:defRPr sz="1200" kern="1200">
+        <a:solidFill>
+          <a:schemeClr val="tx1"/>
+        </a:solidFill>
+        <a:latin typeface="+mn-lt"/>
+        <a:ea typeface="+mn-ea"/>
+        <a:cs typeface="+mn-cs"/>
+      </a:defRPr>
+    </a:lvl7pPr>
+    <a:lvl8pPr marL="3200400" algn="l" defTabSz="914400" rtl="0" eaLnBrk="1" latinLnBrk="0" hangingPunct="1">
+      <a:defRPr sz="1200" kern="1200">
+        <a:solidFill>
+          <a:schemeClr val="tx1"/>
+        </a:solidFill>
+        <a:latin typeface="+mn-lt"/>
+        <a:ea typeface="+mn-ea"/>
+        <a:cs typeface="+mn-cs"/>
+      </a:defRPr>
+    </a:lvl8pPr>
+    <a:lvl9pPr marL="3657600" algn="l" defTabSz="914400" rtl="0" eaLnBrk="1" latinLnBrk="0" hangingPunct="1">
+      <a:defRPr sz="1200" kern="1200">
+        <a:solidFill>
+          <a:schemeClr val="tx1"/>
+        </a:solidFill>
+        <a:latin typeface="+mn-lt"/>
+        <a:ea typeface="+mn-ea"/>
+        <a:cs typeface="+mn-cs"/>
+      </a:defRPr>
+    </a:lvl9pPr>
+  </p:notesStyle>
+</p:notesMaster>
+</file>
+
+<file path=ppt/notesSlides/notesSlide1.xml><?xml version="1.0" encoding="utf-8"?>
+<p:notes xmlns:a="http://schemas.openxmlformats.org/drawingml/2006/main" xmlns:r="http://schemas.openxmlformats.org/officeDocument/2006/relationships" xmlns:p="http://schemas.openxmlformats.org/presentationml/2006/main">
+  <p:cSld>
+    <p:spTree>
+      <p:nvGrpSpPr>
+        <p:cNvPr id="1" name=""/>
+        <p:cNvGrpSpPr/>
+        <p:nvPr/>
+      </p:nvGrpSpPr>
+      <p:grpSpPr>
+        <a:xfrm>
+          <a:off x="0" y="0"/>
+          <a:ext cx="0" cy="0"/>
+          <a:chOff x="0" y="0"/>
+          <a:chExt cx="0" cy="0"/>
+        </a:xfrm>
+      </p:grpSpPr>
+      <p:sp>
+        <p:nvSpPr>
+          <p:cNvPr id="2" name="幻灯片图像占位符 1"/>
+          <p:cNvSpPr>
+            <a:spLocks noGrp="1" noRot="1" noChangeAspect="1"/>
+          </p:cNvSpPr>
+          <p:nvPr>
+            <p:ph type="sldImg"/>
+          </p:nvPr>
+        </p:nvSpPr>
+        <p:spPr/>
+      </p:sp>
+      <p:sp>
+        <p:nvSpPr>
+          <p:cNvPr id="3" name="备注占位符 2"/>
+          <p:cNvSpPr>
+            <a:spLocks noGrp="1"/>
+          </p:cNvSpPr>
+          <p:nvPr>
+            <p:ph type="body" idx="1"/>
+          </p:nvPr>
+        </p:nvSpPr>
+        <p:spPr/>
+        <p:txBody>
+          <a:bodyPr/>
+          <a:lstStyle/>
+          <a:p>
+            <a:endParaRPr lang="zh-CN" altLang="en-US" dirty="0"/>
+          </a:p>
+        </p:txBody>
+      </p:sp>
+      <p:sp>
+        <p:nvSpPr>
+          <p:cNvPr id="4" name="灯片编号占位符 3"/>
+          <p:cNvSpPr>
+            <a:spLocks noGrp="1"/>
+          </p:cNvSpPr>
+          <p:nvPr>
+            <p:ph type="sldNum" sz="quarter" idx="5"/>
+          </p:nvPr>
+        </p:nvSpPr>
+        <p:spPr/>
+        <p:txBody>
+          <a:bodyPr/>
+          <a:lstStyle/>
+          <a:p>
+            <a:fld id="{6DE1C978-576A-4EDE-9B6B-79F84F20E887}" type="slidenum">
+              <a:rPr lang="zh-CN" altLang="en-US" smtClean="0"/>
+              <a:t>2</a:t>
+            </a:fld>
+            <a:endParaRPr lang="zh-CN" altLang="en-US"/>
+          </a:p>
+        </p:txBody>
+      </p:sp>
+    </p:spTree>
+    <p:extLst>
+      <p:ext uri="{BB962C8B-B14F-4D97-AF65-F5344CB8AC3E}">
+        <p14:creationId xmlns:p14="http://schemas.microsoft.com/office/powerpoint/2010/main" val="3095821659"/>
+      </p:ext>
+    </p:extLst>
+  </p:cSld>
+  <p:clrMapOvr>
+    <a:masterClrMapping/>
+  </p:clrMapOvr>
+</p:notes>
 </file>
 
 <file path=ppt/slideLayouts/slideLayout1.xml><?xml version="1.0" encoding="utf-8"?>
@@ -270,7 +706,7 @@
           <a:p>
             <a:fld id="{7932185F-38CF-4A24-82CE-0DC2B7FCD8A5}" type="datetimeFigureOut">
               <a:rPr lang="zh-CN" altLang="en-US" smtClean="0"/>
-              <a:t>2019/12/1/Sunday</a:t>
+              <a:t>2019/12/2/Monday</a:t>
             </a:fld>
             <a:endParaRPr lang="zh-CN" altLang="en-US"/>
           </a:p>
@@ -468,7 +904,7 @@
           <a:p>
             <a:fld id="{7932185F-38CF-4A24-82CE-0DC2B7FCD8A5}" type="datetimeFigureOut">
               <a:rPr lang="zh-CN" altLang="en-US" smtClean="0"/>
-              <a:t>2019/12/1/Sunday</a:t>
+              <a:t>2019/12/2/Monday</a:t>
             </a:fld>
             <a:endParaRPr lang="zh-CN" altLang="en-US"/>
           </a:p>
@@ -676,7 +1112,7 @@
           <a:p>
             <a:fld id="{7932185F-38CF-4A24-82CE-0DC2B7FCD8A5}" type="datetimeFigureOut">
               <a:rPr lang="zh-CN" altLang="en-US" smtClean="0"/>
-              <a:t>2019/12/1/Sunday</a:t>
+              <a:t>2019/12/2/Monday</a:t>
             </a:fld>
             <a:endParaRPr lang="zh-CN" altLang="en-US"/>
           </a:p>
@@ -874,7 +1310,7 @@
           <a:p>
             <a:fld id="{7932185F-38CF-4A24-82CE-0DC2B7FCD8A5}" type="datetimeFigureOut">
               <a:rPr lang="zh-CN" altLang="en-US" smtClean="0"/>
-              <a:t>2019/12/1/Sunday</a:t>
+              <a:t>2019/12/2/Monday</a:t>
             </a:fld>
             <a:endParaRPr lang="zh-CN" altLang="en-US"/>
           </a:p>
@@ -1149,7 +1585,7 @@
           <a:p>
             <a:fld id="{7932185F-38CF-4A24-82CE-0DC2B7FCD8A5}" type="datetimeFigureOut">
               <a:rPr lang="zh-CN" altLang="en-US" smtClean="0"/>
-              <a:t>2019/12/1/Sunday</a:t>
+              <a:t>2019/12/2/Monday</a:t>
             </a:fld>
             <a:endParaRPr lang="zh-CN" altLang="en-US"/>
           </a:p>
@@ -1414,7 +1850,7 @@
           <a:p>
             <a:fld id="{7932185F-38CF-4A24-82CE-0DC2B7FCD8A5}" type="datetimeFigureOut">
               <a:rPr lang="zh-CN" altLang="en-US" smtClean="0"/>
-              <a:t>2019/12/1/Sunday</a:t>
+              <a:t>2019/12/2/Monday</a:t>
             </a:fld>
             <a:endParaRPr lang="zh-CN" altLang="en-US"/>
           </a:p>
@@ -1826,7 +2262,7 @@
           <a:p>
             <a:fld id="{7932185F-38CF-4A24-82CE-0DC2B7FCD8A5}" type="datetimeFigureOut">
               <a:rPr lang="zh-CN" altLang="en-US" smtClean="0"/>
-              <a:t>2019/12/1/Sunday</a:t>
+              <a:t>2019/12/2/Monday</a:t>
             </a:fld>
             <a:endParaRPr lang="zh-CN" altLang="en-US"/>
           </a:p>
@@ -1967,7 +2403,7 @@
           <a:p>
             <a:fld id="{7932185F-38CF-4A24-82CE-0DC2B7FCD8A5}" type="datetimeFigureOut">
               <a:rPr lang="zh-CN" altLang="en-US" smtClean="0"/>
-              <a:t>2019/12/1/Sunday</a:t>
+              <a:t>2019/12/2/Monday</a:t>
             </a:fld>
             <a:endParaRPr lang="zh-CN" altLang="en-US"/>
           </a:p>
@@ -2080,7 +2516,7 @@
           <a:p>
             <a:fld id="{7932185F-38CF-4A24-82CE-0DC2B7FCD8A5}" type="datetimeFigureOut">
               <a:rPr lang="zh-CN" altLang="en-US" smtClean="0"/>
-              <a:t>2019/12/1/Sunday</a:t>
+              <a:t>2019/12/2/Monday</a:t>
             </a:fld>
             <a:endParaRPr lang="zh-CN" altLang="en-US"/>
           </a:p>
@@ -2391,7 +2827,7 @@
           <a:p>
             <a:fld id="{7932185F-38CF-4A24-82CE-0DC2B7FCD8A5}" type="datetimeFigureOut">
               <a:rPr lang="zh-CN" altLang="en-US" smtClean="0"/>
-              <a:t>2019/12/1/Sunday</a:t>
+              <a:t>2019/12/2/Monday</a:t>
             </a:fld>
             <a:endParaRPr lang="zh-CN" altLang="en-US"/>
           </a:p>
@@ -2679,7 +3115,7 @@
           <a:p>
             <a:fld id="{7932185F-38CF-4A24-82CE-0DC2B7FCD8A5}" type="datetimeFigureOut">
               <a:rPr lang="zh-CN" altLang="en-US" smtClean="0"/>
-              <a:t>2019/12/1/Sunday</a:t>
+              <a:t>2019/12/2/Monday</a:t>
             </a:fld>
             <a:endParaRPr lang="zh-CN" altLang="en-US"/>
           </a:p>
@@ -2920,7 +3356,7 @@
           <a:p>
             <a:fld id="{7932185F-38CF-4A24-82CE-0DC2B7FCD8A5}" type="datetimeFigureOut">
               <a:rPr lang="zh-CN" altLang="en-US" smtClean="0"/>
-              <a:t>2019/12/1/Sunday</a:t>
+              <a:t>2019/12/2/Monday</a:t>
             </a:fld>
             <a:endParaRPr lang="zh-CN" altLang="en-US"/>
           </a:p>
@@ -29086,11 +29522,11 @@
           <p:nvPr/>
         </p:nvPicPr>
         <p:blipFill>
-          <a:blip r:embed="rId2">
+          <a:blip r:embed="rId3">
             <a:extLst>
               <a:ext uri="{BEBA8EAE-BF5A-486C-A8C5-ECC9F3942E4B}">
                 <a14:imgProps xmlns:a14="http://schemas.microsoft.com/office/drawing/2010/main">
-                  <a14:imgLayer r:embed="rId3">
+                  <a14:imgLayer r:embed="rId4">
                     <a14:imgEffect>
                       <a14:artisticBlur radius="20"/>
                     </a14:imgEffect>
@@ -29197,7 +29633,7 @@
             <a:avLst/>
           </a:prstGeom>
           <a:blipFill dpi="0" rotWithShape="1">
-            <a:blip r:embed="rId4">
+            <a:blip r:embed="rId5">
               <a:alphaModFix amt="10000"/>
             </a:blip>
             <a:srcRect/>
@@ -30300,7 +30736,7 @@
           <p:nvPr/>
         </p:nvPicPr>
         <p:blipFill>
-          <a:blip r:embed="rId5">
+          <a:blip r:embed="rId6">
             <a:extLst>
               <a:ext uri="{28A0092B-C50C-407E-A947-70E740481C1C}">
                 <a14:useLocalDpi xmlns:a14="http://schemas.microsoft.com/office/drawing/2010/main" val="0"/>
@@ -31292,7 +31728,7 @@
             <p:nvPr/>
           </p:nvPicPr>
           <p:blipFill>
-            <a:blip r:embed="rId6">
+            <a:blip r:embed="rId7">
               <a:extLst>
                 <a:ext uri="{28A0092B-C50C-407E-A947-70E740481C1C}">
                   <a14:useLocalDpi xmlns:a14="http://schemas.microsoft.com/office/drawing/2010/main" val="0"/>
@@ -31339,7 +31775,7 @@
             <p:nvPr/>
           </p:nvPicPr>
           <p:blipFill>
-            <a:blip r:embed="rId6">
+            <a:blip r:embed="rId7">
               <a:extLst>
                 <a:ext uri="{28A0092B-C50C-407E-A947-70E740481C1C}">
                   <a14:useLocalDpi xmlns:a14="http://schemas.microsoft.com/office/drawing/2010/main" val="0"/>
@@ -32035,7 +32471,7 @@
             <p:nvPr/>
           </p:nvPicPr>
           <p:blipFill>
-            <a:blip r:embed="rId6">
+            <a:blip r:embed="rId7">
               <a:extLst>
                 <a:ext uri="{28A0092B-C50C-407E-A947-70E740481C1C}">
                   <a14:useLocalDpi xmlns:a14="http://schemas.microsoft.com/office/drawing/2010/main" val="0"/>
@@ -32082,7 +32518,7 @@
             <p:nvPr/>
           </p:nvPicPr>
           <p:blipFill>
-            <a:blip r:embed="rId6">
+            <a:blip r:embed="rId7">
               <a:extLst>
                 <a:ext uri="{28A0092B-C50C-407E-A947-70E740481C1C}">
                   <a14:useLocalDpi xmlns:a14="http://schemas.microsoft.com/office/drawing/2010/main" val="0"/>
@@ -35620,7 +36056,7 @@
             <p:nvPr/>
           </p:nvPicPr>
           <p:blipFill>
-            <a:blip r:embed="rId7">
+            <a:blip r:embed="rId8">
               <a:extLst>
                 <a:ext uri="{28A0092B-C50C-407E-A947-70E740481C1C}">
                   <a14:useLocalDpi xmlns:a14="http://schemas.microsoft.com/office/drawing/2010/main" val="0"/>
@@ -36045,7 +36481,7 @@
             <p:nvPr/>
           </p:nvPicPr>
           <p:blipFill>
-            <a:blip r:embed="rId8">
+            <a:blip r:embed="rId9">
               <a:extLst>
                 <a:ext uri="{28A0092B-C50C-407E-A947-70E740481C1C}">
                   <a14:useLocalDpi xmlns:a14="http://schemas.microsoft.com/office/drawing/2010/main" val="0"/>
@@ -39607,4 +40043,299 @@
     </a:ext>
   </a:extLst>
 </a:theme>
+</file>
+
+<file path=ppt/theme/theme2.xml><?xml version="1.0" encoding="utf-8"?>
+<a:theme xmlns:a="http://schemas.openxmlformats.org/drawingml/2006/main" name="Office 主题​​">
+  <a:themeElements>
+    <a:clrScheme name="Office">
+      <a:dk1>
+        <a:sysClr val="windowText" lastClr="505B66"/>
+      </a:dk1>
+      <a:lt1>
+        <a:sysClr val="window" lastClr="FFFFFF"/>
+      </a:lt1>
+      <a:dk2>
+        <a:srgbClr val="44546A"/>
+      </a:dk2>
+      <a:lt2>
+        <a:srgbClr val="E7E6E6"/>
+      </a:lt2>
+      <a:accent1>
+        <a:srgbClr val="4472C4"/>
+      </a:accent1>
+      <a:accent2>
+        <a:srgbClr val="ED7D31"/>
+      </a:accent2>
+      <a:accent3>
+        <a:srgbClr val="A5A5A5"/>
+      </a:accent3>
+      <a:accent4>
+        <a:srgbClr val="FFC000"/>
+      </a:accent4>
+      <a:accent5>
+        <a:srgbClr val="5B9BD5"/>
+      </a:accent5>
+      <a:accent6>
+        <a:srgbClr val="70AD47"/>
+      </a:accent6>
+      <a:hlink>
+        <a:srgbClr val="0563C1"/>
+      </a:hlink>
+      <a:folHlink>
+        <a:srgbClr val="954F72"/>
+      </a:folHlink>
+    </a:clrScheme>
+    <a:fontScheme name="Office">
+      <a:majorFont>
+        <a:latin typeface="等线 Light" panose="020F0302020204030204"/>
+        <a:ea typeface=""/>
+        <a:cs typeface=""/>
+        <a:font script="Jpan" typeface="游ゴシック Light"/>
+        <a:font script="Hang" typeface="맑은 고딕"/>
+        <a:font script="Hans" typeface="等线 Light"/>
+        <a:font script="Hant" typeface="新細明體"/>
+        <a:font script="Arab" typeface="Times New Roman"/>
+        <a:font script="Hebr" typeface="Times New Roman"/>
+        <a:font script="Thai" typeface="Angsana New"/>
+        <a:font script="Ethi" typeface="Nyala"/>
+        <a:font script="Beng" typeface="Vrinda"/>
+        <a:font script="Gujr" typeface="Shruti"/>
+        <a:font script="Khmr" typeface="MoolBoran"/>
+        <a:font script="Knda" typeface="Tunga"/>
+        <a:font script="Guru" typeface="Raavi"/>
+        <a:font script="Cans" typeface="Euphemia"/>
+        <a:font script="Cher" typeface="Plantagenet Cherokee"/>
+        <a:font script="Yiii" typeface="Microsoft Yi Baiti"/>
+        <a:font script="Tibt" typeface="Microsoft Himalaya"/>
+        <a:font script="Thaa" typeface="MV Boli"/>
+        <a:font script="Deva" typeface="Mangal"/>
+        <a:font script="Telu" typeface="Gautami"/>
+        <a:font script="Taml" typeface="Latha"/>
+        <a:font script="Syrc" typeface="Estrangelo Edessa"/>
+        <a:font script="Orya" typeface="Kalinga"/>
+        <a:font script="Mlym" typeface="Kartika"/>
+        <a:font script="Laoo" typeface="DokChampa"/>
+        <a:font script="Sinh" typeface="Iskoola Pota"/>
+        <a:font script="Mong" typeface="Mongolian Baiti"/>
+        <a:font script="Viet" typeface="Times New Roman"/>
+        <a:font script="Uigh" typeface="Microsoft Uighur"/>
+        <a:font script="Geor" typeface="Sylfaen"/>
+        <a:font script="Armn" typeface="Arial"/>
+        <a:font script="Bugi" typeface="Leelawadee UI"/>
+        <a:font script="Bopo" typeface="Microsoft JhengHei"/>
+        <a:font script="Java" typeface="Javanese Text"/>
+        <a:font script="Lisu" typeface="Segoe UI"/>
+        <a:font script="Mymr" typeface="Myanmar Text"/>
+        <a:font script="Nkoo" typeface="Ebrima"/>
+        <a:font script="Olck" typeface="Nirmala UI"/>
+        <a:font script="Osma" typeface="Ebrima"/>
+        <a:font script="Phag" typeface="Phagspa"/>
+        <a:font script="Syrn" typeface="Estrangelo Edessa"/>
+        <a:font script="Syrj" typeface="Estrangelo Edessa"/>
+        <a:font script="Syre" typeface="Estrangelo Edessa"/>
+        <a:font script="Sora" typeface="Nirmala UI"/>
+        <a:font script="Tale" typeface="Microsoft Tai Le"/>
+        <a:font script="Talu" typeface="Microsoft New Tai Lue"/>
+        <a:font script="Tfng" typeface="Ebrima"/>
+      </a:majorFont>
+      <a:minorFont>
+        <a:latin typeface="等线" panose="020F0502020204030204"/>
+        <a:ea typeface=""/>
+        <a:cs typeface=""/>
+        <a:font script="Jpan" typeface="游ゴシック"/>
+        <a:font script="Hang" typeface="맑은 고딕"/>
+        <a:font script="Hans" typeface="等线"/>
+        <a:font script="Hant" typeface="新細明體"/>
+        <a:font script="Arab" typeface="Arial"/>
+        <a:font script="Hebr" typeface="Arial"/>
+        <a:font script="Thai" typeface="Cordia New"/>
+        <a:font script="Ethi" typeface="Nyala"/>
+        <a:font script="Beng" typeface="Vrinda"/>
+        <a:font script="Gujr" typeface="Shruti"/>
+        <a:font script="Khmr" typeface="DaunPenh"/>
+        <a:font script="Knda" typeface="Tunga"/>
+        <a:font script="Guru" typeface="Raavi"/>
+        <a:font script="Cans" typeface="Euphemia"/>
+        <a:font script="Cher" typeface="Plantagenet Cherokee"/>
+        <a:font script="Yiii" typeface="Microsoft Yi Baiti"/>
+        <a:font script="Tibt" typeface="Microsoft Himalaya"/>
+        <a:font script="Thaa" typeface="MV Boli"/>
+        <a:font script="Deva" typeface="Mangal"/>
+        <a:font script="Telu" typeface="Gautami"/>
+        <a:font script="Taml" typeface="Latha"/>
+        <a:font script="Syrc" typeface="Estrangelo Edessa"/>
+        <a:font script="Orya" typeface="Kalinga"/>
+        <a:font script="Mlym" typeface="Kartika"/>
+        <a:font script="Laoo" typeface="DokChampa"/>
+        <a:font script="Sinh" typeface="Iskoola Pota"/>
+        <a:font script="Mong" typeface="Mongolian Baiti"/>
+        <a:font script="Viet" typeface="Arial"/>
+        <a:font script="Uigh" typeface="Microsoft Uighur"/>
+        <a:font script="Geor" typeface="Sylfaen"/>
+        <a:font script="Armn" typeface="Arial"/>
+        <a:font script="Bugi" typeface="Leelawadee UI"/>
+        <a:font script="Bopo" typeface="Microsoft JhengHei"/>
+        <a:font script="Java" typeface="Javanese Text"/>
+        <a:font script="Lisu" typeface="Segoe UI"/>
+        <a:font script="Mymr" typeface="Myanmar Text"/>
+        <a:font script="Nkoo" typeface="Ebrima"/>
+        <a:font script="Olck" typeface="Nirmala UI"/>
+        <a:font script="Osma" typeface="Ebrima"/>
+        <a:font script="Phag" typeface="Phagspa"/>
+        <a:font script="Syrn" typeface="Estrangelo Edessa"/>
+        <a:font script="Syrj" typeface="Estrangelo Edessa"/>
+        <a:font script="Syre" typeface="Estrangelo Edessa"/>
+        <a:font script="Sora" typeface="Nirmala UI"/>
+        <a:font script="Tale" typeface="Microsoft Tai Le"/>
+        <a:font script="Talu" typeface="Microsoft New Tai Lue"/>
+        <a:font script="Tfng" typeface="Ebrima"/>
+      </a:minorFont>
+    </a:fontScheme>
+    <a:fmtScheme name="Office">
+      <a:fillStyleLst>
+        <a:solidFill>
+          <a:schemeClr val="phClr"/>
+        </a:solidFill>
+        <a:gradFill rotWithShape="1">
+          <a:gsLst>
+            <a:gs pos="0">
+              <a:schemeClr val="phClr">
+                <a:lumMod val="110000"/>
+                <a:satMod val="105000"/>
+                <a:tint val="67000"/>
+              </a:schemeClr>
+            </a:gs>
+            <a:gs pos="50000">
+              <a:schemeClr val="phClr">
+                <a:lumMod val="105000"/>
+                <a:satMod val="103000"/>
+                <a:tint val="73000"/>
+              </a:schemeClr>
+            </a:gs>
+            <a:gs pos="100000">
+              <a:schemeClr val="phClr">
+                <a:lumMod val="105000"/>
+                <a:satMod val="109000"/>
+                <a:tint val="81000"/>
+              </a:schemeClr>
+            </a:gs>
+          </a:gsLst>
+          <a:lin ang="5400000" scaled="0"/>
+        </a:gradFill>
+        <a:gradFill rotWithShape="1">
+          <a:gsLst>
+            <a:gs pos="0">
+              <a:schemeClr val="phClr">
+                <a:satMod val="103000"/>
+                <a:lumMod val="102000"/>
+                <a:tint val="94000"/>
+              </a:schemeClr>
+            </a:gs>
+            <a:gs pos="50000">
+              <a:schemeClr val="phClr">
+                <a:satMod val="110000"/>
+                <a:lumMod val="100000"/>
+                <a:shade val="100000"/>
+              </a:schemeClr>
+            </a:gs>
+            <a:gs pos="100000">
+              <a:schemeClr val="phClr">
+                <a:lumMod val="99000"/>
+                <a:satMod val="120000"/>
+                <a:shade val="78000"/>
+              </a:schemeClr>
+            </a:gs>
+          </a:gsLst>
+          <a:lin ang="5400000" scaled="0"/>
+        </a:gradFill>
+      </a:fillStyleLst>
+      <a:lnStyleLst>
+        <a:ln w="6350" cap="flat" cmpd="sng" algn="ctr">
+          <a:solidFill>
+            <a:schemeClr val="phClr"/>
+          </a:solidFill>
+          <a:prstDash val="solid"/>
+          <a:miter lim="800000"/>
+        </a:ln>
+        <a:ln w="12700" cap="flat" cmpd="sng" algn="ctr">
+          <a:solidFill>
+            <a:schemeClr val="phClr"/>
+          </a:solidFill>
+          <a:prstDash val="solid"/>
+          <a:miter lim="800000"/>
+        </a:ln>
+        <a:ln w="19050" cap="flat" cmpd="sng" algn="ctr">
+          <a:solidFill>
+            <a:schemeClr val="phClr"/>
+          </a:solidFill>
+          <a:prstDash val="solid"/>
+          <a:miter lim="800000"/>
+        </a:ln>
+      </a:lnStyleLst>
+      <a:effectStyleLst>
+        <a:effectStyle>
+          <a:effectLst/>
+        </a:effectStyle>
+        <a:effectStyle>
+          <a:effectLst/>
+        </a:effectStyle>
+        <a:effectStyle>
+          <a:effectLst>
+            <a:outerShdw blurRad="57150" dist="19050" dir="5400000" algn="ctr" rotWithShape="0">
+              <a:srgbClr val="000000">
+                <a:alpha val="63000"/>
+              </a:srgbClr>
+            </a:outerShdw>
+          </a:effectLst>
+        </a:effectStyle>
+      </a:effectStyleLst>
+      <a:bgFillStyleLst>
+        <a:solidFill>
+          <a:schemeClr val="phClr"/>
+        </a:solidFill>
+        <a:solidFill>
+          <a:schemeClr val="phClr">
+            <a:tint val="95000"/>
+            <a:satMod val="170000"/>
+          </a:schemeClr>
+        </a:solidFill>
+        <a:gradFill rotWithShape="1">
+          <a:gsLst>
+            <a:gs pos="0">
+              <a:schemeClr val="phClr">
+                <a:tint val="93000"/>
+                <a:satMod val="150000"/>
+                <a:shade val="98000"/>
+                <a:lumMod val="102000"/>
+              </a:schemeClr>
+            </a:gs>
+            <a:gs pos="50000">
+              <a:schemeClr val="phClr">
+                <a:tint val="98000"/>
+                <a:satMod val="130000"/>
+                <a:shade val="90000"/>
+                <a:lumMod val="103000"/>
+              </a:schemeClr>
+            </a:gs>
+            <a:gs pos="100000">
+              <a:schemeClr val="phClr">
+                <a:shade val="63000"/>
+                <a:satMod val="120000"/>
+              </a:schemeClr>
+            </a:gs>
+          </a:gsLst>
+          <a:lin ang="5400000" scaled="0"/>
+        </a:gradFill>
+      </a:bgFillStyleLst>
+    </a:fmtScheme>
+  </a:themeElements>
+  <a:objectDefaults/>
+  <a:extraClrSchemeLst/>
+  <a:extLst>
+    <a:ext uri="{05A4C25C-085E-4340-85A3-A5531E510DB2}">
+      <thm15:themeFamily xmlns:thm15="http://schemas.microsoft.com/office/thememl/2012/main" name="Office Theme" id="{62F939B6-93AF-4DB8-9C6B-D6C7DFDC589F}" vid="{4A3C46E8-61CC-4603-A589-7422A47A8E4A}"/>
+    </a:ext>
+  </a:extLst>
+</a:theme>
 </file>